--- a/Lambda.pptx
+++ b/Lambda.pptx
@@ -9,11 +9,13 @@
     <p:sldId id="257" r:id="rId3"/>
     <p:sldId id="258" r:id="rId4"/>
     <p:sldId id="260" r:id="rId5"/>
-    <p:sldId id="259" r:id="rId6"/>
-    <p:sldId id="261" r:id="rId7"/>
-    <p:sldId id="262" r:id="rId8"/>
-    <p:sldId id="263" r:id="rId9"/>
-    <p:sldId id="264" r:id="rId10"/>
+    <p:sldId id="265" r:id="rId6"/>
+    <p:sldId id="259" r:id="rId7"/>
+    <p:sldId id="261" r:id="rId8"/>
+    <p:sldId id="262" r:id="rId9"/>
+    <p:sldId id="266" r:id="rId10"/>
+    <p:sldId id="263" r:id="rId11"/>
+    <p:sldId id="264" r:id="rId12"/>
   </p:sldIdLst>
   <p:sldSz cx="12192000" cy="6858000"/>
   <p:notesSz cx="6858000" cy="9144000"/>
@@ -487,7 +489,7 @@
           <a:p>
             <a:fld id="{C34E5433-AD7D-4C19-BB40-1987E1C1E433}" type="datetimeFigureOut">
               <a:rPr lang="en-US" smtClean="0"/>
-              <a:t>11/26/2018</a:t>
+              <a:t>12/4/2018</a:t>
             </a:fld>
             <a:endParaRPr lang="en-US"/>
           </a:p>
@@ -734,7 +736,7 @@
           <a:p>
             <a:fld id="{C34E5433-AD7D-4C19-BB40-1987E1C1E433}" type="datetimeFigureOut">
               <a:rPr lang="en-US" smtClean="0"/>
-              <a:t>11/26/2018</a:t>
+              <a:t>12/4/2018</a:t>
             </a:fld>
             <a:endParaRPr lang="en-US"/>
           </a:p>
@@ -1120,7 +1122,7 @@
           <a:p>
             <a:fld id="{C34E5433-AD7D-4C19-BB40-1987E1C1E433}" type="datetimeFigureOut">
               <a:rPr lang="en-US" smtClean="0"/>
-              <a:t>11/26/2018</a:t>
+              <a:t>12/4/2018</a:t>
             </a:fld>
             <a:endParaRPr lang="en-US"/>
           </a:p>
@@ -1349,7 +1351,7 @@
           <a:p>
             <a:fld id="{C34E5433-AD7D-4C19-BB40-1987E1C1E433}" type="datetimeFigureOut">
               <a:rPr lang="en-US" smtClean="0"/>
-              <a:t>11/26/2018</a:t>
+              <a:t>12/4/2018</a:t>
             </a:fld>
             <a:endParaRPr lang="en-US"/>
           </a:p>
@@ -1840,7 +1842,7 @@
           <a:p>
             <a:fld id="{C34E5433-AD7D-4C19-BB40-1987E1C1E433}" type="datetimeFigureOut">
               <a:rPr lang="en-US" smtClean="0"/>
-              <a:t>11/26/2018</a:t>
+              <a:t>12/4/2018</a:t>
             </a:fld>
             <a:endParaRPr lang="en-US"/>
           </a:p>
@@ -2150,7 +2152,7 @@
           <a:p>
             <a:fld id="{C34E5433-AD7D-4C19-BB40-1987E1C1E433}" type="datetimeFigureOut">
               <a:rPr lang="en-US" smtClean="0"/>
-              <a:t>11/26/2018</a:t>
+              <a:t>12/4/2018</a:t>
             </a:fld>
             <a:endParaRPr lang="en-US"/>
           </a:p>
@@ -2541,7 +2543,7 @@
           <a:p>
             <a:fld id="{C34E5433-AD7D-4C19-BB40-1987E1C1E433}" type="datetimeFigureOut">
               <a:rPr lang="en-US" smtClean="0"/>
-              <a:t>11/26/2018</a:t>
+              <a:t>12/4/2018</a:t>
             </a:fld>
             <a:endParaRPr lang="en-US"/>
           </a:p>
@@ -2659,7 +2661,7 @@
           <a:p>
             <a:fld id="{C34E5433-AD7D-4C19-BB40-1987E1C1E433}" type="datetimeFigureOut">
               <a:rPr lang="en-US" smtClean="0"/>
-              <a:t>11/26/2018</a:t>
+              <a:t>12/4/2018</a:t>
             </a:fld>
             <a:endParaRPr lang="en-US"/>
           </a:p>
@@ -2754,7 +2756,7 @@
           <a:p>
             <a:fld id="{C34E5433-AD7D-4C19-BB40-1987E1C1E433}" type="datetimeFigureOut">
               <a:rPr lang="en-US" smtClean="0"/>
-              <a:t>11/26/2018</a:t>
+              <a:t>12/4/2018</a:t>
             </a:fld>
             <a:endParaRPr lang="en-US"/>
           </a:p>
@@ -3054,7 +3056,7 @@
           <a:p>
             <a:fld id="{C34E5433-AD7D-4C19-BB40-1987E1C1E433}" type="datetimeFigureOut">
               <a:rPr lang="en-US" smtClean="0"/>
-              <a:t>11/26/2018</a:t>
+              <a:t>12/4/2018</a:t>
             </a:fld>
             <a:endParaRPr lang="en-US"/>
           </a:p>
@@ -3319,7 +3321,7 @@
           <a:p>
             <a:fld id="{C34E5433-AD7D-4C19-BB40-1987E1C1E433}" type="datetimeFigureOut">
               <a:rPr lang="en-US" smtClean="0"/>
-              <a:t>11/26/2018</a:t>
+              <a:t>12/4/2018</a:t>
             </a:fld>
             <a:endParaRPr lang="en-US"/>
           </a:p>
@@ -3737,7 +3739,7 @@
           <a:p>
             <a:fld id="{C34E5433-AD7D-4C19-BB40-1987E1C1E433}" type="datetimeFigureOut">
               <a:rPr lang="en-US" smtClean="0"/>
-              <a:t>11/26/2018</a:t>
+              <a:t>12/4/2018</a:t>
             </a:fld>
             <a:endParaRPr lang="en-US"/>
           </a:p>
@@ -4301,6 +4303,845 @@
 </p:sld>
 </file>
 
+<file path=ppt/slides/slide10.xml><?xml version="1.0" encoding="utf-8"?>
+<p:sld xmlns:a="http://schemas.openxmlformats.org/drawingml/2006/main" xmlns:r="http://schemas.openxmlformats.org/officeDocument/2006/relationships" xmlns:p="http://schemas.openxmlformats.org/presentationml/2006/main">
+  <p:cSld>
+    <p:spTree>
+      <p:nvGrpSpPr>
+        <p:cNvPr id="1" name=""/>
+        <p:cNvGrpSpPr/>
+        <p:nvPr/>
+      </p:nvGrpSpPr>
+      <p:grpSpPr>
+        <a:xfrm>
+          <a:off x="0" y="0"/>
+          <a:ext cx="0" cy="0"/>
+          <a:chOff x="0" y="0"/>
+          <a:chExt cx="0" cy="0"/>
+        </a:xfrm>
+      </p:grpSpPr>
+      <p:sp>
+        <p:nvSpPr>
+          <p:cNvPr id="2" name="Title 1"/>
+          <p:cNvSpPr>
+            <a:spLocks noGrp="1"/>
+          </p:cNvSpPr>
+          <p:nvPr>
+            <p:ph type="title"/>
+          </p:nvPr>
+        </p:nvSpPr>
+        <p:spPr>
+          <a:xfrm>
+            <a:off x="762000" y="559678"/>
+            <a:ext cx="3833906" cy="1381417"/>
+          </a:xfrm>
+        </p:spPr>
+        <p:txBody>
+          <a:bodyPr/>
+          <a:lstStyle/>
+          <a:p>
+            <a:r>
+              <a:rPr lang="en-US" dirty="0" smtClean="0"/>
+              <a:t>Recursion</a:t>
+            </a:r>
+            <a:endParaRPr lang="en-US" dirty="0"/>
+          </a:p>
+        </p:txBody>
+      </p:sp>
+      <mc:AlternateContent xmlns:mc="http://schemas.openxmlformats.org/markup-compatibility/2006">
+        <mc:Choice xmlns:a14="http://schemas.microsoft.com/office/drawing/2010/main" Requires="a14">
+          <p:sp>
+            <p:nvSpPr>
+              <p:cNvPr id="3" name="Content Placeholder 2"/>
+              <p:cNvSpPr>
+                <a:spLocks noGrp="1"/>
+              </p:cNvSpPr>
+              <p:nvPr>
+                <p:ph idx="1"/>
+              </p:nvPr>
+            </p:nvSpPr>
+            <p:spPr/>
+            <p:txBody>
+              <a:bodyPr>
+                <a:normAutofit/>
+              </a:bodyPr>
+              <a:lstStyle/>
+              <a:p>
+                <a:r>
+                  <a:rPr lang="en-US" sz="2800" dirty="0" smtClean="0"/>
+                  <a:t>Possible with the </a:t>
+                </a:r>
+                <a:r>
+                  <a:rPr lang="en-US" sz="2800" dirty="0" smtClean="0"/>
+                  <a:t>Y-</a:t>
+                </a:r>
+                <a:r>
+                  <a:rPr lang="en-US" sz="2800" dirty="0" err="1" smtClean="0"/>
+                  <a:t>combinator</a:t>
+                </a:r>
+                <a:endParaRPr lang="en-US" sz="2800" dirty="0" smtClean="0"/>
+              </a:p>
+              <a:p>
+                <a:pPr lvl="1"/>
+                <a14:m>
+                  <m:oMath xmlns:m="http://schemas.openxmlformats.org/officeDocument/2006/math">
+                    <m:r>
+                      <a:rPr lang="en-US" sz="2600" i="1">
+                        <a:latin typeface="Cambria Math" panose="02040503050406030204" pitchFamily="18" charset="0"/>
+                      </a:rPr>
+                      <m:t>𝑌</m:t>
+                    </m:r>
+                    <m:r>
+                      <a:rPr lang="en-US" sz="2600" i="1">
+                        <a:latin typeface="Cambria Math" panose="02040503050406030204" pitchFamily="18" charset="0"/>
+                      </a:rPr>
+                      <m:t>≔</m:t>
+                    </m:r>
+                    <m:r>
+                      <a:rPr lang="en-US" sz="2600" i="1">
+                        <a:latin typeface="Cambria Math" panose="02040503050406030204" pitchFamily="18" charset="0"/>
+                      </a:rPr>
+                      <m:t>𝜆</m:t>
+                    </m:r>
+                    <m:r>
+                      <a:rPr lang="en-US" sz="2600" i="1">
+                        <a:latin typeface="Cambria Math" panose="02040503050406030204" pitchFamily="18" charset="0"/>
+                      </a:rPr>
+                      <m:t>𝑓</m:t>
+                    </m:r>
+                    <m:r>
+                      <a:rPr lang="en-US" sz="2600" i="1">
+                        <a:latin typeface="Cambria Math" panose="02040503050406030204" pitchFamily="18" charset="0"/>
+                      </a:rPr>
+                      <m:t>.</m:t>
+                    </m:r>
+                    <m:d>
+                      <m:dPr>
+                        <m:ctrlPr>
+                          <a:rPr lang="en-US" sz="2600" i="1">
+                            <a:latin typeface="Cambria Math" panose="02040503050406030204" pitchFamily="18" charset="0"/>
+                          </a:rPr>
+                        </m:ctrlPr>
+                      </m:dPr>
+                      <m:e>
+                        <m:r>
+                          <a:rPr lang="en-US" sz="2600" i="1">
+                            <a:latin typeface="Cambria Math" panose="02040503050406030204" pitchFamily="18" charset="0"/>
+                          </a:rPr>
+                          <m:t>𝜆</m:t>
+                        </m:r>
+                        <m:r>
+                          <a:rPr lang="en-US" sz="2600" i="1">
+                            <a:latin typeface="Cambria Math" panose="02040503050406030204" pitchFamily="18" charset="0"/>
+                          </a:rPr>
+                          <m:t>𝑥</m:t>
+                        </m:r>
+                        <m:r>
+                          <a:rPr lang="en-US" sz="2600" i="1">
+                            <a:latin typeface="Cambria Math" panose="02040503050406030204" pitchFamily="18" charset="0"/>
+                          </a:rPr>
+                          <m:t>.</m:t>
+                        </m:r>
+                        <m:r>
+                          <a:rPr lang="en-US" sz="2600" i="1">
+                            <a:latin typeface="Cambria Math" panose="02040503050406030204" pitchFamily="18" charset="0"/>
+                          </a:rPr>
+                          <m:t>𝑓</m:t>
+                        </m:r>
+                        <m:d>
+                          <m:dPr>
+                            <m:ctrlPr>
+                              <a:rPr lang="en-US" sz="2600" i="1">
+                                <a:latin typeface="Cambria Math" panose="02040503050406030204" pitchFamily="18" charset="0"/>
+                              </a:rPr>
+                            </m:ctrlPr>
+                          </m:dPr>
+                          <m:e>
+                            <m:r>
+                              <a:rPr lang="en-US" sz="2600" i="1">
+                                <a:latin typeface="Cambria Math" panose="02040503050406030204" pitchFamily="18" charset="0"/>
+                              </a:rPr>
+                              <m:t>𝑥𝑥</m:t>
+                            </m:r>
+                          </m:e>
+                        </m:d>
+                      </m:e>
+                    </m:d>
+                    <m:d>
+                      <m:dPr>
+                        <m:ctrlPr>
+                          <a:rPr lang="en-US" sz="2600" i="1">
+                            <a:latin typeface="Cambria Math" panose="02040503050406030204" pitchFamily="18" charset="0"/>
+                          </a:rPr>
+                        </m:ctrlPr>
+                      </m:dPr>
+                      <m:e>
+                        <m:r>
+                          <a:rPr lang="en-US" sz="2600" i="1">
+                            <a:latin typeface="Cambria Math" panose="02040503050406030204" pitchFamily="18" charset="0"/>
+                          </a:rPr>
+                          <m:t>𝜆</m:t>
+                        </m:r>
+                        <m:r>
+                          <a:rPr lang="en-US" sz="2600" i="1">
+                            <a:latin typeface="Cambria Math" panose="02040503050406030204" pitchFamily="18" charset="0"/>
+                          </a:rPr>
+                          <m:t>𝑥</m:t>
+                        </m:r>
+                        <m:r>
+                          <a:rPr lang="en-US" sz="2600" i="1">
+                            <a:latin typeface="Cambria Math" panose="02040503050406030204" pitchFamily="18" charset="0"/>
+                          </a:rPr>
+                          <m:t>.</m:t>
+                        </m:r>
+                        <m:r>
+                          <a:rPr lang="en-US" sz="2600" i="1">
+                            <a:latin typeface="Cambria Math" panose="02040503050406030204" pitchFamily="18" charset="0"/>
+                          </a:rPr>
+                          <m:t>𝑓</m:t>
+                        </m:r>
+                        <m:d>
+                          <m:dPr>
+                            <m:ctrlPr>
+                              <a:rPr lang="en-US" sz="2600" i="1">
+                                <a:latin typeface="Cambria Math" panose="02040503050406030204" pitchFamily="18" charset="0"/>
+                              </a:rPr>
+                            </m:ctrlPr>
+                          </m:dPr>
+                          <m:e>
+                            <m:r>
+                              <a:rPr lang="en-US" sz="2600" i="1">
+                                <a:latin typeface="Cambria Math" panose="02040503050406030204" pitchFamily="18" charset="0"/>
+                              </a:rPr>
+                              <m:t>𝑥𝑥</m:t>
+                            </m:r>
+                          </m:e>
+                        </m:d>
+                      </m:e>
+                    </m:d>
+                  </m:oMath>
+                </a14:m>
+                <a:endParaRPr lang="en-US" sz="2600" dirty="0"/>
+              </a:p>
+              <a:p>
+                <a:r>
+                  <a:rPr lang="en-US" sz="2800" dirty="0" smtClean="0"/>
+                  <a:t>When applied to a function, it creates an expression that is called on itself infinitely many times.</a:t>
+                </a:r>
+              </a:p>
+              <a:p>
+                <a:r>
+                  <a:rPr lang="en-US" sz="2800" dirty="0" smtClean="0"/>
+                  <a:t>Recursion is repeated application of a function on itself.</a:t>
+                </a:r>
+              </a:p>
+              <a:p>
+                <a:r>
+                  <a:rPr lang="en-US" sz="2800" dirty="0" smtClean="0"/>
+                  <a:t>Add a base case to create a recursive function</a:t>
+                </a:r>
+                <a:endParaRPr lang="en-US" sz="2800" dirty="0"/>
+              </a:p>
+            </p:txBody>
+          </p:sp>
+        </mc:Choice>
+        <mc:Fallback>
+          <p:sp>
+            <p:nvSpPr>
+              <p:cNvPr id="3" name="Content Placeholder 2"/>
+              <p:cNvSpPr>
+                <a:spLocks noGrp="1" noRot="1" noChangeAspect="1" noMove="1" noResize="1" noEditPoints="1" noAdjustHandles="1" noChangeArrowheads="1" noChangeShapeType="1" noTextEdit="1"/>
+              </p:cNvSpPr>
+              <p:nvPr>
+                <p:ph idx="1"/>
+              </p:nvPr>
+            </p:nvSpPr>
+            <p:spPr>
+              <a:blipFill rotWithShape="0">
+                <a:blip r:embed="rId2"/>
+                <a:stretch>
+                  <a:fillRect l="-1756" t="-539"/>
+                </a:stretch>
+              </a:blipFill>
+            </p:spPr>
+            <p:txBody>
+              <a:bodyPr/>
+              <a:lstStyle/>
+              <a:p>
+                <a:r>
+                  <a:rPr lang="en-US">
+                    <a:noFill/>
+                  </a:rPr>
+                  <a:t> </a:t>
+                </a:r>
+              </a:p>
+            </p:txBody>
+          </p:sp>
+        </mc:Fallback>
+      </mc:AlternateContent>
+      <mc:AlternateContent xmlns:mc="http://schemas.openxmlformats.org/markup-compatibility/2006" xmlns:a14="http://schemas.microsoft.com/office/drawing/2010/main">
+        <mc:Choice Requires="a14">
+          <p:sp>
+            <p:nvSpPr>
+              <p:cNvPr id="4" name="TextBox 3"/>
+              <p:cNvSpPr txBox="1"/>
+              <p:nvPr/>
+            </p:nvSpPr>
+            <p:spPr>
+              <a:xfrm>
+                <a:off x="1" y="1941095"/>
+                <a:ext cx="5181600" cy="3164008"/>
+              </a:xfrm>
+              <a:prstGeom prst="rect">
+                <a:avLst/>
+              </a:prstGeom>
+              <a:noFill/>
+            </p:spPr>
+            <p:txBody>
+              <a:bodyPr wrap="square" rtlCol="0">
+                <a:spAutoFit/>
+              </a:bodyPr>
+              <a:lstStyle/>
+              <a:p>
+                <a:pPr marL="285750" indent="-285750">
+                  <a:buFont typeface="Arial" panose="020B0604020202020204" pitchFamily="34" charset="0"/>
+                  <a:buChar char="•"/>
+                </a:pPr>
+                <a14:m>
+                  <m:oMath xmlns:m="http://schemas.openxmlformats.org/officeDocument/2006/math">
+                    <m:r>
+                      <a:rPr lang="en-US" sz="2800" b="0" i="1" smtClean="0">
+                        <a:latin typeface="Cambria Math" panose="02040503050406030204" pitchFamily="18" charset="0"/>
+                      </a:rPr>
+                      <m:t>𝑌</m:t>
+                    </m:r>
+                    <m:d>
+                      <m:dPr>
+                        <m:ctrlPr>
+                          <a:rPr lang="en-US" sz="2800" b="0" i="1" smtClean="0">
+                            <a:latin typeface="Cambria Math" panose="02040503050406030204" pitchFamily="18" charset="0"/>
+                          </a:rPr>
+                        </m:ctrlPr>
+                      </m:dPr>
+                      <m:e>
+                        <m:r>
+                          <a:rPr lang="en-US" sz="2800" b="0" i="1" smtClean="0">
+                            <a:latin typeface="Cambria Math" panose="02040503050406030204" pitchFamily="18" charset="0"/>
+                            <a:ea typeface="Cambria Math" panose="02040503050406030204" pitchFamily="18" charset="0"/>
+                          </a:rPr>
+                          <m:t>𝜆</m:t>
+                        </m:r>
+                        <m:r>
+                          <a:rPr lang="en-US" sz="2800" b="0" i="1" smtClean="0">
+                            <a:latin typeface="Cambria Math" panose="02040503050406030204" pitchFamily="18" charset="0"/>
+                            <a:ea typeface="Cambria Math" panose="02040503050406030204" pitchFamily="18" charset="0"/>
+                          </a:rPr>
+                          <m:t>𝑥</m:t>
+                        </m:r>
+                        <m:r>
+                          <a:rPr lang="en-US" sz="2800" b="0" i="1" smtClean="0">
+                            <a:latin typeface="Cambria Math" panose="02040503050406030204" pitchFamily="18" charset="0"/>
+                            <a:ea typeface="Cambria Math" panose="02040503050406030204" pitchFamily="18" charset="0"/>
+                          </a:rPr>
+                          <m:t>.</m:t>
+                        </m:r>
+                        <m:r>
+                          <a:rPr lang="en-US" sz="2800" b="0" i="1" smtClean="0">
+                            <a:latin typeface="Cambria Math" panose="02040503050406030204" pitchFamily="18" charset="0"/>
+                            <a:ea typeface="Cambria Math" panose="02040503050406030204" pitchFamily="18" charset="0"/>
+                          </a:rPr>
+                          <m:t>𝑥</m:t>
+                        </m:r>
+                        <m:r>
+                          <a:rPr lang="en-US" sz="2800" b="0" i="1" smtClean="0">
+                            <a:latin typeface="Cambria Math" panose="02040503050406030204" pitchFamily="18" charset="0"/>
+                            <a:ea typeface="Cambria Math" panose="02040503050406030204" pitchFamily="18" charset="0"/>
+                          </a:rPr>
+                          <m:t>+1</m:t>
+                        </m:r>
+                      </m:e>
+                    </m:d>
+                  </m:oMath>
+                </a14:m>
+                <a:endParaRPr lang="en-US" sz="2800" b="0" dirty="0" smtClean="0">
+                  <a:ea typeface="Cambria Math" panose="02040503050406030204" pitchFamily="18" charset="0"/>
+                </a:endParaRPr>
+              </a:p>
+              <a:p>
+                <a:pPr marL="285750" indent="-285750">
+                  <a:buFont typeface="Arial" panose="020B0604020202020204" pitchFamily="34" charset="0"/>
+                  <a:buChar char="•"/>
+                </a:pPr>
+                <a14:m>
+                  <m:oMath xmlns:m="http://schemas.openxmlformats.org/officeDocument/2006/math">
+                    <m:r>
+                      <a:rPr lang="en-US" sz="2800" b="0" i="1" smtClean="0">
+                        <a:latin typeface="Cambria Math" panose="02040503050406030204" pitchFamily="18" charset="0"/>
+                        <a:ea typeface="Cambria Math" panose="02040503050406030204" pitchFamily="18" charset="0"/>
+                      </a:rPr>
+                      <m:t>𝐹𝑎𝑐𝑡</m:t>
+                    </m:r>
+                    <m:r>
+                      <a:rPr lang="en-US" sz="2800" b="0" i="1" smtClean="0">
+                        <a:latin typeface="Cambria Math" panose="02040503050406030204" pitchFamily="18" charset="0"/>
+                        <a:ea typeface="Cambria Math" panose="02040503050406030204" pitchFamily="18" charset="0"/>
+                      </a:rPr>
+                      <m:t> ≔</m:t>
+                    </m:r>
+                    <m:r>
+                      <a:rPr lang="en-US" sz="2800" i="1">
+                        <a:latin typeface="Cambria Math" panose="02040503050406030204" pitchFamily="18" charset="0"/>
+                        <a:ea typeface="Cambria Math" panose="02040503050406030204" pitchFamily="18" charset="0"/>
+                      </a:rPr>
+                      <m:t>𝜆</m:t>
+                    </m:r>
+                    <m:r>
+                      <a:rPr lang="en-US" sz="2800" b="0" i="1" smtClean="0">
+                        <a:latin typeface="Cambria Math" panose="02040503050406030204" pitchFamily="18" charset="0"/>
+                        <a:ea typeface="Cambria Math" panose="02040503050406030204" pitchFamily="18" charset="0"/>
+                      </a:rPr>
+                      <m:t>𝑛</m:t>
+                    </m:r>
+                    <m:r>
+                      <a:rPr lang="en-US" sz="2800" b="0" i="1" smtClean="0">
+                        <a:latin typeface="Cambria Math" panose="02040503050406030204" pitchFamily="18" charset="0"/>
+                        <a:ea typeface="Cambria Math" panose="02040503050406030204" pitchFamily="18" charset="0"/>
+                      </a:rPr>
+                      <m:t>.</m:t>
+                    </m:r>
+                    <m:r>
+                      <a:rPr lang="en-US" sz="2800" b="0" i="1" smtClean="0">
+                        <a:latin typeface="Cambria Math" panose="02040503050406030204" pitchFamily="18" charset="0"/>
+                        <a:ea typeface="Cambria Math" panose="02040503050406030204" pitchFamily="18" charset="0"/>
+                      </a:rPr>
+                      <m:t>𝑌</m:t>
+                    </m:r>
+                    <m:r>
+                      <a:rPr lang="en-US" sz="2800" b="0" i="1" smtClean="0">
+                        <a:latin typeface="Cambria Math" panose="02040503050406030204" pitchFamily="18" charset="0"/>
+                        <a:ea typeface="Cambria Math" panose="02040503050406030204" pitchFamily="18" charset="0"/>
+                      </a:rPr>
+                      <m:t> </m:t>
+                    </m:r>
+                    <m:d>
+                      <m:dPr>
+                        <m:ctrlPr>
+                          <a:rPr lang="en-US" sz="2800" b="0" i="1" smtClean="0">
+                            <a:latin typeface="Cambria Math" panose="02040503050406030204" pitchFamily="18" charset="0"/>
+                            <a:ea typeface="Cambria Math" panose="02040503050406030204" pitchFamily="18" charset="0"/>
+                          </a:rPr>
+                        </m:ctrlPr>
+                      </m:dPr>
+                      <m:e>
+                        <m:r>
+                          <a:rPr lang="en-US" sz="2800" b="0" i="1" smtClean="0">
+                            <a:latin typeface="Cambria Math" panose="02040503050406030204" pitchFamily="18" charset="0"/>
+                            <a:ea typeface="Cambria Math" panose="02040503050406030204" pitchFamily="18" charset="0"/>
+                          </a:rPr>
+                          <m:t>𝜆</m:t>
+                        </m:r>
+                        <m:r>
+                          <a:rPr lang="en-US" sz="2800" b="0" i="1" smtClean="0">
+                            <a:latin typeface="Cambria Math" panose="02040503050406030204" pitchFamily="18" charset="0"/>
+                            <a:ea typeface="Cambria Math" panose="02040503050406030204" pitchFamily="18" charset="0"/>
+                          </a:rPr>
+                          <m:t>𝑓</m:t>
+                        </m:r>
+                        <m:r>
+                          <a:rPr lang="en-US" sz="2800" b="0" i="1" smtClean="0">
+                            <a:latin typeface="Cambria Math" panose="02040503050406030204" pitchFamily="18" charset="0"/>
+                            <a:ea typeface="Cambria Math" panose="02040503050406030204" pitchFamily="18" charset="0"/>
+                          </a:rPr>
+                          <m:t>.</m:t>
+                        </m:r>
+                        <m:r>
+                          <a:rPr lang="en-US" sz="2800" b="0" i="1" smtClean="0">
+                            <a:latin typeface="Cambria Math" panose="02040503050406030204" pitchFamily="18" charset="0"/>
+                            <a:ea typeface="Cambria Math" panose="02040503050406030204" pitchFamily="18" charset="0"/>
+                          </a:rPr>
+                          <m:t>𝜆</m:t>
+                        </m:r>
+                        <m:sSup>
+                          <m:sSupPr>
+                            <m:ctrlPr>
+                              <a:rPr lang="en-US" sz="2800" b="0" i="1" smtClean="0">
+                                <a:latin typeface="Cambria Math" panose="02040503050406030204" pitchFamily="18" charset="0"/>
+                                <a:ea typeface="Cambria Math" panose="02040503050406030204" pitchFamily="18" charset="0"/>
+                              </a:rPr>
+                            </m:ctrlPr>
+                          </m:sSupPr>
+                          <m:e>
+                            <m:r>
+                              <a:rPr lang="en-US" sz="2800" b="0" i="1" smtClean="0">
+                                <a:latin typeface="Cambria Math" panose="02040503050406030204" pitchFamily="18" charset="0"/>
+                                <a:ea typeface="Cambria Math" panose="02040503050406030204" pitchFamily="18" charset="0"/>
+                              </a:rPr>
+                              <m:t>𝑛</m:t>
+                            </m:r>
+                          </m:e>
+                          <m:sup>
+                            <m:r>
+                              <a:rPr lang="en-US" sz="2800" b="0" i="1" smtClean="0">
+                                <a:latin typeface="Cambria Math" panose="02040503050406030204" pitchFamily="18" charset="0"/>
+                                <a:ea typeface="Cambria Math" panose="02040503050406030204" pitchFamily="18" charset="0"/>
+                              </a:rPr>
+                              <m:t>′</m:t>
+                            </m:r>
+                          </m:sup>
+                        </m:sSup>
+                        <m:r>
+                          <a:rPr lang="en-US" sz="2800" b="0" i="1" smtClean="0">
+                            <a:latin typeface="Cambria Math" panose="02040503050406030204" pitchFamily="18" charset="0"/>
+                            <a:ea typeface="Cambria Math" panose="02040503050406030204" pitchFamily="18" charset="0"/>
+                          </a:rPr>
+                          <m:t>.</m:t>
+                        </m:r>
+                        <m:r>
+                          <a:rPr lang="en-US" sz="2800" b="0" i="1" smtClean="0">
+                            <a:latin typeface="Cambria Math" panose="02040503050406030204" pitchFamily="18" charset="0"/>
+                            <a:ea typeface="Cambria Math" panose="02040503050406030204" pitchFamily="18" charset="0"/>
+                          </a:rPr>
+                          <m:t>𝑖𝑓</m:t>
+                        </m:r>
+                        <m:sSup>
+                          <m:sSupPr>
+                            <m:ctrlPr>
+                              <a:rPr lang="en-US" sz="2800" b="0" i="1" smtClean="0">
+                                <a:latin typeface="Cambria Math" panose="02040503050406030204" pitchFamily="18" charset="0"/>
+                                <a:ea typeface="Cambria Math" panose="02040503050406030204" pitchFamily="18" charset="0"/>
+                              </a:rPr>
+                            </m:ctrlPr>
+                          </m:sSupPr>
+                          <m:e>
+                            <m:r>
+                              <a:rPr lang="en-US" sz="2800" b="0" i="1" smtClean="0">
+                                <a:latin typeface="Cambria Math" panose="02040503050406030204" pitchFamily="18" charset="0"/>
+                                <a:ea typeface="Cambria Math" panose="02040503050406030204" pitchFamily="18" charset="0"/>
+                              </a:rPr>
+                              <m:t>𝑛</m:t>
+                            </m:r>
+                          </m:e>
+                          <m:sup>
+                            <m:r>
+                              <a:rPr lang="en-US" sz="2800" b="0" i="1" smtClean="0">
+                                <a:latin typeface="Cambria Math" panose="02040503050406030204" pitchFamily="18" charset="0"/>
+                                <a:ea typeface="Cambria Math" panose="02040503050406030204" pitchFamily="18" charset="0"/>
+                              </a:rPr>
+                              <m:t>′</m:t>
+                            </m:r>
+                          </m:sup>
+                        </m:sSup>
+                        <m:r>
+                          <a:rPr lang="en-US" sz="2800" b="0" i="1" smtClean="0">
+                            <a:latin typeface="Cambria Math" panose="02040503050406030204" pitchFamily="18" charset="0"/>
+                            <a:ea typeface="Cambria Math" panose="02040503050406030204" pitchFamily="18" charset="0"/>
+                          </a:rPr>
+                          <m:t>=0 </m:t>
+                        </m:r>
+                        <m:r>
+                          <a:rPr lang="en-US" sz="2800" b="0" i="1" smtClean="0">
+                            <a:latin typeface="Cambria Math" panose="02040503050406030204" pitchFamily="18" charset="0"/>
+                            <a:ea typeface="Cambria Math" panose="02040503050406030204" pitchFamily="18" charset="0"/>
+                          </a:rPr>
+                          <m:t>𝑡h𝑒𝑛</m:t>
+                        </m:r>
+                        <m:r>
+                          <a:rPr lang="en-US" sz="2800" b="0" i="1" smtClean="0">
+                            <a:latin typeface="Cambria Math" panose="02040503050406030204" pitchFamily="18" charset="0"/>
+                            <a:ea typeface="Cambria Math" panose="02040503050406030204" pitchFamily="18" charset="0"/>
+                          </a:rPr>
+                          <m:t> 1 </m:t>
+                        </m:r>
+                        <m:r>
+                          <a:rPr lang="en-US" sz="2800" b="0" i="1" smtClean="0">
+                            <a:latin typeface="Cambria Math" panose="02040503050406030204" pitchFamily="18" charset="0"/>
+                            <a:ea typeface="Cambria Math" panose="02040503050406030204" pitchFamily="18" charset="0"/>
+                          </a:rPr>
+                          <m:t>𝑒𝑙𝑠𝑒</m:t>
+                        </m:r>
+                        <m:r>
+                          <a:rPr lang="en-US" sz="2800" b="0" i="1" smtClean="0">
+                            <a:latin typeface="Cambria Math" panose="02040503050406030204" pitchFamily="18" charset="0"/>
+                            <a:ea typeface="Cambria Math" panose="02040503050406030204" pitchFamily="18" charset="0"/>
+                          </a:rPr>
+                          <m:t> </m:t>
+                        </m:r>
+                        <m:sSup>
+                          <m:sSupPr>
+                            <m:ctrlPr>
+                              <a:rPr lang="en-US" sz="2800" b="0" i="1" smtClean="0">
+                                <a:latin typeface="Cambria Math" panose="02040503050406030204" pitchFamily="18" charset="0"/>
+                                <a:ea typeface="Cambria Math" panose="02040503050406030204" pitchFamily="18" charset="0"/>
+                              </a:rPr>
+                            </m:ctrlPr>
+                          </m:sSupPr>
+                          <m:e>
+                            <m:r>
+                              <a:rPr lang="en-US" sz="2800" b="0" i="1" smtClean="0">
+                                <a:latin typeface="Cambria Math" panose="02040503050406030204" pitchFamily="18" charset="0"/>
+                                <a:ea typeface="Cambria Math" panose="02040503050406030204" pitchFamily="18" charset="0"/>
+                              </a:rPr>
+                              <m:t>𝑛</m:t>
+                            </m:r>
+                          </m:e>
+                          <m:sup>
+                            <m:r>
+                              <a:rPr lang="en-US" sz="2800" b="0" i="1" smtClean="0">
+                                <a:latin typeface="Cambria Math" panose="02040503050406030204" pitchFamily="18" charset="0"/>
+                                <a:ea typeface="Cambria Math" panose="02040503050406030204" pitchFamily="18" charset="0"/>
+                              </a:rPr>
+                              <m:t>′</m:t>
+                            </m:r>
+                          </m:sup>
+                        </m:sSup>
+                        <m:r>
+                          <a:rPr lang="en-US" sz="2800" b="0" i="1" smtClean="0">
+                            <a:latin typeface="Cambria Math" panose="02040503050406030204" pitchFamily="18" charset="0"/>
+                            <a:ea typeface="Cambria Math" panose="02040503050406030204" pitchFamily="18" charset="0"/>
+                          </a:rPr>
+                          <m:t>∗</m:t>
+                        </m:r>
+                        <m:r>
+                          <a:rPr lang="en-US" sz="2800" b="0" i="1" smtClean="0">
+                            <a:latin typeface="Cambria Math" panose="02040503050406030204" pitchFamily="18" charset="0"/>
+                            <a:ea typeface="Cambria Math" panose="02040503050406030204" pitchFamily="18" charset="0"/>
+                          </a:rPr>
+                          <m:t>𝑓</m:t>
+                        </m:r>
+                        <m:d>
+                          <m:dPr>
+                            <m:ctrlPr>
+                              <a:rPr lang="en-US" sz="2800" b="0" i="1" smtClean="0">
+                                <a:latin typeface="Cambria Math" panose="02040503050406030204" pitchFamily="18" charset="0"/>
+                                <a:ea typeface="Cambria Math" panose="02040503050406030204" pitchFamily="18" charset="0"/>
+                              </a:rPr>
+                            </m:ctrlPr>
+                          </m:dPr>
+                          <m:e>
+                            <m:sSup>
+                              <m:sSupPr>
+                                <m:ctrlPr>
+                                  <a:rPr lang="en-US" sz="2800" b="0" i="1" smtClean="0">
+                                    <a:latin typeface="Cambria Math" panose="02040503050406030204" pitchFamily="18" charset="0"/>
+                                    <a:ea typeface="Cambria Math" panose="02040503050406030204" pitchFamily="18" charset="0"/>
+                                  </a:rPr>
+                                </m:ctrlPr>
+                              </m:sSupPr>
+                              <m:e>
+                                <m:r>
+                                  <a:rPr lang="en-US" sz="2800" b="0" i="1" smtClean="0">
+                                    <a:latin typeface="Cambria Math" panose="02040503050406030204" pitchFamily="18" charset="0"/>
+                                    <a:ea typeface="Cambria Math" panose="02040503050406030204" pitchFamily="18" charset="0"/>
+                                  </a:rPr>
+                                  <m:t>𝑛</m:t>
+                                </m:r>
+                              </m:e>
+                              <m:sup>
+                                <m:r>
+                                  <a:rPr lang="en-US" sz="2800" b="0" i="1" smtClean="0">
+                                    <a:latin typeface="Cambria Math" panose="02040503050406030204" pitchFamily="18" charset="0"/>
+                                    <a:ea typeface="Cambria Math" panose="02040503050406030204" pitchFamily="18" charset="0"/>
+                                  </a:rPr>
+                                  <m:t>′</m:t>
+                                </m:r>
+                              </m:sup>
+                            </m:sSup>
+                            <m:r>
+                              <a:rPr lang="en-US" sz="2800" b="0" i="1" smtClean="0">
+                                <a:latin typeface="Cambria Math" panose="02040503050406030204" pitchFamily="18" charset="0"/>
+                                <a:ea typeface="Cambria Math" panose="02040503050406030204" pitchFamily="18" charset="0"/>
+                              </a:rPr>
+                              <m:t>−1</m:t>
+                            </m:r>
+                          </m:e>
+                        </m:d>
+                      </m:e>
+                    </m:d>
+                    <m:r>
+                      <a:rPr lang="en-US" sz="2800" b="0" i="1" smtClean="0">
+                        <a:latin typeface="Cambria Math" panose="02040503050406030204" pitchFamily="18" charset="0"/>
+                        <a:ea typeface="Cambria Math" panose="02040503050406030204" pitchFamily="18" charset="0"/>
+                      </a:rPr>
+                      <m:t> </m:t>
+                    </m:r>
+                    <m:r>
+                      <a:rPr lang="en-US" sz="2800" b="0" i="1" smtClean="0">
+                        <a:latin typeface="Cambria Math" panose="02040503050406030204" pitchFamily="18" charset="0"/>
+                        <a:ea typeface="Cambria Math" panose="02040503050406030204" pitchFamily="18" charset="0"/>
+                      </a:rPr>
+                      <m:t>𝑛</m:t>
+                    </m:r>
+                  </m:oMath>
+                </a14:m>
+                <a:endParaRPr lang="en-US" sz="2800" b="0" dirty="0" smtClean="0">
+                  <a:ea typeface="Cambria Math" panose="02040503050406030204" pitchFamily="18" charset="0"/>
+                </a:endParaRPr>
+              </a:p>
+              <a:p>
+                <a:pPr marL="285750" indent="-285750">
+                  <a:buFont typeface="Arial" panose="020B0604020202020204" pitchFamily="34" charset="0"/>
+                  <a:buChar char="•"/>
+                </a:pPr>
+                <a:r>
+                  <a:rPr lang="en-US" sz="2800" b="0" dirty="0" smtClean="0">
+                    <a:ea typeface="Cambria Math" panose="02040503050406030204" pitchFamily="18" charset="0"/>
+                  </a:rPr>
+                  <a:t>Notice that factorial is created by making an infinite loop and applying an argument to it.</a:t>
+                </a:r>
+              </a:p>
+              <a:p>
+                <a:pPr marL="285750" indent="-285750">
+                  <a:buFont typeface="Arial" panose="020B0604020202020204" pitchFamily="34" charset="0"/>
+                  <a:buChar char="•"/>
+                </a:pPr>
+                <a:endParaRPr lang="en-US" sz="2800" dirty="0" smtClean="0"/>
+              </a:p>
+            </p:txBody>
+          </p:sp>
+        </mc:Choice>
+        <mc:Fallback xmlns="">
+          <p:sp>
+            <p:nvSpPr>
+              <p:cNvPr id="4" name="TextBox 3"/>
+              <p:cNvSpPr txBox="1">
+                <a:spLocks noRot="1" noChangeAspect="1" noMove="1" noResize="1" noEditPoints="1" noAdjustHandles="1" noChangeArrowheads="1" noChangeShapeType="1" noTextEdit="1"/>
+              </p:cNvSpPr>
+              <p:nvPr/>
+            </p:nvSpPr>
+            <p:spPr>
+              <a:xfrm>
+                <a:off x="1" y="1941095"/>
+                <a:ext cx="5181600" cy="3164008"/>
+              </a:xfrm>
+              <a:prstGeom prst="rect">
+                <a:avLst/>
+              </a:prstGeom>
+              <a:blipFill rotWithShape="0">
+                <a:blip r:embed="rId3"/>
+                <a:stretch>
+                  <a:fillRect l="-2118"/>
+                </a:stretch>
+              </a:blipFill>
+            </p:spPr>
+            <p:txBody>
+              <a:bodyPr/>
+              <a:lstStyle/>
+              <a:p>
+                <a:r>
+                  <a:rPr lang="en-US">
+                    <a:noFill/>
+                  </a:rPr>
+                  <a:t> </a:t>
+                </a:r>
+              </a:p>
+            </p:txBody>
+          </p:sp>
+        </mc:Fallback>
+      </mc:AlternateContent>
+    </p:spTree>
+    <p:extLst>
+      <p:ext uri="{BB962C8B-B14F-4D97-AF65-F5344CB8AC3E}">
+        <p14:creationId xmlns:p14="http://schemas.microsoft.com/office/powerpoint/2010/main" val="1190950648"/>
+      </p:ext>
+    </p:extLst>
+  </p:cSld>
+  <p:clrMapOvr>
+    <a:masterClrMapping/>
+  </p:clrMapOvr>
+</p:sld>
+</file>
+
+<file path=ppt/slides/slide11.xml><?xml version="1.0" encoding="utf-8"?>
+<p:sld xmlns:a="http://schemas.openxmlformats.org/drawingml/2006/main" xmlns:r="http://schemas.openxmlformats.org/officeDocument/2006/relationships" xmlns:p="http://schemas.openxmlformats.org/presentationml/2006/main">
+  <p:cSld>
+    <p:spTree>
+      <p:nvGrpSpPr>
+        <p:cNvPr id="1" name=""/>
+        <p:cNvGrpSpPr/>
+        <p:nvPr/>
+      </p:nvGrpSpPr>
+      <p:grpSpPr>
+        <a:xfrm>
+          <a:off x="0" y="0"/>
+          <a:ext cx="0" cy="0"/>
+          <a:chOff x="0" y="0"/>
+          <a:chExt cx="0" cy="0"/>
+        </a:xfrm>
+      </p:grpSpPr>
+      <p:sp>
+        <p:nvSpPr>
+          <p:cNvPr id="2" name="Title 1"/>
+          <p:cNvSpPr>
+            <a:spLocks noGrp="1"/>
+          </p:cNvSpPr>
+          <p:nvPr>
+            <p:ph type="title"/>
+          </p:nvPr>
+        </p:nvSpPr>
+        <p:spPr>
+          <a:xfrm>
+            <a:off x="762000" y="559678"/>
+            <a:ext cx="3833906" cy="1638090"/>
+          </a:xfrm>
+        </p:spPr>
+        <p:txBody>
+          <a:bodyPr/>
+          <a:lstStyle/>
+          <a:p>
+            <a:r>
+              <a:rPr lang="en-US" dirty="0" smtClean="0"/>
+              <a:t>More Information</a:t>
+            </a:r>
+            <a:endParaRPr lang="en-US" dirty="0"/>
+          </a:p>
+        </p:txBody>
+      </p:sp>
+      <p:sp>
+        <p:nvSpPr>
+          <p:cNvPr id="3" name="Content Placeholder 2"/>
+          <p:cNvSpPr>
+            <a:spLocks noGrp="1"/>
+          </p:cNvSpPr>
+          <p:nvPr>
+            <p:ph idx="1"/>
+          </p:nvPr>
+        </p:nvSpPr>
+        <p:spPr>
+          <a:xfrm>
+            <a:off x="761999" y="2542245"/>
+            <a:ext cx="10339137" cy="3040408"/>
+          </a:xfrm>
+        </p:spPr>
+        <p:txBody>
+          <a:bodyPr>
+            <a:normAutofit/>
+          </a:bodyPr>
+          <a:lstStyle/>
+          <a:p>
+            <a:pPr marL="0" indent="0">
+              <a:buNone/>
+            </a:pPr>
+            <a:r>
+              <a:rPr lang="en-US" sz="4000" dirty="0" smtClean="0"/>
+              <a:t>2bdkid.github.io/lambda_quickstart.pdf</a:t>
+            </a:r>
+            <a:endParaRPr lang="en-US" sz="4000" dirty="0"/>
+          </a:p>
+        </p:txBody>
+      </p:sp>
+    </p:spTree>
+    <p:extLst>
+      <p:ext uri="{BB962C8B-B14F-4D97-AF65-F5344CB8AC3E}">
+        <p14:creationId xmlns:p14="http://schemas.microsoft.com/office/powerpoint/2010/main" val="2896161540"/>
+      </p:ext>
+    </p:extLst>
+  </p:cSld>
+  <p:clrMapOvr>
+    <a:masterClrMapping/>
+  </p:clrMapOvr>
+</p:sld>
+</file>
+
 <file path=ppt/slides/slide2.xml><?xml version="1.0" encoding="utf-8"?>
 <p:sld xmlns:a="http://schemas.openxmlformats.org/drawingml/2006/main" xmlns:r="http://schemas.openxmlformats.org/officeDocument/2006/relationships" xmlns:p="http://schemas.openxmlformats.org/presentationml/2006/main">
   <p:cSld>
@@ -4476,8 +5317,8 @@
           </a:p>
         </p:txBody>
       </p:sp>
-      <mc:AlternateContent xmlns:mc="http://schemas.openxmlformats.org/markup-compatibility/2006">
-        <mc:Choice xmlns:a14="http://schemas.microsoft.com/office/drawing/2010/main" Requires="a14">
+      <mc:AlternateContent xmlns:mc="http://schemas.openxmlformats.org/markup-compatibility/2006" xmlns:a14="http://schemas.microsoft.com/office/drawing/2010/main">
+        <mc:Choice Requires="a14">
           <p:sp>
             <p:nvSpPr>
               <p:cNvPr id="3" name="Content Placeholder 2"/>
@@ -4656,18 +5497,14 @@
               <a:p>
                 <a:r>
                   <a:rPr lang="en-US" sz="2800" dirty="0" smtClean="0"/>
-                  <a:t>Ther</a:t>
-                </a:r>
-                <a:r>
-                  <a:rPr lang="en-US" sz="2800" dirty="0" smtClean="0"/>
-                  <a:t>e are no types until a type system is introduced</a:t>
+                  <a:t>There are no types until a type system is introduced</a:t>
                 </a:r>
                 <a:endParaRPr lang="en-US" sz="2800" dirty="0"/>
               </a:p>
             </p:txBody>
           </p:sp>
         </mc:Choice>
-        <mc:Fallback>
+        <mc:Fallback xmlns="">
           <p:sp>
             <p:nvSpPr>
               <p:cNvPr id="3" name="Content Placeholder 2"/>
@@ -4754,8 +5591,8 @@
           </a:p>
         </p:txBody>
       </p:sp>
-      <mc:AlternateContent xmlns:mc="http://schemas.openxmlformats.org/markup-compatibility/2006">
-        <mc:Choice xmlns:a14="http://schemas.microsoft.com/office/drawing/2010/main" Requires="a14">
+      <mc:AlternateContent xmlns:mc="http://schemas.openxmlformats.org/markup-compatibility/2006" xmlns:a14="http://schemas.microsoft.com/office/drawing/2010/main">
+        <mc:Choice Requires="a14">
           <p:sp>
             <p:nvSpPr>
               <p:cNvPr id="4" name="TextBox 3"/>
@@ -5335,7 +6172,7 @@
             </p:txBody>
           </p:sp>
         </mc:Choice>
-        <mc:Fallback>
+        <mc:Fallback xmlns="">
           <p:sp>
             <p:nvSpPr>
               <p:cNvPr id="4" name="TextBox 3"/>
@@ -5421,7 +6258,7 @@
           <a:p>
             <a:r>
               <a:rPr lang="en-US" dirty="0" smtClean="0"/>
-              <a:t>How to use it?</a:t>
+              <a:t>Free Variables</a:t>
             </a:r>
             <a:endParaRPr lang="en-US" dirty="0"/>
           </a:p>
@@ -5429,6 +6266,228 @@
       </p:sp>
       <mc:AlternateContent xmlns:mc="http://schemas.openxmlformats.org/markup-compatibility/2006">
         <mc:Choice xmlns:a14="http://schemas.microsoft.com/office/drawing/2010/main" Requires="a14">
+          <p:sp>
+            <p:nvSpPr>
+              <p:cNvPr id="3" name="Content Placeholder 2"/>
+              <p:cNvSpPr>
+                <a:spLocks noGrp="1"/>
+              </p:cNvSpPr>
+              <p:nvPr>
+                <p:ph idx="1"/>
+              </p:nvPr>
+            </p:nvSpPr>
+            <p:spPr/>
+            <p:txBody>
+              <a:bodyPr>
+                <a:normAutofit/>
+              </a:bodyPr>
+              <a:lstStyle/>
+              <a:p>
+                <a:r>
+                  <a:rPr lang="en-US" sz="2800" dirty="0" smtClean="0"/>
+                  <a:t>Free variables may appear inside of an abstraction</a:t>
+                </a:r>
+              </a:p>
+              <a:p>
+                <a:r>
+                  <a:rPr lang="en-US" sz="2800" dirty="0" smtClean="0"/>
+                  <a:t>A free variable is any variable that is not bound in the head</a:t>
+                </a:r>
+              </a:p>
+              <a:p>
+                <a14:m>
+                  <m:oMath xmlns:m="http://schemas.openxmlformats.org/officeDocument/2006/math">
+                    <m:d>
+                      <m:dPr>
+                        <m:ctrlPr>
+                          <a:rPr lang="en-US" sz="2800" b="0" i="1" smtClean="0">
+                            <a:latin typeface="Cambria Math" panose="02040503050406030204" pitchFamily="18" charset="0"/>
+                            <a:ea typeface="Cambria Math" panose="02040503050406030204" pitchFamily="18" charset="0"/>
+                          </a:rPr>
+                        </m:ctrlPr>
+                      </m:dPr>
+                      <m:e>
+                        <m:r>
+                          <a:rPr lang="en-US" sz="2800" b="0" i="1" smtClean="0">
+                            <a:latin typeface="Cambria Math" panose="02040503050406030204" pitchFamily="18" charset="0"/>
+                            <a:ea typeface="Cambria Math" panose="02040503050406030204" pitchFamily="18" charset="0"/>
+                          </a:rPr>
+                          <m:t>𝜆</m:t>
+                        </m:r>
+                        <m:r>
+                          <a:rPr lang="en-US" sz="2800" b="0" i="1" smtClean="0">
+                            <a:latin typeface="Cambria Math" panose="02040503050406030204" pitchFamily="18" charset="0"/>
+                            <a:ea typeface="Cambria Math" panose="02040503050406030204" pitchFamily="18" charset="0"/>
+                          </a:rPr>
+                          <m:t>𝑥</m:t>
+                        </m:r>
+                        <m:r>
+                          <a:rPr lang="en-US" sz="2800" b="0" i="1" smtClean="0">
+                            <a:latin typeface="Cambria Math" panose="02040503050406030204" pitchFamily="18" charset="0"/>
+                            <a:ea typeface="Cambria Math" panose="02040503050406030204" pitchFamily="18" charset="0"/>
+                          </a:rPr>
+                          <m:t>.</m:t>
+                        </m:r>
+                        <m:r>
+                          <a:rPr lang="en-US" sz="2800" b="0" i="1" smtClean="0">
+                            <a:latin typeface="Cambria Math" panose="02040503050406030204" pitchFamily="18" charset="0"/>
+                            <a:ea typeface="Cambria Math" panose="02040503050406030204" pitchFamily="18" charset="0"/>
+                          </a:rPr>
+                          <m:t>𝑥𝑦</m:t>
+                        </m:r>
+                      </m:e>
+                    </m:d>
+                  </m:oMath>
+                </a14:m>
+                <a:r>
+                  <a:rPr lang="en-US" sz="2800" b="0" dirty="0" smtClean="0">
+                    <a:ea typeface="Cambria Math" panose="02040503050406030204" pitchFamily="18" charset="0"/>
+                  </a:rPr>
+                  <a:t> - free y</a:t>
+                </a:r>
+              </a:p>
+              <a:p>
+                <a:r>
+                  <a:rPr lang="en-US" sz="2800" dirty="0" smtClean="0"/>
+                  <a:t>(</a:t>
+                </a:r>
+                <a14:m>
+                  <m:oMath xmlns:m="http://schemas.openxmlformats.org/officeDocument/2006/math">
+                    <m:r>
+                      <a:rPr lang="en-US" sz="2800" i="1" smtClean="0">
+                        <a:latin typeface="Cambria Math" panose="02040503050406030204" pitchFamily="18" charset="0"/>
+                        <a:ea typeface="Cambria Math" panose="02040503050406030204" pitchFamily="18" charset="0"/>
+                      </a:rPr>
+                      <m:t>𝜆</m:t>
+                    </m:r>
+                    <m:r>
+                      <a:rPr lang="en-US" sz="2800" b="0" i="1" smtClean="0">
+                        <a:latin typeface="Cambria Math" panose="02040503050406030204" pitchFamily="18" charset="0"/>
+                        <a:ea typeface="Cambria Math" panose="02040503050406030204" pitchFamily="18" charset="0"/>
+                      </a:rPr>
+                      <m:t>𝑥𝑦</m:t>
+                    </m:r>
+                    <m:r>
+                      <a:rPr lang="en-US" sz="2800" b="0" i="1" smtClean="0">
+                        <a:latin typeface="Cambria Math" panose="02040503050406030204" pitchFamily="18" charset="0"/>
+                        <a:ea typeface="Cambria Math" panose="02040503050406030204" pitchFamily="18" charset="0"/>
+                      </a:rPr>
+                      <m:t>.</m:t>
+                    </m:r>
+                    <m:r>
+                      <a:rPr lang="en-US" sz="2800" b="0" i="1" smtClean="0">
+                        <a:latin typeface="Cambria Math" panose="02040503050406030204" pitchFamily="18" charset="0"/>
+                        <a:ea typeface="Cambria Math" panose="02040503050406030204" pitchFamily="18" charset="0"/>
+                      </a:rPr>
+                      <m:t>𝑧𝑥𝑦</m:t>
+                    </m:r>
+                    <m:r>
+                      <a:rPr lang="en-US" sz="2800" b="0" i="1" smtClean="0">
+                        <a:latin typeface="Cambria Math" panose="02040503050406030204" pitchFamily="18" charset="0"/>
+                        <a:ea typeface="Cambria Math" panose="02040503050406030204" pitchFamily="18" charset="0"/>
+                      </a:rPr>
+                      <m:t>)</m:t>
+                    </m:r>
+                  </m:oMath>
+                </a14:m>
+                <a:r>
+                  <a:rPr lang="en-US" sz="2800" dirty="0" smtClean="0"/>
+                  <a:t> – free z</a:t>
+                </a:r>
+                <a:endParaRPr lang="en-US" sz="2800" dirty="0"/>
+              </a:p>
+            </p:txBody>
+          </p:sp>
+        </mc:Choice>
+        <mc:Fallback>
+          <p:sp>
+            <p:nvSpPr>
+              <p:cNvPr id="3" name="Content Placeholder 2"/>
+              <p:cNvSpPr>
+                <a:spLocks noGrp="1" noRot="1" noChangeAspect="1" noMove="1" noResize="1" noEditPoints="1" noAdjustHandles="1" noChangeArrowheads="1" noChangeShapeType="1" noTextEdit="1"/>
+              </p:cNvSpPr>
+              <p:nvPr>
+                <p:ph idx="1"/>
+              </p:nvPr>
+            </p:nvSpPr>
+            <p:spPr>
+              <a:blipFill rotWithShape="0">
+                <a:blip r:embed="rId2"/>
+                <a:stretch>
+                  <a:fillRect l="-1756" t="-539"/>
+                </a:stretch>
+              </a:blipFill>
+            </p:spPr>
+            <p:txBody>
+              <a:bodyPr/>
+              <a:lstStyle/>
+              <a:p>
+                <a:r>
+                  <a:rPr lang="en-US">
+                    <a:noFill/>
+                  </a:rPr>
+                  <a:t> </a:t>
+                </a:r>
+              </a:p>
+            </p:txBody>
+          </p:sp>
+        </mc:Fallback>
+      </mc:AlternateContent>
+    </p:spTree>
+    <p:extLst>
+      <p:ext uri="{BB962C8B-B14F-4D97-AF65-F5344CB8AC3E}">
+        <p14:creationId xmlns:p14="http://schemas.microsoft.com/office/powerpoint/2010/main" val="2531736756"/>
+      </p:ext>
+    </p:extLst>
+  </p:cSld>
+  <p:clrMapOvr>
+    <a:masterClrMapping/>
+  </p:clrMapOvr>
+</p:sld>
+</file>
+
+<file path=ppt/slides/slide6.xml><?xml version="1.0" encoding="utf-8"?>
+<p:sld xmlns:a="http://schemas.openxmlformats.org/drawingml/2006/main" xmlns:r="http://schemas.openxmlformats.org/officeDocument/2006/relationships" xmlns:p="http://schemas.openxmlformats.org/presentationml/2006/main">
+  <p:cSld>
+    <p:spTree>
+      <p:nvGrpSpPr>
+        <p:cNvPr id="1" name=""/>
+        <p:cNvGrpSpPr/>
+        <p:nvPr/>
+      </p:nvGrpSpPr>
+      <p:grpSpPr>
+        <a:xfrm>
+          <a:off x="0" y="0"/>
+          <a:ext cx="0" cy="0"/>
+          <a:chOff x="0" y="0"/>
+          <a:chExt cx="0" cy="0"/>
+        </a:xfrm>
+      </p:grpSpPr>
+      <p:sp>
+        <p:nvSpPr>
+          <p:cNvPr id="2" name="Title 1"/>
+          <p:cNvSpPr>
+            <a:spLocks noGrp="1"/>
+          </p:cNvSpPr>
+          <p:nvPr>
+            <p:ph type="title"/>
+          </p:nvPr>
+        </p:nvSpPr>
+        <p:spPr/>
+        <p:txBody>
+          <a:bodyPr/>
+          <a:lstStyle/>
+          <a:p>
+            <a:r>
+              <a:rPr lang="en-US" dirty="0" smtClean="0"/>
+              <a:t>How to use it?</a:t>
+            </a:r>
+            <a:endParaRPr lang="en-US" dirty="0"/>
+          </a:p>
+        </p:txBody>
+      </p:sp>
+      <mc:AlternateContent xmlns:mc="http://schemas.openxmlformats.org/markup-compatibility/2006" xmlns:a14="http://schemas.microsoft.com/office/drawing/2010/main">
+        <mc:Choice Requires="a14">
           <p:sp>
             <p:nvSpPr>
               <p:cNvPr id="3" name="Content Placeholder 2"/>
@@ -5456,35 +6515,51 @@
                 <a14:m>
                   <m:oMath xmlns:m="http://schemas.openxmlformats.org/officeDocument/2006/math">
                     <m:r>
-                      <a:rPr lang="en-US" sz="2400" i="1"/>
+                      <a:rPr lang="en-US" sz="2400" i="1">
+                        <a:latin typeface="Cambria Math" panose="02040503050406030204" pitchFamily="18" charset="0"/>
+                      </a:rPr>
                       <m:t>0≔</m:t>
                     </m:r>
                     <m:r>
-                      <a:rPr lang="en-US" sz="2400" i="1"/>
+                      <a:rPr lang="en-US" sz="2400" i="1">
+                        <a:latin typeface="Cambria Math" panose="02040503050406030204" pitchFamily="18" charset="0"/>
+                      </a:rPr>
                       <m:t>𝜆</m:t>
                     </m:r>
                     <m:r>
-                      <a:rPr lang="en-US" sz="2400" i="1"/>
+                      <a:rPr lang="en-US" sz="2400" i="1">
+                        <a:latin typeface="Cambria Math" panose="02040503050406030204" pitchFamily="18" charset="0"/>
+                      </a:rPr>
                       <m:t>𝑠</m:t>
                     </m:r>
                     <m:r>
-                      <a:rPr lang="en-US" sz="2400" i="1"/>
+                      <a:rPr lang="en-US" sz="2400" i="1">
+                        <a:latin typeface="Cambria Math" panose="02040503050406030204" pitchFamily="18" charset="0"/>
+                      </a:rPr>
                       <m:t>.</m:t>
                     </m:r>
                     <m:r>
-                      <a:rPr lang="en-US" sz="2400" i="1"/>
+                      <a:rPr lang="en-US" sz="2400" i="1">
+                        <a:latin typeface="Cambria Math" panose="02040503050406030204" pitchFamily="18" charset="0"/>
+                      </a:rPr>
                       <m:t>𝜆</m:t>
                     </m:r>
                     <m:r>
-                      <a:rPr lang="en-US" sz="2400" i="1"/>
+                      <a:rPr lang="en-US" sz="2400" i="1">
+                        <a:latin typeface="Cambria Math" panose="02040503050406030204" pitchFamily="18" charset="0"/>
+                      </a:rPr>
                       <m:t>𝑧</m:t>
                     </m:r>
                     <m:r>
-                      <a:rPr lang="en-US" sz="2400" i="1"/>
+                      <a:rPr lang="en-US" sz="2400" i="1">
+                        <a:latin typeface="Cambria Math" panose="02040503050406030204" pitchFamily="18" charset="0"/>
+                      </a:rPr>
                       <m:t>.</m:t>
                     </m:r>
                     <m:r>
-                      <a:rPr lang="en-US" sz="2400" i="1"/>
+                      <a:rPr lang="en-US" sz="2400" i="1">
+                        <a:latin typeface="Cambria Math" panose="02040503050406030204" pitchFamily="18" charset="0"/>
+                      </a:rPr>
                       <m:t>𝑧</m:t>
                     </m:r>
                   </m:oMath>
@@ -5496,35 +6571,51 @@
                 <a14:m>
                   <m:oMath xmlns:m="http://schemas.openxmlformats.org/officeDocument/2006/math">
                     <m:r>
-                      <a:rPr lang="en-US" sz="2400" i="1"/>
+                      <a:rPr lang="en-US" sz="2400" i="1">
+                        <a:latin typeface="Cambria Math" panose="02040503050406030204" pitchFamily="18" charset="0"/>
+                      </a:rPr>
                       <m:t>1≔</m:t>
                     </m:r>
                     <m:r>
-                      <a:rPr lang="en-US" sz="2400" i="1"/>
+                      <a:rPr lang="en-US" sz="2400" i="1">
+                        <a:latin typeface="Cambria Math" panose="02040503050406030204" pitchFamily="18" charset="0"/>
+                      </a:rPr>
                       <m:t>𝜆</m:t>
                     </m:r>
                     <m:r>
-                      <a:rPr lang="en-US" sz="2400" i="1"/>
+                      <a:rPr lang="en-US" sz="2400" i="1">
+                        <a:latin typeface="Cambria Math" panose="02040503050406030204" pitchFamily="18" charset="0"/>
+                      </a:rPr>
                       <m:t>𝑠</m:t>
                     </m:r>
                     <m:r>
-                      <a:rPr lang="en-US" sz="2400" i="1"/>
+                      <a:rPr lang="en-US" sz="2400" i="1">
+                        <a:latin typeface="Cambria Math" panose="02040503050406030204" pitchFamily="18" charset="0"/>
+                      </a:rPr>
                       <m:t>.</m:t>
                     </m:r>
                     <m:r>
-                      <a:rPr lang="en-US" sz="2400" i="1"/>
+                      <a:rPr lang="en-US" sz="2400" i="1">
+                        <a:latin typeface="Cambria Math" panose="02040503050406030204" pitchFamily="18" charset="0"/>
+                      </a:rPr>
                       <m:t>𝜆</m:t>
                     </m:r>
                     <m:r>
-                      <a:rPr lang="en-US" sz="2400" i="1"/>
+                      <a:rPr lang="en-US" sz="2400" i="1">
+                        <a:latin typeface="Cambria Math" panose="02040503050406030204" pitchFamily="18" charset="0"/>
+                      </a:rPr>
                       <m:t>𝑧</m:t>
                     </m:r>
                     <m:r>
-                      <a:rPr lang="en-US" sz="2400" i="1"/>
+                      <a:rPr lang="en-US" sz="2400" i="1">
+                        <a:latin typeface="Cambria Math" panose="02040503050406030204" pitchFamily="18" charset="0"/>
+                      </a:rPr>
                       <m:t>.</m:t>
                     </m:r>
                     <m:r>
-                      <a:rPr lang="en-US" sz="2400" i="1"/>
+                      <a:rPr lang="en-US" sz="2400" i="1">
+                        <a:latin typeface="Cambria Math" panose="02040503050406030204" pitchFamily="18" charset="0"/>
+                      </a:rPr>
                       <m:t>𝑠𝑧</m:t>
                     </m:r>
                   </m:oMath>
@@ -5536,46 +6627,66 @@
                 <a14:m>
                   <m:oMath xmlns:m="http://schemas.openxmlformats.org/officeDocument/2006/math">
                     <m:r>
-                      <a:rPr lang="en-US" sz="2400" i="1"/>
+                      <a:rPr lang="en-US" sz="2400" i="1">
+                        <a:latin typeface="Cambria Math" panose="02040503050406030204" pitchFamily="18" charset="0"/>
+                      </a:rPr>
                       <m:t>2≔</m:t>
                     </m:r>
                     <m:r>
-                      <a:rPr lang="en-US" sz="2400" i="1"/>
+                      <a:rPr lang="en-US" sz="2400" i="1">
+                        <a:latin typeface="Cambria Math" panose="02040503050406030204" pitchFamily="18" charset="0"/>
+                      </a:rPr>
                       <m:t>𝜆</m:t>
                     </m:r>
                     <m:r>
-                      <a:rPr lang="en-US" sz="2400" i="1"/>
+                      <a:rPr lang="en-US" sz="2400" i="1">
+                        <a:latin typeface="Cambria Math" panose="02040503050406030204" pitchFamily="18" charset="0"/>
+                      </a:rPr>
                       <m:t>𝑠</m:t>
                     </m:r>
                     <m:r>
-                      <a:rPr lang="en-US" sz="2400" i="1"/>
+                      <a:rPr lang="en-US" sz="2400" i="1">
+                        <a:latin typeface="Cambria Math" panose="02040503050406030204" pitchFamily="18" charset="0"/>
+                      </a:rPr>
                       <m:t>.</m:t>
                     </m:r>
                     <m:r>
-                      <a:rPr lang="en-US" sz="2400" i="1"/>
+                      <a:rPr lang="en-US" sz="2400" i="1">
+                        <a:latin typeface="Cambria Math" panose="02040503050406030204" pitchFamily="18" charset="0"/>
+                      </a:rPr>
                       <m:t>𝜆</m:t>
                     </m:r>
                     <m:r>
-                      <a:rPr lang="en-US" sz="2400" i="1"/>
+                      <a:rPr lang="en-US" sz="2400" i="1">
+                        <a:latin typeface="Cambria Math" panose="02040503050406030204" pitchFamily="18" charset="0"/>
+                      </a:rPr>
                       <m:t>𝑧</m:t>
                     </m:r>
                     <m:r>
-                      <a:rPr lang="en-US" sz="2400" i="1"/>
+                      <a:rPr lang="en-US" sz="2400" i="1">
+                        <a:latin typeface="Cambria Math" panose="02040503050406030204" pitchFamily="18" charset="0"/>
+                      </a:rPr>
                       <m:t>.</m:t>
                     </m:r>
                     <m:r>
-                      <a:rPr lang="en-US" sz="2400" i="1"/>
+                      <a:rPr lang="en-US" sz="2400" i="1">
+                        <a:latin typeface="Cambria Math" panose="02040503050406030204" pitchFamily="18" charset="0"/>
+                      </a:rPr>
                       <m:t>𝑠</m:t>
                     </m:r>
                     <m:d>
                       <m:dPr>
                         <m:ctrlPr>
-                          <a:rPr lang="en-US" sz="2400" i="1"/>
+                          <a:rPr lang="en-US" sz="2400" i="1">
+                            <a:latin typeface="Cambria Math" panose="02040503050406030204" pitchFamily="18" charset="0"/>
+                          </a:rPr>
                         </m:ctrlPr>
                       </m:dPr>
                       <m:e>
                         <m:r>
-                          <a:rPr lang="en-US" sz="2400" i="1"/>
+                          <a:rPr lang="en-US" sz="2400" i="1">
+                            <a:latin typeface="Cambria Math" panose="02040503050406030204" pitchFamily="18" charset="0"/>
+                          </a:rPr>
                           <m:t>𝑠𝑧</m:t>
                         </m:r>
                       </m:e>
@@ -5589,57 +6700,81 @@
                 <a14:m>
                   <m:oMath xmlns:m="http://schemas.openxmlformats.org/officeDocument/2006/math">
                     <m:r>
-                      <a:rPr lang="en-US" sz="2400" i="1"/>
+                      <a:rPr lang="en-US" sz="2400" i="1">
+                        <a:latin typeface="Cambria Math" panose="02040503050406030204" pitchFamily="18" charset="0"/>
+                      </a:rPr>
                       <m:t>3≔</m:t>
                     </m:r>
                     <m:r>
-                      <a:rPr lang="en-US" sz="2400" i="1"/>
+                      <a:rPr lang="en-US" sz="2400" i="1">
+                        <a:latin typeface="Cambria Math" panose="02040503050406030204" pitchFamily="18" charset="0"/>
+                      </a:rPr>
                       <m:t>𝜆</m:t>
                     </m:r>
                     <m:r>
-                      <a:rPr lang="en-US" sz="2400" i="1"/>
+                      <a:rPr lang="en-US" sz="2400" i="1">
+                        <a:latin typeface="Cambria Math" panose="02040503050406030204" pitchFamily="18" charset="0"/>
+                      </a:rPr>
                       <m:t>𝑠</m:t>
                     </m:r>
                     <m:r>
-                      <a:rPr lang="en-US" sz="2400" i="1"/>
+                      <a:rPr lang="en-US" sz="2400" i="1">
+                        <a:latin typeface="Cambria Math" panose="02040503050406030204" pitchFamily="18" charset="0"/>
+                      </a:rPr>
                       <m:t>.</m:t>
                     </m:r>
                     <m:r>
-                      <a:rPr lang="en-US" sz="2400" i="1"/>
+                      <a:rPr lang="en-US" sz="2400" i="1">
+                        <a:latin typeface="Cambria Math" panose="02040503050406030204" pitchFamily="18" charset="0"/>
+                      </a:rPr>
                       <m:t>𝜆</m:t>
                     </m:r>
                     <m:r>
-                      <a:rPr lang="en-US" sz="2400" i="1"/>
+                      <a:rPr lang="en-US" sz="2400" i="1">
+                        <a:latin typeface="Cambria Math" panose="02040503050406030204" pitchFamily="18" charset="0"/>
+                      </a:rPr>
                       <m:t>𝑧</m:t>
                     </m:r>
                     <m:r>
-                      <a:rPr lang="en-US" sz="2400" i="1"/>
+                      <a:rPr lang="en-US" sz="2400" i="1">
+                        <a:latin typeface="Cambria Math" panose="02040503050406030204" pitchFamily="18" charset="0"/>
+                      </a:rPr>
                       <m:t>.</m:t>
                     </m:r>
                     <m:r>
-                      <a:rPr lang="en-US" sz="2400" i="1"/>
+                      <a:rPr lang="en-US" sz="2400" i="1">
+                        <a:latin typeface="Cambria Math" panose="02040503050406030204" pitchFamily="18" charset="0"/>
+                      </a:rPr>
                       <m:t>𝑠</m:t>
                     </m:r>
                     <m:d>
                       <m:dPr>
                         <m:ctrlPr>
-                          <a:rPr lang="en-US" sz="2400" i="1"/>
+                          <a:rPr lang="en-US" sz="2400" i="1">
+                            <a:latin typeface="Cambria Math" panose="02040503050406030204" pitchFamily="18" charset="0"/>
+                          </a:rPr>
                         </m:ctrlPr>
                       </m:dPr>
                       <m:e>
                         <m:r>
-                          <a:rPr lang="en-US" sz="2400" i="1"/>
+                          <a:rPr lang="en-US" sz="2400" i="1">
+                            <a:latin typeface="Cambria Math" panose="02040503050406030204" pitchFamily="18" charset="0"/>
+                          </a:rPr>
                           <m:t>𝑠</m:t>
                         </m:r>
                         <m:d>
                           <m:dPr>
                             <m:ctrlPr>
-                              <a:rPr lang="en-US" sz="2400" i="1"/>
+                              <a:rPr lang="en-US" sz="2400" i="1">
+                                <a:latin typeface="Cambria Math" panose="02040503050406030204" pitchFamily="18" charset="0"/>
+                              </a:rPr>
                             </m:ctrlPr>
                           </m:dPr>
                           <m:e>
                             <m:r>
-                              <a:rPr lang="en-US" sz="2400" i="1"/>
+                              <a:rPr lang="en-US" sz="2400" i="1">
+                                <a:latin typeface="Cambria Math" panose="02040503050406030204" pitchFamily="18" charset="0"/>
+                              </a:rPr>
                               <m:t>𝑠𝑧</m:t>
                             </m:r>
                           </m:e>
@@ -5655,22 +6790,30 @@
                 <a14:m>
                   <m:oMath xmlns:m="http://schemas.openxmlformats.org/officeDocument/2006/math">
                     <m:r>
-                      <a:rPr lang="en-US" sz="2400" i="1"/>
+                      <a:rPr lang="en-US" sz="2400" i="1">
+                        <a:latin typeface="Cambria Math" panose="02040503050406030204" pitchFamily="18" charset="0"/>
+                      </a:rPr>
                       <m:t>𝑛</m:t>
                     </m:r>
                     <m:r>
                       <m:rPr>
                         <m:aln/>
                       </m:rPr>
-                      <a:rPr lang="en-US" sz="2400" i="1"/>
+                      <a:rPr lang="en-US" sz="2400" i="1">
+                        <a:latin typeface="Cambria Math" panose="02040503050406030204" pitchFamily="18" charset="0"/>
+                      </a:rPr>
                       <m:t>≔</m:t>
                     </m:r>
                     <m:r>
-                      <a:rPr lang="en-US" sz="2400" i="1"/>
+                      <a:rPr lang="en-US" sz="2400" i="1">
+                        <a:latin typeface="Cambria Math" panose="02040503050406030204" pitchFamily="18" charset="0"/>
+                      </a:rPr>
                       <m:t>…</m:t>
                     </m:r>
                     <m:r>
-                      <a:rPr lang="en-US" sz="2400" i="1"/>
+                      <a:rPr lang="en-US" sz="2400" i="1">
+                        <a:latin typeface="Cambria Math" panose="02040503050406030204" pitchFamily="18" charset="0"/>
+                      </a:rPr>
                       <m:t>𝑒𝑡𝑐</m:t>
                     </m:r>
                   </m:oMath>
@@ -5688,85 +6831,123 @@
                 <a14:m>
                   <m:oMath xmlns:m="http://schemas.openxmlformats.org/officeDocument/2006/math">
                     <m:r>
-                      <a:rPr lang="en-US" sz="2400" i="1"/>
+                      <a:rPr lang="en-US" sz="2400" i="1">
+                        <a:latin typeface="Cambria Math" panose="02040503050406030204" pitchFamily="18" charset="0"/>
+                      </a:rPr>
                       <m:t>𝑚</m:t>
                     </m:r>
                     <m:r>
-                      <a:rPr lang="en-US" sz="2400" i="1"/>
+                      <a:rPr lang="en-US" sz="2400" i="1">
+                        <a:latin typeface="Cambria Math" panose="02040503050406030204" pitchFamily="18" charset="0"/>
+                      </a:rPr>
                       <m:t>+</m:t>
                     </m:r>
                     <m:r>
-                      <a:rPr lang="en-US" sz="2400" i="1"/>
+                      <a:rPr lang="en-US" sz="2400" i="1">
+                        <a:latin typeface="Cambria Math" panose="02040503050406030204" pitchFamily="18" charset="0"/>
+                      </a:rPr>
                       <m:t>𝑛</m:t>
                     </m:r>
                     <m:r>
                       <m:rPr>
                         <m:aln/>
                       </m:rPr>
-                      <a:rPr lang="en-US" sz="2400" i="1"/>
+                      <a:rPr lang="en-US" sz="2400" i="1">
+                        <a:latin typeface="Cambria Math" panose="02040503050406030204" pitchFamily="18" charset="0"/>
+                      </a:rPr>
                       <m:t>≔</m:t>
                     </m:r>
                     <m:r>
-                      <a:rPr lang="en-US" sz="2400" i="1"/>
+                      <a:rPr lang="en-US" sz="2400" i="1">
+                        <a:latin typeface="Cambria Math" panose="02040503050406030204" pitchFamily="18" charset="0"/>
+                      </a:rPr>
                       <m:t>𝜆</m:t>
                     </m:r>
                     <m:r>
-                      <a:rPr lang="en-US" sz="2400" i="1"/>
+                      <a:rPr lang="en-US" sz="2400" i="1">
+                        <a:latin typeface="Cambria Math" panose="02040503050406030204" pitchFamily="18" charset="0"/>
+                      </a:rPr>
                       <m:t>𝑚</m:t>
                     </m:r>
                     <m:r>
-                      <a:rPr lang="en-US" sz="2400" i="1"/>
+                      <a:rPr lang="en-US" sz="2400" i="1">
+                        <a:latin typeface="Cambria Math" panose="02040503050406030204" pitchFamily="18" charset="0"/>
+                      </a:rPr>
                       <m:t>.</m:t>
                     </m:r>
                     <m:r>
-                      <a:rPr lang="en-US" sz="2400" i="1"/>
+                      <a:rPr lang="en-US" sz="2400" i="1">
+                        <a:latin typeface="Cambria Math" panose="02040503050406030204" pitchFamily="18" charset="0"/>
+                      </a:rPr>
                       <m:t>𝜆</m:t>
                     </m:r>
                     <m:r>
-                      <a:rPr lang="en-US" sz="2400" i="1"/>
+                      <a:rPr lang="en-US" sz="2400" i="1">
+                        <a:latin typeface="Cambria Math" panose="02040503050406030204" pitchFamily="18" charset="0"/>
+                      </a:rPr>
                       <m:t>𝑛</m:t>
                     </m:r>
                     <m:r>
-                      <a:rPr lang="en-US" sz="2400" i="1"/>
+                      <a:rPr lang="en-US" sz="2400" i="1">
+                        <a:latin typeface="Cambria Math" panose="02040503050406030204" pitchFamily="18" charset="0"/>
+                      </a:rPr>
                       <m:t>.</m:t>
                     </m:r>
                     <m:r>
-                      <a:rPr lang="en-US" sz="2400" i="1"/>
+                      <a:rPr lang="en-US" sz="2400" i="1">
+                        <a:latin typeface="Cambria Math" panose="02040503050406030204" pitchFamily="18" charset="0"/>
+                      </a:rPr>
                       <m:t>𝜆</m:t>
                     </m:r>
                     <m:r>
-                      <a:rPr lang="en-US" sz="2400" i="1"/>
+                      <a:rPr lang="en-US" sz="2400" i="1">
+                        <a:latin typeface="Cambria Math" panose="02040503050406030204" pitchFamily="18" charset="0"/>
+                      </a:rPr>
                       <m:t>𝑓</m:t>
                     </m:r>
                     <m:r>
-                      <a:rPr lang="en-US" sz="2400" i="1"/>
+                      <a:rPr lang="en-US" sz="2400" i="1">
+                        <a:latin typeface="Cambria Math" panose="02040503050406030204" pitchFamily="18" charset="0"/>
+                      </a:rPr>
                       <m:t>.</m:t>
                     </m:r>
                     <m:r>
-                      <a:rPr lang="en-US" sz="2400" i="1"/>
+                      <a:rPr lang="en-US" sz="2400" i="1">
+                        <a:latin typeface="Cambria Math" panose="02040503050406030204" pitchFamily="18" charset="0"/>
+                      </a:rPr>
                       <m:t>𝜆</m:t>
                     </m:r>
                     <m:r>
-                      <a:rPr lang="en-US" sz="2400" i="1"/>
+                      <a:rPr lang="en-US" sz="2400" i="1">
+                        <a:latin typeface="Cambria Math" panose="02040503050406030204" pitchFamily="18" charset="0"/>
+                      </a:rPr>
                       <m:t>𝑥</m:t>
                     </m:r>
                     <m:r>
-                      <a:rPr lang="en-US" sz="2400" i="1"/>
+                      <a:rPr lang="en-US" sz="2400" i="1">
+                        <a:latin typeface="Cambria Math" panose="02040503050406030204" pitchFamily="18" charset="0"/>
+                      </a:rPr>
                       <m:t>.</m:t>
                     </m:r>
                     <m:r>
-                      <a:rPr lang="en-US" sz="2400" i="1"/>
+                      <a:rPr lang="en-US" sz="2400" i="1">
+                        <a:latin typeface="Cambria Math" panose="02040503050406030204" pitchFamily="18" charset="0"/>
+                      </a:rPr>
                       <m:t>𝑚𝑓</m:t>
                     </m:r>
                     <m:d>
                       <m:dPr>
                         <m:ctrlPr>
-                          <a:rPr lang="en-US" sz="2400" i="1"/>
+                          <a:rPr lang="en-US" sz="2400" i="1">
+                            <a:latin typeface="Cambria Math" panose="02040503050406030204" pitchFamily="18" charset="0"/>
+                          </a:rPr>
                         </m:ctrlPr>
                       </m:dPr>
                       <m:e>
                         <m:r>
-                          <a:rPr lang="en-US" sz="2400" i="1"/>
+                          <a:rPr lang="en-US" sz="2400" i="1">
+                            <a:latin typeface="Cambria Math" panose="02040503050406030204" pitchFamily="18" charset="0"/>
+                          </a:rPr>
                           <m:t>𝑛𝑓𝑥</m:t>
                         </m:r>
                       </m:e>
@@ -5780,91 +6961,131 @@
                 <a14:m>
                   <m:oMath xmlns:m="http://schemas.openxmlformats.org/officeDocument/2006/math">
                     <m:r>
-                      <a:rPr lang="en-US" sz="2400" i="1"/>
+                      <a:rPr lang="en-US" sz="2400" i="1">
+                        <a:latin typeface="Cambria Math" panose="02040503050406030204" pitchFamily="18" charset="0"/>
+                      </a:rPr>
                       <m:t>𝑚</m:t>
                     </m:r>
                     <m:r>
-                      <a:rPr lang="en-US" sz="2400" i="1"/>
+                      <a:rPr lang="en-US" sz="2400" i="1">
+                        <a:latin typeface="Cambria Math" panose="02040503050406030204" pitchFamily="18" charset="0"/>
+                      </a:rPr>
                       <m:t>∗</m:t>
                     </m:r>
                     <m:r>
-                      <a:rPr lang="en-US" sz="2400" i="1"/>
+                      <a:rPr lang="en-US" sz="2400" i="1">
+                        <a:latin typeface="Cambria Math" panose="02040503050406030204" pitchFamily="18" charset="0"/>
+                      </a:rPr>
                       <m:t>𝑛</m:t>
                     </m:r>
                     <m:r>
                       <m:rPr>
                         <m:aln/>
                       </m:rPr>
-                      <a:rPr lang="en-US" sz="2400" i="1"/>
+                      <a:rPr lang="en-US" sz="2400" i="1">
+                        <a:latin typeface="Cambria Math" panose="02040503050406030204" pitchFamily="18" charset="0"/>
+                      </a:rPr>
                       <m:t>≔</m:t>
                     </m:r>
                     <m:r>
-                      <a:rPr lang="en-US" sz="2400" i="1"/>
+                      <a:rPr lang="en-US" sz="2400" i="1">
+                        <a:latin typeface="Cambria Math" panose="02040503050406030204" pitchFamily="18" charset="0"/>
+                      </a:rPr>
                       <m:t>𝜆</m:t>
                     </m:r>
                     <m:r>
-                      <a:rPr lang="en-US" sz="2400" i="1"/>
+                      <a:rPr lang="en-US" sz="2400" i="1">
+                        <a:latin typeface="Cambria Math" panose="02040503050406030204" pitchFamily="18" charset="0"/>
+                      </a:rPr>
                       <m:t>𝑚</m:t>
                     </m:r>
                     <m:r>
-                      <a:rPr lang="en-US" sz="2400" i="1"/>
+                      <a:rPr lang="en-US" sz="2400" i="1">
+                        <a:latin typeface="Cambria Math" panose="02040503050406030204" pitchFamily="18" charset="0"/>
+                      </a:rPr>
                       <m:t>.</m:t>
                     </m:r>
                     <m:r>
-                      <a:rPr lang="en-US" sz="2400" i="1"/>
+                      <a:rPr lang="en-US" sz="2400" i="1">
+                        <a:latin typeface="Cambria Math" panose="02040503050406030204" pitchFamily="18" charset="0"/>
+                      </a:rPr>
                       <m:t>𝜆</m:t>
                     </m:r>
                     <m:r>
-                      <a:rPr lang="en-US" sz="2400" i="1"/>
+                      <a:rPr lang="en-US" sz="2400" i="1">
+                        <a:latin typeface="Cambria Math" panose="02040503050406030204" pitchFamily="18" charset="0"/>
+                      </a:rPr>
                       <m:t>𝑛</m:t>
                     </m:r>
                     <m:r>
-                      <a:rPr lang="en-US" sz="2400" i="1"/>
+                      <a:rPr lang="en-US" sz="2400" i="1">
+                        <a:latin typeface="Cambria Math" panose="02040503050406030204" pitchFamily="18" charset="0"/>
+                      </a:rPr>
                       <m:t>.</m:t>
                     </m:r>
                     <m:r>
-                      <a:rPr lang="en-US" sz="2400" i="1"/>
+                      <a:rPr lang="en-US" sz="2400" i="1">
+                        <a:latin typeface="Cambria Math" panose="02040503050406030204" pitchFamily="18" charset="0"/>
+                      </a:rPr>
                       <m:t>𝜆</m:t>
                     </m:r>
                     <m:r>
-                      <a:rPr lang="en-US" sz="2400" i="1"/>
+                      <a:rPr lang="en-US" sz="2400" i="1">
+                        <a:latin typeface="Cambria Math" panose="02040503050406030204" pitchFamily="18" charset="0"/>
+                      </a:rPr>
                       <m:t>𝑓</m:t>
                     </m:r>
                     <m:r>
-                      <a:rPr lang="en-US" sz="2400" i="1"/>
+                      <a:rPr lang="en-US" sz="2400" i="1">
+                        <a:latin typeface="Cambria Math" panose="02040503050406030204" pitchFamily="18" charset="0"/>
+                      </a:rPr>
                       <m:t>.</m:t>
                     </m:r>
                     <m:r>
-                      <a:rPr lang="en-US" sz="2400" i="1"/>
+                      <a:rPr lang="en-US" sz="2400" i="1">
+                        <a:latin typeface="Cambria Math" panose="02040503050406030204" pitchFamily="18" charset="0"/>
+                      </a:rPr>
                       <m:t>𝜆</m:t>
                     </m:r>
                     <m:r>
-                      <a:rPr lang="en-US" sz="2400" i="1"/>
+                      <a:rPr lang="en-US" sz="2400" i="1">
+                        <a:latin typeface="Cambria Math" panose="02040503050406030204" pitchFamily="18" charset="0"/>
+                      </a:rPr>
                       <m:t>𝑥</m:t>
                     </m:r>
                     <m:r>
-                      <a:rPr lang="en-US" sz="2400" i="1"/>
+                      <a:rPr lang="en-US" sz="2400" i="1">
+                        <a:latin typeface="Cambria Math" panose="02040503050406030204" pitchFamily="18" charset="0"/>
+                      </a:rPr>
                       <m:t>.</m:t>
                     </m:r>
                     <m:r>
-                      <a:rPr lang="en-US" sz="2400" i="1"/>
+                      <a:rPr lang="en-US" sz="2400" i="1">
+                        <a:latin typeface="Cambria Math" panose="02040503050406030204" pitchFamily="18" charset="0"/>
+                      </a:rPr>
                       <m:t>𝑚</m:t>
                     </m:r>
                     <m:d>
                       <m:dPr>
                         <m:ctrlPr>
-                          <a:rPr lang="en-US" sz="2400" i="1"/>
+                          <a:rPr lang="en-US" sz="2400" i="1">
+                            <a:latin typeface="Cambria Math" panose="02040503050406030204" pitchFamily="18" charset="0"/>
+                          </a:rPr>
                         </m:ctrlPr>
                       </m:dPr>
                       <m:e>
                         <m:r>
-                          <a:rPr lang="en-US" sz="2400" i="1"/>
+                          <a:rPr lang="en-US" sz="2400" i="1">
+                            <a:latin typeface="Cambria Math" panose="02040503050406030204" pitchFamily="18" charset="0"/>
+                          </a:rPr>
                           <m:t>𝑛𝑓</m:t>
                         </m:r>
                       </m:e>
                     </m:d>
                     <m:r>
-                      <a:rPr lang="en-US" sz="2400" i="1"/>
+                      <a:rPr lang="en-US" sz="2400" i="1">
+                        <a:latin typeface="Cambria Math" panose="02040503050406030204" pitchFamily="18" charset="0"/>
+                      </a:rPr>
                       <m:t>𝑥</m:t>
                     </m:r>
                   </m:oMath>
@@ -5874,7 +7095,7 @@
             </p:txBody>
           </p:sp>
         </mc:Choice>
-        <mc:Fallback>
+        <mc:Fallback xmlns="">
           <p:sp>
             <p:nvSpPr>
               <p:cNvPr id="3" name="Content Placeholder 2"/>
@@ -5921,7 +7142,7 @@
 </p:sld>
 </file>
 
-<file path=ppt/slides/slide6.xml><?xml version="1.0" encoding="utf-8"?>
+<file path=ppt/slides/slide7.xml><?xml version="1.0" encoding="utf-8"?>
 <p:sld xmlns:a="http://schemas.openxmlformats.org/drawingml/2006/main" xmlns:r="http://schemas.openxmlformats.org/officeDocument/2006/relationships" xmlns:p="http://schemas.openxmlformats.org/presentationml/2006/main">
   <p:cSld>
     <p:spTree>
@@ -5990,42 +7211,60 @@
                 <a14:m>
                   <m:oMath xmlns:m="http://schemas.openxmlformats.org/officeDocument/2006/math">
                     <m:r>
-                      <a:rPr lang="en-US" sz="2800" i="1"/>
+                      <a:rPr lang="en-US" sz="2800" i="1">
+                        <a:latin typeface="Cambria Math" panose="02040503050406030204" pitchFamily="18" charset="0"/>
+                      </a:rPr>
                       <m:t>𝜆</m:t>
                     </m:r>
                     <m:r>
-                      <a:rPr lang="en-US" sz="2800" i="1"/>
+                      <a:rPr lang="en-US" sz="2800" i="1">
+                        <a:latin typeface="Cambria Math" panose="02040503050406030204" pitchFamily="18" charset="0"/>
+                      </a:rPr>
                       <m:t>𝑥</m:t>
                     </m:r>
                     <m:r>
-                      <a:rPr lang="en-US" sz="2800" i="1"/>
+                      <a:rPr lang="en-US" sz="2800" i="1">
+                        <a:latin typeface="Cambria Math" panose="02040503050406030204" pitchFamily="18" charset="0"/>
+                      </a:rPr>
                       <m:t>.</m:t>
                     </m:r>
                     <m:r>
-                      <a:rPr lang="en-US" sz="2800" i="1"/>
+                      <a:rPr lang="en-US" sz="2800" i="1">
+                        <a:latin typeface="Cambria Math" panose="02040503050406030204" pitchFamily="18" charset="0"/>
+                      </a:rPr>
                       <m:t>𝑥</m:t>
                     </m:r>
                     <m:r>
                       <m:rPr>
                         <m:aln/>
                       </m:rPr>
-                      <a:rPr lang="en-US" sz="2800" i="1"/>
+                      <a:rPr lang="en-US" sz="2800" i="1">
+                        <a:latin typeface="Cambria Math" panose="02040503050406030204" pitchFamily="18" charset="0"/>
+                      </a:rPr>
                       <m:t>=</m:t>
                     </m:r>
                     <m:r>
-                      <a:rPr lang="en-US" sz="2800" i="1"/>
+                      <a:rPr lang="en-US" sz="2800" i="1">
+                        <a:latin typeface="Cambria Math" panose="02040503050406030204" pitchFamily="18" charset="0"/>
+                      </a:rPr>
                       <m:t>𝜆</m:t>
                     </m:r>
                     <m:r>
-                      <a:rPr lang="en-US" sz="2800" i="1"/>
+                      <a:rPr lang="en-US" sz="2800" i="1">
+                        <a:latin typeface="Cambria Math" panose="02040503050406030204" pitchFamily="18" charset="0"/>
+                      </a:rPr>
                       <m:t>𝑦</m:t>
                     </m:r>
                     <m:r>
-                      <a:rPr lang="en-US" sz="2800" i="1"/>
+                      <a:rPr lang="en-US" sz="2800" i="1">
+                        <a:latin typeface="Cambria Math" panose="02040503050406030204" pitchFamily="18" charset="0"/>
+                      </a:rPr>
                       <m:t>.</m:t>
                     </m:r>
                     <m:r>
-                      <a:rPr lang="en-US" sz="2800" i="1"/>
+                      <a:rPr lang="en-US" sz="2800" i="1">
+                        <a:latin typeface="Cambria Math" panose="02040503050406030204" pitchFamily="18" charset="0"/>
+                      </a:rPr>
                       <m:t>𝑦</m:t>
                     </m:r>
                   </m:oMath>
@@ -6037,43 +7276,155 @@
                 <a14:m>
                   <m:oMath xmlns:m="http://schemas.openxmlformats.org/officeDocument/2006/math">
                     <m:r>
-                      <a:rPr lang="en-US" sz="2800" i="1"/>
+                      <a:rPr lang="en-US" sz="2800" i="1">
+                        <a:latin typeface="Cambria Math" panose="02040503050406030204" pitchFamily="18" charset="0"/>
+                      </a:rPr>
                       <m:t>𝜆</m:t>
                     </m:r>
                     <m:r>
-                      <a:rPr lang="en-US" sz="2800" i="1"/>
+                      <a:rPr lang="en-US" sz="2800" i="1">
+                        <a:latin typeface="Cambria Math" panose="02040503050406030204" pitchFamily="18" charset="0"/>
+                      </a:rPr>
                       <m:t>𝑥</m:t>
                     </m:r>
                     <m:r>
-                      <a:rPr lang="en-US" sz="2800" i="1"/>
+                      <a:rPr lang="en-US" sz="2800" i="1">
+                        <a:latin typeface="Cambria Math" panose="02040503050406030204" pitchFamily="18" charset="0"/>
+                      </a:rPr>
                       <m:t>.</m:t>
                     </m:r>
                     <m:r>
-                      <a:rPr lang="en-US" sz="2800" i="1"/>
+                      <a:rPr lang="en-US" sz="2800" i="1">
+                        <a:latin typeface="Cambria Math" panose="02040503050406030204" pitchFamily="18" charset="0"/>
+                      </a:rPr>
                       <m:t>𝑥𝑦</m:t>
                     </m:r>
                     <m:r>
                       <m:rPr>
                         <m:aln/>
                       </m:rPr>
-                      <a:rPr lang="en-US" sz="2800" i="1"/>
+                      <a:rPr lang="en-US" sz="2800" i="1">
+                        <a:latin typeface="Cambria Math" panose="02040503050406030204" pitchFamily="18" charset="0"/>
+                      </a:rPr>
                       <m:t>=</m:t>
                     </m:r>
                     <m:r>
-                      <a:rPr lang="en-US" sz="2800" i="1"/>
+                      <a:rPr lang="en-US" sz="2800" i="1">
+                        <a:latin typeface="Cambria Math" panose="02040503050406030204" pitchFamily="18" charset="0"/>
+                      </a:rPr>
                       <m:t>𝜆</m:t>
                     </m:r>
                     <m:r>
-                      <a:rPr lang="en-US" sz="2800" i="1"/>
+                      <a:rPr lang="en-US" sz="2800" i="1">
+                        <a:latin typeface="Cambria Math" panose="02040503050406030204" pitchFamily="18" charset="0"/>
+                      </a:rPr>
                       <m:t>𝑧</m:t>
                     </m:r>
                     <m:r>
-                      <a:rPr lang="en-US" sz="2800" i="1"/>
+                      <a:rPr lang="en-US" sz="2800" i="1">
+                        <a:latin typeface="Cambria Math" panose="02040503050406030204" pitchFamily="18" charset="0"/>
+                      </a:rPr>
                       <m:t>.</m:t>
                     </m:r>
                     <m:r>
-                      <a:rPr lang="en-US" sz="2800" i="1"/>
+                      <a:rPr lang="en-US" sz="2800" i="1">
+                        <a:latin typeface="Cambria Math" panose="02040503050406030204" pitchFamily="18" charset="0"/>
+                      </a:rPr>
                       <m:t>𝑧𝑦</m:t>
+                    </m:r>
+                  </m:oMath>
+                </a14:m>
+                <a:endParaRPr lang="en-US" sz="2800" dirty="0" smtClean="0"/>
+              </a:p>
+              <a:p>
+                <a:pPr lvl="1"/>
+                <a:r>
+                  <a:rPr lang="en-US" sz="2800" dirty="0" smtClean="0"/>
+                  <a:t>Notice the free variables must match </a:t>
+                </a:r>
+                <a14:m>
+                  <m:oMath xmlns:m="http://schemas.openxmlformats.org/officeDocument/2006/math">
+                    <m:d>
+                      <m:dPr>
+                        <m:ctrlPr>
+                          <a:rPr lang="en-US" sz="2800" b="0" i="1" smtClean="0">
+                            <a:latin typeface="Cambria Math" panose="02040503050406030204" pitchFamily="18" charset="0"/>
+                            <a:ea typeface="Cambria Math" panose="02040503050406030204" pitchFamily="18" charset="0"/>
+                          </a:rPr>
+                        </m:ctrlPr>
+                      </m:dPr>
+                      <m:e>
+                        <m:r>
+                          <a:rPr lang="en-US" sz="2800" b="0" i="1" smtClean="0">
+                            <a:latin typeface="Cambria Math" panose="02040503050406030204" pitchFamily="18" charset="0"/>
+                            <a:ea typeface="Cambria Math" panose="02040503050406030204" pitchFamily="18" charset="0"/>
+                          </a:rPr>
+                          <m:t>𝜆</m:t>
+                        </m:r>
+                        <m:r>
+                          <a:rPr lang="en-US" sz="2800" b="0" i="1" smtClean="0">
+                            <a:latin typeface="Cambria Math" panose="02040503050406030204" pitchFamily="18" charset="0"/>
+                            <a:ea typeface="Cambria Math" panose="02040503050406030204" pitchFamily="18" charset="0"/>
+                          </a:rPr>
+                          <m:t>𝑥</m:t>
+                        </m:r>
+                        <m:r>
+                          <a:rPr lang="en-US" sz="2800" b="0" i="1" smtClean="0">
+                            <a:latin typeface="Cambria Math" panose="02040503050406030204" pitchFamily="18" charset="0"/>
+                            <a:ea typeface="Cambria Math" panose="02040503050406030204" pitchFamily="18" charset="0"/>
+                          </a:rPr>
+                          <m:t>.</m:t>
+                        </m:r>
+                        <m:r>
+                          <a:rPr lang="en-US" sz="2800" b="0" i="1" smtClean="0">
+                            <a:latin typeface="Cambria Math" panose="02040503050406030204" pitchFamily="18" charset="0"/>
+                            <a:ea typeface="Cambria Math" panose="02040503050406030204" pitchFamily="18" charset="0"/>
+                          </a:rPr>
+                          <m:t>𝑥𝑦</m:t>
+                        </m:r>
+                      </m:e>
+                    </m:d>
+                    <m:r>
+                      <a:rPr lang="en-US" sz="2800" b="0" i="1" smtClean="0">
+                        <a:latin typeface="Cambria Math" panose="02040503050406030204" pitchFamily="18" charset="0"/>
+                        <a:ea typeface="Cambria Math" panose="02040503050406030204" pitchFamily="18" charset="0"/>
+                      </a:rPr>
+                      <m:t>≠(</m:t>
+                    </m:r>
+                    <m:r>
+                      <a:rPr lang="en-US" sz="2800" b="0" i="1" smtClean="0">
+                        <a:latin typeface="Cambria Math" panose="02040503050406030204" pitchFamily="18" charset="0"/>
+                        <a:ea typeface="Cambria Math" panose="02040503050406030204" pitchFamily="18" charset="0"/>
+                      </a:rPr>
+                      <m:t>𝜆</m:t>
+                    </m:r>
+                    <m:r>
+                      <a:rPr lang="en-US" sz="2800" b="0" i="1" smtClean="0">
+                        <a:latin typeface="Cambria Math" panose="02040503050406030204" pitchFamily="18" charset="0"/>
+                        <a:ea typeface="Cambria Math" panose="02040503050406030204" pitchFamily="18" charset="0"/>
+                      </a:rPr>
+                      <m:t>𝑎</m:t>
+                    </m:r>
+                    <m:r>
+                      <a:rPr lang="en-US" sz="2800" b="0" i="1" smtClean="0">
+                        <a:latin typeface="Cambria Math" panose="02040503050406030204" pitchFamily="18" charset="0"/>
+                        <a:ea typeface="Cambria Math" panose="02040503050406030204" pitchFamily="18" charset="0"/>
+                      </a:rPr>
+                      <m:t>.</m:t>
+                    </m:r>
+                    <m:r>
+                      <a:rPr lang="en-US" sz="2800" b="0" i="1" smtClean="0">
+                        <a:latin typeface="Cambria Math" panose="02040503050406030204" pitchFamily="18" charset="0"/>
+                        <a:ea typeface="Cambria Math" panose="02040503050406030204" pitchFamily="18" charset="0"/>
+                      </a:rPr>
+                      <m:t>𝑎𝑧</m:t>
+                    </m:r>
+                    <m:r>
+                      <a:rPr lang="en-US" sz="2800" b="0" i="1" smtClean="0">
+                        <a:latin typeface="Cambria Math" panose="02040503050406030204" pitchFamily="18" charset="0"/>
+                        <a:ea typeface="Cambria Math" panose="02040503050406030204" pitchFamily="18" charset="0"/>
+                      </a:rPr>
+                      <m:t>)</m:t>
                     </m:r>
                   </m:oMath>
                 </a14:m>
@@ -6092,24 +7443,34 @@
                     <m:d>
                       <m:dPr>
                         <m:ctrlPr>
-                          <a:rPr lang="en-US" sz="2800" i="1"/>
+                          <a:rPr lang="en-US" sz="2800" i="1">
+                            <a:latin typeface="Cambria Math" panose="02040503050406030204" pitchFamily="18" charset="0"/>
+                          </a:rPr>
                         </m:ctrlPr>
                       </m:dPr>
                       <m:e>
                         <m:r>
-                          <a:rPr lang="en-US" sz="2800" i="1"/>
+                          <a:rPr lang="en-US" sz="2800" i="1">
+                            <a:latin typeface="Cambria Math" panose="02040503050406030204" pitchFamily="18" charset="0"/>
+                          </a:rPr>
                           <m:t>𝜆</m:t>
                         </m:r>
                         <m:r>
-                          <a:rPr lang="en-US" sz="2800" i="1"/>
+                          <a:rPr lang="en-US" sz="2800" i="1">
+                            <a:latin typeface="Cambria Math" panose="02040503050406030204" pitchFamily="18" charset="0"/>
+                          </a:rPr>
                           <m:t>𝑥</m:t>
                         </m:r>
                         <m:r>
-                          <a:rPr lang="en-US" sz="2800" i="1"/>
+                          <a:rPr lang="en-US" sz="2800" i="1">
+                            <a:latin typeface="Cambria Math" panose="02040503050406030204" pitchFamily="18" charset="0"/>
+                          </a:rPr>
                           <m:t>.</m:t>
                         </m:r>
                         <m:r>
-                          <a:rPr lang="en-US" sz="2800" i="1"/>
+                          <a:rPr lang="en-US" sz="2800" i="1">
+                            <a:latin typeface="Cambria Math" panose="02040503050406030204" pitchFamily="18" charset="0"/>
+                          </a:rPr>
                           <m:t>𝑥𝑥</m:t>
                         </m:r>
                       </m:e>
@@ -6117,78 +7478,114 @@
                     <m:d>
                       <m:dPr>
                         <m:ctrlPr>
-                          <a:rPr lang="en-US" sz="2800" i="1"/>
+                          <a:rPr lang="en-US" sz="2800" i="1">
+                            <a:latin typeface="Cambria Math" panose="02040503050406030204" pitchFamily="18" charset="0"/>
+                          </a:rPr>
                         </m:ctrlPr>
                       </m:dPr>
                       <m:e>
                         <m:r>
-                          <a:rPr lang="en-US" sz="2800" i="1"/>
+                          <a:rPr lang="en-US" sz="2800" i="1">
+                            <a:latin typeface="Cambria Math" panose="02040503050406030204" pitchFamily="18" charset="0"/>
+                          </a:rPr>
                           <m:t>𝜆</m:t>
                         </m:r>
                         <m:r>
-                          <a:rPr lang="en-US" sz="2800" i="1"/>
+                          <a:rPr lang="en-US" sz="2800" i="1">
+                            <a:latin typeface="Cambria Math" panose="02040503050406030204" pitchFamily="18" charset="0"/>
+                          </a:rPr>
                           <m:t>𝑥</m:t>
                         </m:r>
                         <m:r>
-                          <a:rPr lang="en-US" sz="2800" i="1"/>
+                          <a:rPr lang="en-US" sz="2800" i="1">
+                            <a:latin typeface="Cambria Math" panose="02040503050406030204" pitchFamily="18" charset="0"/>
+                          </a:rPr>
                           <m:t>.</m:t>
                         </m:r>
                         <m:r>
-                          <a:rPr lang="en-US" sz="2800" i="1"/>
+                          <a:rPr lang="en-US" sz="2800" i="1">
+                            <a:latin typeface="Cambria Math" panose="02040503050406030204" pitchFamily="18" charset="0"/>
+                          </a:rPr>
                           <m:t>𝑥𝑥</m:t>
                         </m:r>
                       </m:e>
                     </m:d>
                     <m:r>
-                      <a:rPr lang="en-US" sz="2800" i="1"/>
+                      <a:rPr lang="en-US" sz="2800" i="1">
+                        <a:latin typeface="Cambria Math" panose="02040503050406030204" pitchFamily="18" charset="0"/>
+                      </a:rPr>
                       <m:t>→(</m:t>
                     </m:r>
                     <m:r>
-                      <a:rPr lang="en-US" sz="2800" i="1"/>
+                      <a:rPr lang="en-US" sz="2800" i="1">
+                        <a:latin typeface="Cambria Math" panose="02040503050406030204" pitchFamily="18" charset="0"/>
+                      </a:rPr>
                       <m:t>𝜆</m:t>
                     </m:r>
                     <m:r>
-                      <a:rPr lang="en-US" sz="2800" i="1"/>
+                      <a:rPr lang="en-US" sz="2800" i="1">
+                        <a:latin typeface="Cambria Math" panose="02040503050406030204" pitchFamily="18" charset="0"/>
+                      </a:rPr>
                       <m:t>𝑥</m:t>
                     </m:r>
                     <m:r>
-                      <a:rPr lang="en-US" sz="2800" i="1"/>
+                      <a:rPr lang="en-US" sz="2800" i="1">
+                        <a:latin typeface="Cambria Math" panose="02040503050406030204" pitchFamily="18" charset="0"/>
+                      </a:rPr>
                       <m:t>.</m:t>
                     </m:r>
                     <m:r>
-                      <a:rPr lang="en-US" sz="2800" i="1"/>
+                      <a:rPr lang="en-US" sz="2800" i="1">
+                        <a:latin typeface="Cambria Math" panose="02040503050406030204" pitchFamily="18" charset="0"/>
+                      </a:rPr>
                       <m:t>𝑥𝑥</m:t>
                     </m:r>
                     <m:r>
-                      <a:rPr lang="en-US" sz="2800" i="1"/>
+                      <a:rPr lang="en-US" sz="2800" i="1">
+                        <a:latin typeface="Cambria Math" panose="02040503050406030204" pitchFamily="18" charset="0"/>
+                      </a:rPr>
                       <m:t>)(</m:t>
                     </m:r>
                     <m:r>
-                      <a:rPr lang="en-US" sz="2800" i="1"/>
+                      <a:rPr lang="en-US" sz="2800" i="1">
+                        <a:latin typeface="Cambria Math" panose="02040503050406030204" pitchFamily="18" charset="0"/>
+                      </a:rPr>
                       <m:t>𝜆</m:t>
                     </m:r>
                     <m:r>
-                      <a:rPr lang="en-US" sz="2800" i="1"/>
+                      <a:rPr lang="en-US" sz="2800" i="1">
+                        <a:latin typeface="Cambria Math" panose="02040503050406030204" pitchFamily="18" charset="0"/>
+                      </a:rPr>
                       <m:t>𝑥</m:t>
                     </m:r>
                     <m:r>
-                      <a:rPr lang="en-US" sz="2800" i="1"/>
+                      <a:rPr lang="en-US" sz="2800" i="1">
+                        <a:latin typeface="Cambria Math" panose="02040503050406030204" pitchFamily="18" charset="0"/>
+                      </a:rPr>
                       <m:t>′.</m:t>
                     </m:r>
                     <m:r>
-                      <a:rPr lang="en-US" sz="2800" i="1"/>
+                      <a:rPr lang="en-US" sz="2800" i="1">
+                        <a:latin typeface="Cambria Math" panose="02040503050406030204" pitchFamily="18" charset="0"/>
+                      </a:rPr>
                       <m:t>𝑥</m:t>
                     </m:r>
                     <m:r>
-                      <a:rPr lang="en-US" sz="2800" i="1"/>
+                      <a:rPr lang="en-US" sz="2800" i="1">
+                        <a:latin typeface="Cambria Math" panose="02040503050406030204" pitchFamily="18" charset="0"/>
+                      </a:rPr>
                       <m:t>′</m:t>
                     </m:r>
                     <m:r>
-                      <a:rPr lang="en-US" sz="2800" i="1"/>
+                      <a:rPr lang="en-US" sz="2800" i="1">
+                        <a:latin typeface="Cambria Math" panose="02040503050406030204" pitchFamily="18" charset="0"/>
+                      </a:rPr>
                       <m:t>𝑥</m:t>
                     </m:r>
                     <m:r>
-                      <a:rPr lang="en-US" sz="2800" i="1"/>
+                      <a:rPr lang="en-US" sz="2800" i="1">
+                        <a:latin typeface="Cambria Math" panose="02040503050406030204" pitchFamily="18" charset="0"/>
+                      </a:rPr>
                       <m:t>′)</m:t>
                     </m:r>
                   </m:oMath>
@@ -6249,7 +7646,7 @@
 </p:sld>
 </file>
 
-<file path=ppt/slides/slide7.xml><?xml version="1.0" encoding="utf-8"?>
+<file path=ppt/slides/slide8.xml><?xml version="1.0" encoding="utf-8"?>
 <p:sld xmlns:a="http://schemas.openxmlformats.org/drawingml/2006/main" xmlns:r="http://schemas.openxmlformats.org/officeDocument/2006/relationships" xmlns:p="http://schemas.openxmlformats.org/presentationml/2006/main">
   <p:cSld>
     <p:spTree>
@@ -6309,7 +7706,7 @@
             <p:spPr/>
             <p:txBody>
               <a:bodyPr>
-                <a:normAutofit fontScale="77500" lnSpcReduction="20000"/>
+                <a:normAutofit fontScale="85000" lnSpcReduction="10000"/>
               </a:bodyPr>
               <a:lstStyle/>
               <a:p>
@@ -6325,24 +7722,34 @@
                       <m:d>
                         <m:dPr>
                           <m:ctrlPr>
-                            <a:rPr lang="en-US" sz="3100" i="1"/>
+                            <a:rPr lang="en-US" sz="3100" i="1">
+                              <a:latin typeface="Cambria Math" panose="02040503050406030204" pitchFamily="18" charset="0"/>
+                            </a:rPr>
                           </m:ctrlPr>
                         </m:dPr>
                         <m:e>
                           <m:r>
-                            <a:rPr lang="en-US" sz="3100" i="1"/>
+                            <a:rPr lang="en-US" sz="3100" i="1">
+                              <a:latin typeface="Cambria Math" panose="02040503050406030204" pitchFamily="18" charset="0"/>
+                            </a:rPr>
                             <m:t>𝜆</m:t>
                           </m:r>
                           <m:r>
-                            <a:rPr lang="en-US" sz="3100" i="1"/>
+                            <a:rPr lang="en-US" sz="3100" i="1">
+                              <a:latin typeface="Cambria Math" panose="02040503050406030204" pitchFamily="18" charset="0"/>
+                            </a:rPr>
                             <m:t>𝑥𝑦𝑧</m:t>
                           </m:r>
                           <m:r>
-                            <a:rPr lang="en-US" sz="3100" i="1"/>
+                            <a:rPr lang="en-US" sz="3100" i="1">
+                              <a:latin typeface="Cambria Math" panose="02040503050406030204" pitchFamily="18" charset="0"/>
+                            </a:rPr>
                             <m:t>.</m:t>
                           </m:r>
                           <m:r>
-                            <a:rPr lang="en-US" sz="3100" i="1"/>
+                            <a:rPr lang="en-US" sz="3100" i="1">
+                              <a:latin typeface="Cambria Math" panose="02040503050406030204" pitchFamily="18" charset="0"/>
+                            </a:rPr>
                             <m:t>𝑥𝑦𝑧</m:t>
                           </m:r>
                         </m:e>
@@ -6350,24 +7757,34 @@
                       <m:d>
                         <m:dPr>
                           <m:ctrlPr>
-                            <a:rPr lang="en-US" sz="3100" i="1"/>
+                            <a:rPr lang="en-US" sz="3100" i="1">
+                              <a:latin typeface="Cambria Math" panose="02040503050406030204" pitchFamily="18" charset="0"/>
+                            </a:rPr>
                           </m:ctrlPr>
                         </m:dPr>
                         <m:e>
                           <m:r>
-                            <a:rPr lang="en-US" sz="3100" i="1"/>
+                            <a:rPr lang="en-US" sz="3100" i="1">
+                              <a:latin typeface="Cambria Math" panose="02040503050406030204" pitchFamily="18" charset="0"/>
+                            </a:rPr>
                             <m:t>𝜆</m:t>
                           </m:r>
                           <m:r>
-                            <a:rPr lang="en-US" sz="3100" i="1"/>
+                            <a:rPr lang="en-US" sz="3100" i="1">
+                              <a:latin typeface="Cambria Math" panose="02040503050406030204" pitchFamily="18" charset="0"/>
+                            </a:rPr>
                             <m:t>𝑥</m:t>
                           </m:r>
                           <m:r>
-                            <a:rPr lang="en-US" sz="3100" i="1"/>
+                            <a:rPr lang="en-US" sz="3100" i="1">
+                              <a:latin typeface="Cambria Math" panose="02040503050406030204" pitchFamily="18" charset="0"/>
+                            </a:rPr>
                             <m:t>.</m:t>
                           </m:r>
                           <m:r>
-                            <a:rPr lang="en-US" sz="3100" i="1"/>
+                            <a:rPr lang="en-US" sz="3100" i="1">
+                              <a:latin typeface="Cambria Math" panose="02040503050406030204" pitchFamily="18" charset="0"/>
+                            </a:rPr>
                             <m:t>𝑥𝑥</m:t>
                           </m:r>
                         </m:e>
@@ -6375,30 +7792,42 @@
                       <m:d>
                         <m:dPr>
                           <m:ctrlPr>
-                            <a:rPr lang="en-US" sz="3100" i="1"/>
+                            <a:rPr lang="en-US" sz="3100" i="1">
+                              <a:latin typeface="Cambria Math" panose="02040503050406030204" pitchFamily="18" charset="0"/>
+                            </a:rPr>
                           </m:ctrlPr>
                         </m:dPr>
                         <m:e>
                           <m:r>
-                            <a:rPr lang="en-US" sz="3100" i="1"/>
+                            <a:rPr lang="en-US" sz="3100" i="1">
+                              <a:latin typeface="Cambria Math" panose="02040503050406030204" pitchFamily="18" charset="0"/>
+                            </a:rPr>
                             <m:t>𝜆</m:t>
                           </m:r>
                           <m:r>
-                            <a:rPr lang="en-US" sz="3100" i="1"/>
+                            <a:rPr lang="en-US" sz="3100" i="1">
+                              <a:latin typeface="Cambria Math" panose="02040503050406030204" pitchFamily="18" charset="0"/>
+                            </a:rPr>
                             <m:t>𝑥</m:t>
                           </m:r>
                           <m:r>
-                            <a:rPr lang="en-US" sz="3100" i="1"/>
+                            <a:rPr lang="en-US" sz="3100" i="1">
+                              <a:latin typeface="Cambria Math" panose="02040503050406030204" pitchFamily="18" charset="0"/>
+                            </a:rPr>
                             <m:t>.</m:t>
                           </m:r>
                           <m:r>
-                            <a:rPr lang="en-US" sz="3100" i="1"/>
+                            <a:rPr lang="en-US" sz="3100" i="1">
+                              <a:latin typeface="Cambria Math" panose="02040503050406030204" pitchFamily="18" charset="0"/>
+                            </a:rPr>
                             <m:t>𝑥</m:t>
                           </m:r>
                         </m:e>
                       </m:d>
                       <m:r>
-                        <a:rPr lang="en-US" sz="3100" i="1"/>
+                        <a:rPr lang="en-US" sz="3100" i="1">
+                          <a:latin typeface="Cambria Math" panose="02040503050406030204" pitchFamily="18" charset="0"/>
+                        </a:rPr>
                         <m:t>𝑥</m:t>
                       </m:r>
                     </m:oMath>
@@ -6406,48 +7835,70 @@
                       <m:d>
                         <m:dPr>
                           <m:ctrlPr>
-                            <a:rPr lang="en-US" sz="3100" i="1"/>
+                            <a:rPr lang="en-US" sz="3100" i="1">
+                              <a:latin typeface="Cambria Math" panose="02040503050406030204" pitchFamily="18" charset="0"/>
+                            </a:rPr>
                           </m:ctrlPr>
                         </m:dPr>
                         <m:e>
                           <m:r>
-                            <a:rPr lang="en-US" sz="3100" i="1"/>
+                            <a:rPr lang="en-US" sz="3100" i="1">
+                              <a:latin typeface="Cambria Math" panose="02040503050406030204" pitchFamily="18" charset="0"/>
+                            </a:rPr>
                             <m:t>𝜆</m:t>
                           </m:r>
                           <m:r>
-                            <a:rPr lang="en-US" sz="3100" i="1"/>
+                            <a:rPr lang="en-US" sz="3100" i="1">
+                              <a:latin typeface="Cambria Math" panose="02040503050406030204" pitchFamily="18" charset="0"/>
+                            </a:rPr>
                             <m:t>𝑥</m:t>
                           </m:r>
                           <m:r>
-                            <a:rPr lang="en-US" sz="3100" i="1"/>
+                            <a:rPr lang="en-US" sz="3100" i="1">
+                              <a:latin typeface="Cambria Math" panose="02040503050406030204" pitchFamily="18" charset="0"/>
+                            </a:rPr>
                             <m:t>.</m:t>
                           </m:r>
                           <m:r>
-                            <a:rPr lang="en-US" sz="3100" i="1"/>
+                            <a:rPr lang="en-US" sz="3100" i="1">
+                              <a:latin typeface="Cambria Math" panose="02040503050406030204" pitchFamily="18" charset="0"/>
+                            </a:rPr>
                             <m:t>𝜆</m:t>
                           </m:r>
                           <m:r>
-                            <a:rPr lang="en-US" sz="3100" i="1"/>
+                            <a:rPr lang="en-US" sz="3100" i="1">
+                              <a:latin typeface="Cambria Math" panose="02040503050406030204" pitchFamily="18" charset="0"/>
+                            </a:rPr>
                             <m:t>𝑦</m:t>
                           </m:r>
                           <m:r>
-                            <a:rPr lang="en-US" sz="3100" i="1"/>
+                            <a:rPr lang="en-US" sz="3100" i="1">
+                              <a:latin typeface="Cambria Math" panose="02040503050406030204" pitchFamily="18" charset="0"/>
+                            </a:rPr>
                             <m:t>.</m:t>
                           </m:r>
                           <m:r>
-                            <a:rPr lang="en-US" sz="3100" i="1"/>
+                            <a:rPr lang="en-US" sz="3100" i="1">
+                              <a:latin typeface="Cambria Math" panose="02040503050406030204" pitchFamily="18" charset="0"/>
+                            </a:rPr>
                             <m:t>𝜆</m:t>
                           </m:r>
                           <m:r>
-                            <a:rPr lang="en-US" sz="3100" i="1"/>
+                            <a:rPr lang="en-US" sz="3100" i="1">
+                              <a:latin typeface="Cambria Math" panose="02040503050406030204" pitchFamily="18" charset="0"/>
+                            </a:rPr>
                             <m:t>𝑧</m:t>
                           </m:r>
                           <m:r>
-                            <a:rPr lang="en-US" sz="3100" i="1"/>
+                            <a:rPr lang="en-US" sz="3100" i="1">
+                              <a:latin typeface="Cambria Math" panose="02040503050406030204" pitchFamily="18" charset="0"/>
+                            </a:rPr>
                             <m:t>.</m:t>
                           </m:r>
                           <m:r>
-                            <a:rPr lang="en-US" sz="3100" i="1"/>
+                            <a:rPr lang="en-US" sz="3100" i="1">
+                              <a:latin typeface="Cambria Math" panose="02040503050406030204" pitchFamily="18" charset="0"/>
+                            </a:rPr>
                             <m:t>𝑥𝑦𝑧</m:t>
                           </m:r>
                         </m:e>
@@ -6455,24 +7906,34 @@
                       <m:d>
                         <m:dPr>
                           <m:ctrlPr>
-                            <a:rPr lang="en-US" sz="3100" i="1"/>
+                            <a:rPr lang="en-US" sz="3100" i="1">
+                              <a:latin typeface="Cambria Math" panose="02040503050406030204" pitchFamily="18" charset="0"/>
+                            </a:rPr>
                           </m:ctrlPr>
                         </m:dPr>
                         <m:e>
                           <m:r>
-                            <a:rPr lang="en-US" sz="3100" i="1"/>
+                            <a:rPr lang="en-US" sz="3100" i="1">
+                              <a:latin typeface="Cambria Math" panose="02040503050406030204" pitchFamily="18" charset="0"/>
+                            </a:rPr>
                             <m:t>𝜆</m:t>
                           </m:r>
                           <m:r>
-                            <a:rPr lang="en-US" sz="3100" i="1"/>
+                            <a:rPr lang="en-US" sz="3100" i="1">
+                              <a:latin typeface="Cambria Math" panose="02040503050406030204" pitchFamily="18" charset="0"/>
+                            </a:rPr>
                             <m:t>𝑥</m:t>
                           </m:r>
                           <m:r>
-                            <a:rPr lang="en-US" sz="3100" i="1"/>
+                            <a:rPr lang="en-US" sz="3100" i="1">
+                              <a:latin typeface="Cambria Math" panose="02040503050406030204" pitchFamily="18" charset="0"/>
+                            </a:rPr>
                             <m:t>.</m:t>
                           </m:r>
                           <m:r>
-                            <a:rPr lang="en-US" sz="3100" i="1"/>
+                            <a:rPr lang="en-US" sz="3100" i="1">
+                              <a:latin typeface="Cambria Math" panose="02040503050406030204" pitchFamily="18" charset="0"/>
+                            </a:rPr>
                             <m:t>𝑥𝑥</m:t>
                           </m:r>
                         </m:e>
@@ -6480,30 +7941,42 @@
                       <m:d>
                         <m:dPr>
                           <m:ctrlPr>
-                            <a:rPr lang="en-US" sz="3100" i="1"/>
+                            <a:rPr lang="en-US" sz="3100" i="1">
+                              <a:latin typeface="Cambria Math" panose="02040503050406030204" pitchFamily="18" charset="0"/>
+                            </a:rPr>
                           </m:ctrlPr>
                         </m:dPr>
                         <m:e>
                           <m:r>
-                            <a:rPr lang="en-US" sz="3100" i="1"/>
+                            <a:rPr lang="en-US" sz="3100" i="1">
+                              <a:latin typeface="Cambria Math" panose="02040503050406030204" pitchFamily="18" charset="0"/>
+                            </a:rPr>
                             <m:t>𝜆</m:t>
                           </m:r>
                           <m:r>
-                            <a:rPr lang="en-US" sz="3100" i="1"/>
+                            <a:rPr lang="en-US" sz="3100" i="1">
+                              <a:latin typeface="Cambria Math" panose="02040503050406030204" pitchFamily="18" charset="0"/>
+                            </a:rPr>
                             <m:t>𝑥</m:t>
                           </m:r>
                           <m:r>
-                            <a:rPr lang="en-US" sz="3100" i="1"/>
+                            <a:rPr lang="en-US" sz="3100" i="1">
+                              <a:latin typeface="Cambria Math" panose="02040503050406030204" pitchFamily="18" charset="0"/>
+                            </a:rPr>
                             <m:t>.</m:t>
                           </m:r>
                           <m:r>
-                            <a:rPr lang="en-US" sz="3100" i="1"/>
+                            <a:rPr lang="en-US" sz="3100" i="1">
+                              <a:latin typeface="Cambria Math" panose="02040503050406030204" pitchFamily="18" charset="0"/>
+                            </a:rPr>
                             <m:t>𝑥</m:t>
                           </m:r>
                         </m:e>
                       </m:d>
                       <m:r>
-                        <a:rPr lang="en-US" sz="3100" i="1"/>
+                        <a:rPr lang="en-US" sz="3100" i="1">
+                          <a:latin typeface="Cambria Math" panose="02040503050406030204" pitchFamily="18" charset="0"/>
+                        </a:rPr>
                         <m:t>𝑥</m:t>
                       </m:r>
                     </m:oMath>
@@ -6511,48 +7984,70 @@
                       <m:d>
                         <m:dPr>
                           <m:ctrlPr>
-                            <a:rPr lang="en-US" sz="3100" i="1"/>
+                            <a:rPr lang="en-US" sz="3100" i="1">
+                              <a:latin typeface="Cambria Math" panose="02040503050406030204" pitchFamily="18" charset="0"/>
+                            </a:rPr>
                           </m:ctrlPr>
                         </m:dPr>
                         <m:e>
                           <m:r>
-                            <a:rPr lang="en-US" sz="3100" i="1"/>
+                            <a:rPr lang="en-US" sz="3100" i="1">
+                              <a:latin typeface="Cambria Math" panose="02040503050406030204" pitchFamily="18" charset="0"/>
+                            </a:rPr>
                             <m:t>𝜆</m:t>
                           </m:r>
                           <m:r>
-                            <a:rPr lang="en-US" sz="3100" i="1"/>
+                            <a:rPr lang="en-US" sz="3100" i="1">
+                              <a:latin typeface="Cambria Math" panose="02040503050406030204" pitchFamily="18" charset="0"/>
+                            </a:rPr>
                             <m:t>𝑥</m:t>
                           </m:r>
                           <m:r>
-                            <a:rPr lang="en-US" sz="3100" i="1"/>
+                            <a:rPr lang="en-US" sz="3100" i="1">
+                              <a:latin typeface="Cambria Math" panose="02040503050406030204" pitchFamily="18" charset="0"/>
+                            </a:rPr>
                             <m:t>.</m:t>
                           </m:r>
                           <m:r>
-                            <a:rPr lang="en-US" sz="3100" i="1"/>
+                            <a:rPr lang="en-US" sz="3100" i="1">
+                              <a:latin typeface="Cambria Math" panose="02040503050406030204" pitchFamily="18" charset="0"/>
+                            </a:rPr>
                             <m:t>𝜆</m:t>
                           </m:r>
                           <m:r>
-                            <a:rPr lang="en-US" sz="3100" i="1"/>
+                            <a:rPr lang="en-US" sz="3100" i="1">
+                              <a:latin typeface="Cambria Math" panose="02040503050406030204" pitchFamily="18" charset="0"/>
+                            </a:rPr>
                             <m:t>𝑦</m:t>
                           </m:r>
                           <m:r>
-                            <a:rPr lang="en-US" sz="3100" i="1"/>
+                            <a:rPr lang="en-US" sz="3100" i="1">
+                              <a:latin typeface="Cambria Math" panose="02040503050406030204" pitchFamily="18" charset="0"/>
+                            </a:rPr>
                             <m:t>.</m:t>
                           </m:r>
                           <m:r>
-                            <a:rPr lang="en-US" sz="3100" i="1"/>
+                            <a:rPr lang="en-US" sz="3100" i="1">
+                              <a:latin typeface="Cambria Math" panose="02040503050406030204" pitchFamily="18" charset="0"/>
+                            </a:rPr>
                             <m:t>𝜆</m:t>
                           </m:r>
                           <m:r>
-                            <a:rPr lang="en-US" sz="3100" i="1"/>
+                            <a:rPr lang="en-US" sz="3100" i="1">
+                              <a:latin typeface="Cambria Math" panose="02040503050406030204" pitchFamily="18" charset="0"/>
+                            </a:rPr>
                             <m:t>𝑧</m:t>
                           </m:r>
                           <m:r>
-                            <a:rPr lang="en-US" sz="3100" i="1"/>
+                            <a:rPr lang="en-US" sz="3100" i="1">
+                              <a:latin typeface="Cambria Math" panose="02040503050406030204" pitchFamily="18" charset="0"/>
+                            </a:rPr>
                             <m:t>.</m:t>
                           </m:r>
                           <m:r>
-                            <a:rPr lang="en-US" sz="3100" i="1"/>
+                            <a:rPr lang="en-US" sz="3100" i="1">
+                              <a:latin typeface="Cambria Math" panose="02040503050406030204" pitchFamily="18" charset="0"/>
+                            </a:rPr>
                             <m:t>𝑥𝑦𝑧</m:t>
                           </m:r>
                         </m:e>
@@ -6560,52 +8055,70 @@
                       <m:d>
                         <m:dPr>
                           <m:ctrlPr>
-                            <a:rPr lang="en-US" sz="3100" i="1"/>
+                            <a:rPr lang="en-US" sz="3100" i="1">
+                              <a:latin typeface="Cambria Math" panose="02040503050406030204" pitchFamily="18" charset="0"/>
+                            </a:rPr>
                           </m:ctrlPr>
                         </m:dPr>
                         <m:e>
                           <m:r>
-                            <a:rPr lang="en-US" sz="3100" i="1"/>
+                            <a:rPr lang="en-US" sz="3100" i="1">
+                              <a:latin typeface="Cambria Math" panose="02040503050406030204" pitchFamily="18" charset="0"/>
+                            </a:rPr>
                             <m:t>𝜆</m:t>
                           </m:r>
                           <m:sSup>
                             <m:sSupPr>
                               <m:ctrlPr>
-                                <a:rPr lang="en-US" sz="3100" i="1"/>
+                                <a:rPr lang="en-US" sz="3100" i="1">
+                                  <a:latin typeface="Cambria Math" panose="02040503050406030204" pitchFamily="18" charset="0"/>
+                                </a:rPr>
                               </m:ctrlPr>
                             </m:sSupPr>
                             <m:e>
                               <m:r>
-                                <a:rPr lang="en-US" sz="3100" i="1"/>
+                                <a:rPr lang="en-US" sz="3100" i="1">
+                                  <a:latin typeface="Cambria Math" panose="02040503050406030204" pitchFamily="18" charset="0"/>
+                                </a:rPr>
                                 <m:t>𝑥</m:t>
                               </m:r>
                             </m:e>
                             <m:sup>
                               <m:r>
-                                <a:rPr lang="en-US" sz="3100" i="1"/>
+                                <a:rPr lang="en-US" sz="3100" i="1">
+                                  <a:latin typeface="Cambria Math" panose="02040503050406030204" pitchFamily="18" charset="0"/>
+                                </a:rPr>
                                 <m:t>′</m:t>
                               </m:r>
                             </m:sup>
                           </m:sSup>
                           <m:r>
-                            <a:rPr lang="en-US" sz="3100" i="1"/>
+                            <a:rPr lang="en-US" sz="3100" i="1">
+                              <a:latin typeface="Cambria Math" panose="02040503050406030204" pitchFamily="18" charset="0"/>
+                            </a:rPr>
                             <m:t>.</m:t>
                           </m:r>
                           <m:sSup>
                             <m:sSupPr>
                               <m:ctrlPr>
-                                <a:rPr lang="en-US" sz="3100" i="1"/>
+                                <a:rPr lang="en-US" sz="3100" i="1">
+                                  <a:latin typeface="Cambria Math" panose="02040503050406030204" pitchFamily="18" charset="0"/>
+                                </a:rPr>
                               </m:ctrlPr>
                             </m:sSupPr>
                             <m:e>
                               <m:r>
-                                <a:rPr lang="en-US" sz="3100" i="1"/>
+                                <a:rPr lang="en-US" sz="3100" i="1">
+                                  <a:latin typeface="Cambria Math" panose="02040503050406030204" pitchFamily="18" charset="0"/>
+                                </a:rPr>
                                 <m:t>𝑥</m:t>
                               </m:r>
                             </m:e>
                             <m:sup>
                               <m:r>
-                                <a:rPr lang="en-US" sz="3100" i="1"/>
+                                <a:rPr lang="en-US" sz="3100" i="1">
+                                  <a:latin typeface="Cambria Math" panose="02040503050406030204" pitchFamily="18" charset="0"/>
+                                </a:rPr>
                                 <m:t>′</m:t>
                               </m:r>
                             </m:sup>
@@ -6613,18 +8126,24 @@
                           <m:sSup>
                             <m:sSupPr>
                               <m:ctrlPr>
-                                <a:rPr lang="en-US" sz="3100" i="1"/>
+                                <a:rPr lang="en-US" sz="3100" i="1">
+                                  <a:latin typeface="Cambria Math" panose="02040503050406030204" pitchFamily="18" charset="0"/>
+                                </a:rPr>
                               </m:ctrlPr>
                             </m:sSupPr>
                             <m:e>
                               <m:r>
-                                <a:rPr lang="en-US" sz="3100" i="1"/>
+                                <a:rPr lang="en-US" sz="3100" i="1">
+                                  <a:latin typeface="Cambria Math" panose="02040503050406030204" pitchFamily="18" charset="0"/>
+                                </a:rPr>
                                 <m:t>𝑥</m:t>
                               </m:r>
                             </m:e>
                             <m:sup>
                               <m:r>
-                                <a:rPr lang="en-US" sz="3100" i="1"/>
+                                <a:rPr lang="en-US" sz="3100" i="1">
+                                  <a:latin typeface="Cambria Math" panose="02040503050406030204" pitchFamily="18" charset="0"/>
+                                </a:rPr>
                                 <m:t>′</m:t>
                               </m:r>
                             </m:sup>
@@ -6634,30 +8153,42 @@
                       <m:d>
                         <m:dPr>
                           <m:ctrlPr>
-                            <a:rPr lang="en-US" sz="3100" i="1"/>
+                            <a:rPr lang="en-US" sz="3100" i="1">
+                              <a:latin typeface="Cambria Math" panose="02040503050406030204" pitchFamily="18" charset="0"/>
+                            </a:rPr>
                           </m:ctrlPr>
                         </m:dPr>
                         <m:e>
                           <m:r>
-                            <a:rPr lang="en-US" sz="3100" i="1"/>
+                            <a:rPr lang="en-US" sz="3100" i="1">
+                              <a:latin typeface="Cambria Math" panose="02040503050406030204" pitchFamily="18" charset="0"/>
+                            </a:rPr>
                             <m:t>𝜆</m:t>
                           </m:r>
                           <m:r>
-                            <a:rPr lang="en-US" sz="3100" i="1"/>
+                            <a:rPr lang="en-US" sz="3100" i="1">
+                              <a:latin typeface="Cambria Math" panose="02040503050406030204" pitchFamily="18" charset="0"/>
+                            </a:rPr>
                             <m:t>𝑥</m:t>
                           </m:r>
                           <m:r>
-                            <a:rPr lang="en-US" sz="3100" i="1"/>
+                            <a:rPr lang="en-US" sz="3100" i="1">
+                              <a:latin typeface="Cambria Math" panose="02040503050406030204" pitchFamily="18" charset="0"/>
+                            </a:rPr>
                             <m:t>.</m:t>
                           </m:r>
                           <m:r>
-                            <a:rPr lang="en-US" sz="3100" i="1"/>
+                            <a:rPr lang="en-US" sz="3100" i="1">
+                              <a:latin typeface="Cambria Math" panose="02040503050406030204" pitchFamily="18" charset="0"/>
+                            </a:rPr>
                             <m:t>𝑥</m:t>
                           </m:r>
                         </m:e>
                       </m:d>
                       <m:r>
-                        <a:rPr lang="en-US" sz="3100" i="1"/>
+                        <a:rPr lang="en-US" sz="3100" i="1">
+                          <a:latin typeface="Cambria Math" panose="02040503050406030204" pitchFamily="18" charset="0"/>
+                        </a:rPr>
                         <m:t>𝑥</m:t>
                       </m:r>
                     </m:oMath>
@@ -6665,83 +8196,115 @@
                       <m:d>
                         <m:dPr>
                           <m:ctrlPr>
-                            <a:rPr lang="en-US" sz="3100" i="1"/>
+                            <a:rPr lang="en-US" sz="3100" i="1">
+                              <a:latin typeface="Cambria Math" panose="02040503050406030204" pitchFamily="18" charset="0"/>
+                            </a:rPr>
                           </m:ctrlPr>
                         </m:dPr>
                         <m:e>
                           <m:r>
-                            <a:rPr lang="en-US" sz="3100" i="1"/>
+                            <a:rPr lang="en-US" sz="3100" i="1">
+                              <a:latin typeface="Cambria Math" panose="02040503050406030204" pitchFamily="18" charset="0"/>
+                            </a:rPr>
                             <m:t>𝜆</m:t>
                           </m:r>
                           <m:r>
-                            <a:rPr lang="en-US" sz="3100" i="1"/>
+                            <a:rPr lang="en-US" sz="3100" i="1">
+                              <a:latin typeface="Cambria Math" panose="02040503050406030204" pitchFamily="18" charset="0"/>
+                            </a:rPr>
                             <m:t>𝑦</m:t>
                           </m:r>
                           <m:r>
-                            <a:rPr lang="en-US" sz="3100" i="1"/>
+                            <a:rPr lang="en-US" sz="3100" i="1">
+                              <a:latin typeface="Cambria Math" panose="02040503050406030204" pitchFamily="18" charset="0"/>
+                            </a:rPr>
                             <m:t>.</m:t>
                           </m:r>
                           <m:r>
-                            <a:rPr lang="en-US" sz="3100" i="1"/>
+                            <a:rPr lang="en-US" sz="3100" i="1">
+                              <a:latin typeface="Cambria Math" panose="02040503050406030204" pitchFamily="18" charset="0"/>
+                            </a:rPr>
                             <m:t>𝜆</m:t>
                           </m:r>
                           <m:r>
-                            <a:rPr lang="en-US" sz="3100" i="1"/>
+                            <a:rPr lang="en-US" sz="3100" i="1">
+                              <a:latin typeface="Cambria Math" panose="02040503050406030204" pitchFamily="18" charset="0"/>
+                            </a:rPr>
                             <m:t>𝑧</m:t>
                           </m:r>
                           <m:r>
-                            <a:rPr lang="en-US" sz="3100" i="1"/>
+                            <a:rPr lang="en-US" sz="3100" i="1">
+                              <a:latin typeface="Cambria Math" panose="02040503050406030204" pitchFamily="18" charset="0"/>
+                            </a:rPr>
                             <m:t>.</m:t>
                           </m:r>
                           <m:d>
                             <m:dPr>
                               <m:ctrlPr>
-                                <a:rPr lang="en-US" sz="3100" i="1"/>
+                                <a:rPr lang="en-US" sz="3100" i="1">
+                                  <a:latin typeface="Cambria Math" panose="02040503050406030204" pitchFamily="18" charset="0"/>
+                                </a:rPr>
                               </m:ctrlPr>
                             </m:dPr>
                             <m:e>
                               <m:r>
-                                <a:rPr lang="en-US" sz="3100" i="1"/>
+                                <a:rPr lang="en-US" sz="3100" i="1">
+                                  <a:latin typeface="Cambria Math" panose="02040503050406030204" pitchFamily="18" charset="0"/>
+                                </a:rPr>
                                 <m:t>𝜆</m:t>
                               </m:r>
                               <m:sSup>
                                 <m:sSupPr>
                                   <m:ctrlPr>
-                                    <a:rPr lang="en-US" sz="3100" i="1"/>
+                                    <a:rPr lang="en-US" sz="3100" i="1">
+                                      <a:latin typeface="Cambria Math" panose="02040503050406030204" pitchFamily="18" charset="0"/>
+                                    </a:rPr>
                                   </m:ctrlPr>
                                 </m:sSupPr>
                                 <m:e>
                                   <m:r>
-                                    <a:rPr lang="en-US" sz="3100" i="1"/>
+                                    <a:rPr lang="en-US" sz="3100" i="1">
+                                      <a:latin typeface="Cambria Math" panose="02040503050406030204" pitchFamily="18" charset="0"/>
+                                    </a:rPr>
                                     <m:t>𝑥</m:t>
                                   </m:r>
                                 </m:e>
                                 <m:sup>
                                   <m:r>
-                                    <a:rPr lang="en-US" sz="3100" i="1"/>
+                                    <a:rPr lang="en-US" sz="3100" i="1">
+                                      <a:latin typeface="Cambria Math" panose="02040503050406030204" pitchFamily="18" charset="0"/>
+                                    </a:rPr>
                                     <m:t>′</m:t>
                                   </m:r>
                                 </m:sup>
                               </m:sSup>
                               <m:r>
-                                <a:rPr lang="en-US" sz="3100" i="1"/>
+                                <a:rPr lang="en-US" sz="3100" i="1">
+                                  <a:latin typeface="Cambria Math" panose="02040503050406030204" pitchFamily="18" charset="0"/>
+                                </a:rPr>
                                 <m:t>.</m:t>
                               </m:r>
                               <m:sSup>
                                 <m:sSupPr>
                                   <m:ctrlPr>
-                                    <a:rPr lang="en-US" sz="3100" i="1"/>
+                                    <a:rPr lang="en-US" sz="3100" i="1">
+                                      <a:latin typeface="Cambria Math" panose="02040503050406030204" pitchFamily="18" charset="0"/>
+                                    </a:rPr>
                                   </m:ctrlPr>
                                 </m:sSupPr>
                                 <m:e>
                                   <m:r>
-                                    <a:rPr lang="en-US" sz="3100" i="1"/>
+                                    <a:rPr lang="en-US" sz="3100" i="1">
+                                      <a:latin typeface="Cambria Math" panose="02040503050406030204" pitchFamily="18" charset="0"/>
+                                    </a:rPr>
                                     <m:t>𝑥</m:t>
                                   </m:r>
                                 </m:e>
                                 <m:sup>
                                   <m:r>
-                                    <a:rPr lang="en-US" sz="3100" i="1"/>
+                                    <a:rPr lang="en-US" sz="3100" i="1">
+                                      <a:latin typeface="Cambria Math" panose="02040503050406030204" pitchFamily="18" charset="0"/>
+                                    </a:rPr>
                                     <m:t>′</m:t>
                                   </m:r>
                                 </m:sup>
@@ -6749,18 +8312,24 @@
                               <m:sSup>
                                 <m:sSupPr>
                                   <m:ctrlPr>
-                                    <a:rPr lang="en-US" sz="3100" i="1"/>
+                                    <a:rPr lang="en-US" sz="3100" i="1">
+                                      <a:latin typeface="Cambria Math" panose="02040503050406030204" pitchFamily="18" charset="0"/>
+                                    </a:rPr>
                                   </m:ctrlPr>
                                 </m:sSupPr>
                                 <m:e>
                                   <m:r>
-                                    <a:rPr lang="en-US" sz="3100" i="1"/>
+                                    <a:rPr lang="en-US" sz="3100" i="1">
+                                      <a:latin typeface="Cambria Math" panose="02040503050406030204" pitchFamily="18" charset="0"/>
+                                    </a:rPr>
                                     <m:t>𝑥</m:t>
                                   </m:r>
                                 </m:e>
                                 <m:sup>
                                   <m:r>
-                                    <a:rPr lang="en-US" sz="3100" i="1"/>
+                                    <a:rPr lang="en-US" sz="3100" i="1">
+                                      <a:latin typeface="Cambria Math" panose="02040503050406030204" pitchFamily="18" charset="0"/>
+                                    </a:rPr>
                                     <m:t>′</m:t>
                                   </m:r>
                                 </m:sup>
@@ -6768,7 +8337,9 @@
                             </m:e>
                           </m:d>
                           <m:r>
-                            <a:rPr lang="en-US" sz="3100" i="1"/>
+                            <a:rPr lang="en-US" sz="3100" i="1">
+                              <a:latin typeface="Cambria Math" panose="02040503050406030204" pitchFamily="18" charset="0"/>
+                            </a:rPr>
                             <m:t>𝑦𝑧</m:t>
                           </m:r>
                         </m:e>
@@ -6776,30 +8347,42 @@
                       <m:d>
                         <m:dPr>
                           <m:ctrlPr>
-                            <a:rPr lang="en-US" sz="3100" i="1"/>
+                            <a:rPr lang="en-US" sz="3100" i="1">
+                              <a:latin typeface="Cambria Math" panose="02040503050406030204" pitchFamily="18" charset="0"/>
+                            </a:rPr>
                           </m:ctrlPr>
                         </m:dPr>
                         <m:e>
                           <m:r>
-                            <a:rPr lang="en-US" sz="3100" i="1"/>
+                            <a:rPr lang="en-US" sz="3100" i="1">
+                              <a:latin typeface="Cambria Math" panose="02040503050406030204" pitchFamily="18" charset="0"/>
+                            </a:rPr>
                             <m:t>𝜆</m:t>
                           </m:r>
                           <m:r>
-                            <a:rPr lang="en-US" sz="3100" i="1"/>
+                            <a:rPr lang="en-US" sz="3100" i="1">
+                              <a:latin typeface="Cambria Math" panose="02040503050406030204" pitchFamily="18" charset="0"/>
+                            </a:rPr>
                             <m:t>𝑥</m:t>
                           </m:r>
                           <m:r>
-                            <a:rPr lang="en-US" sz="3100" i="1"/>
+                            <a:rPr lang="en-US" sz="3100" i="1">
+                              <a:latin typeface="Cambria Math" panose="02040503050406030204" pitchFamily="18" charset="0"/>
+                            </a:rPr>
                             <m:t>.</m:t>
                           </m:r>
                           <m:r>
-                            <a:rPr lang="en-US" sz="3100" i="1"/>
+                            <a:rPr lang="en-US" sz="3100" i="1">
+                              <a:latin typeface="Cambria Math" panose="02040503050406030204" pitchFamily="18" charset="0"/>
+                            </a:rPr>
                             <m:t>𝑥</m:t>
                           </m:r>
                         </m:e>
                       </m:d>
                       <m:r>
-                        <a:rPr lang="en-US" sz="3100" i="1"/>
+                        <a:rPr lang="en-US" sz="3100" i="1">
+                          <a:latin typeface="Cambria Math" panose="02040503050406030204" pitchFamily="18" charset="0"/>
+                        </a:rPr>
                         <m:t>𝑥</m:t>
                       </m:r>
                     </m:oMath>
@@ -6807,71 +8390,97 @@
                       <m:d>
                         <m:dPr>
                           <m:ctrlPr>
-                            <a:rPr lang="en-US" sz="3100" i="1"/>
+                            <a:rPr lang="en-US" sz="3100" i="1">
+                              <a:latin typeface="Cambria Math" panose="02040503050406030204" pitchFamily="18" charset="0"/>
+                            </a:rPr>
                           </m:ctrlPr>
                         </m:dPr>
                         <m:e>
                           <m:r>
-                            <a:rPr lang="en-US" sz="3100" i="1"/>
+                            <a:rPr lang="en-US" sz="3100" i="1">
+                              <a:latin typeface="Cambria Math" panose="02040503050406030204" pitchFamily="18" charset="0"/>
+                            </a:rPr>
                             <m:t>𝜆</m:t>
                           </m:r>
                           <m:r>
-                            <a:rPr lang="en-US" sz="3100" i="1"/>
+                            <a:rPr lang="en-US" sz="3100" i="1">
+                              <a:latin typeface="Cambria Math" panose="02040503050406030204" pitchFamily="18" charset="0"/>
+                            </a:rPr>
                             <m:t>𝑧</m:t>
                           </m:r>
                           <m:r>
-                            <a:rPr lang="en-US" sz="3100" i="1"/>
+                            <a:rPr lang="en-US" sz="3100" i="1">
+                              <a:latin typeface="Cambria Math" panose="02040503050406030204" pitchFamily="18" charset="0"/>
+                            </a:rPr>
                             <m:t>.</m:t>
                           </m:r>
                           <m:d>
                             <m:dPr>
                               <m:ctrlPr>
-                                <a:rPr lang="en-US" sz="3100" i="1"/>
+                                <a:rPr lang="en-US" sz="3100" i="1">
+                                  <a:latin typeface="Cambria Math" panose="02040503050406030204" pitchFamily="18" charset="0"/>
+                                </a:rPr>
                               </m:ctrlPr>
                             </m:dPr>
                             <m:e>
                               <m:r>
-                                <a:rPr lang="en-US" sz="3100" i="1"/>
+                                <a:rPr lang="en-US" sz="3100" i="1">
+                                  <a:latin typeface="Cambria Math" panose="02040503050406030204" pitchFamily="18" charset="0"/>
+                                </a:rPr>
                                 <m:t>𝜆</m:t>
                               </m:r>
                               <m:sSup>
                                 <m:sSupPr>
                                   <m:ctrlPr>
-                                    <a:rPr lang="en-US" sz="3100" i="1"/>
+                                    <a:rPr lang="en-US" sz="3100" i="1">
+                                      <a:latin typeface="Cambria Math" panose="02040503050406030204" pitchFamily="18" charset="0"/>
+                                    </a:rPr>
                                   </m:ctrlPr>
                                 </m:sSupPr>
                                 <m:e>
                                   <m:r>
-                                    <a:rPr lang="en-US" sz="3100" i="1"/>
+                                    <a:rPr lang="en-US" sz="3100" i="1">
+                                      <a:latin typeface="Cambria Math" panose="02040503050406030204" pitchFamily="18" charset="0"/>
+                                    </a:rPr>
                                     <m:t>𝑥</m:t>
                                   </m:r>
                                 </m:e>
                                 <m:sup>
                                   <m:r>
-                                    <a:rPr lang="en-US" sz="3100" i="1"/>
+                                    <a:rPr lang="en-US" sz="3100" i="1">
+                                      <a:latin typeface="Cambria Math" panose="02040503050406030204" pitchFamily="18" charset="0"/>
+                                    </a:rPr>
                                     <m:t>′</m:t>
                                   </m:r>
                                 </m:sup>
                               </m:sSup>
                               <m:r>
-                                <a:rPr lang="en-US" sz="3100" i="1"/>
+                                <a:rPr lang="en-US" sz="3100" i="1">
+                                  <a:latin typeface="Cambria Math" panose="02040503050406030204" pitchFamily="18" charset="0"/>
+                                </a:rPr>
                                 <m:t>.</m:t>
                               </m:r>
                               <m:sSup>
                                 <m:sSupPr>
                                   <m:ctrlPr>
-                                    <a:rPr lang="en-US" sz="3100" i="1"/>
+                                    <a:rPr lang="en-US" sz="3100" i="1">
+                                      <a:latin typeface="Cambria Math" panose="02040503050406030204" pitchFamily="18" charset="0"/>
+                                    </a:rPr>
                                   </m:ctrlPr>
                                 </m:sSupPr>
                                 <m:e>
                                   <m:r>
-                                    <a:rPr lang="en-US" sz="3100" i="1"/>
+                                    <a:rPr lang="en-US" sz="3100" i="1">
+                                      <a:latin typeface="Cambria Math" panose="02040503050406030204" pitchFamily="18" charset="0"/>
+                                    </a:rPr>
                                     <m:t>𝑥</m:t>
                                   </m:r>
                                 </m:e>
                                 <m:sup>
                                   <m:r>
-                                    <a:rPr lang="en-US" sz="3100" i="1"/>
+                                    <a:rPr lang="en-US" sz="3100" i="1">
+                                      <a:latin typeface="Cambria Math" panose="02040503050406030204" pitchFamily="18" charset="0"/>
+                                    </a:rPr>
                                     <m:t>′</m:t>
                                   </m:r>
                                 </m:sup>
@@ -6879,18 +8488,24 @@
                               <m:sSup>
                                 <m:sSupPr>
                                   <m:ctrlPr>
-                                    <a:rPr lang="en-US" sz="3100" i="1"/>
+                                    <a:rPr lang="en-US" sz="3100" i="1">
+                                      <a:latin typeface="Cambria Math" panose="02040503050406030204" pitchFamily="18" charset="0"/>
+                                    </a:rPr>
                                   </m:ctrlPr>
                                 </m:sSupPr>
                                 <m:e>
                                   <m:r>
-                                    <a:rPr lang="en-US" sz="3100" i="1"/>
+                                    <a:rPr lang="en-US" sz="3100" i="1">
+                                      <a:latin typeface="Cambria Math" panose="02040503050406030204" pitchFamily="18" charset="0"/>
+                                    </a:rPr>
                                     <m:t>𝑥</m:t>
                                   </m:r>
                                 </m:e>
                                 <m:sup>
                                   <m:r>
-                                    <a:rPr lang="en-US" sz="3100" i="1"/>
+                                    <a:rPr lang="en-US" sz="3100" i="1">
+                                      <a:latin typeface="Cambria Math" panose="02040503050406030204" pitchFamily="18" charset="0"/>
+                                    </a:rPr>
                                     <m:t>′</m:t>
                                   </m:r>
                                 </m:sup>
@@ -6900,36 +8515,50 @@
                           <m:d>
                             <m:dPr>
                               <m:ctrlPr>
-                                <a:rPr lang="en-US" sz="3100" i="1"/>
+                                <a:rPr lang="en-US" sz="3100" i="1">
+                                  <a:latin typeface="Cambria Math" panose="02040503050406030204" pitchFamily="18" charset="0"/>
+                                </a:rPr>
                               </m:ctrlPr>
                             </m:dPr>
                             <m:e>
                               <m:r>
-                                <a:rPr lang="en-US" sz="3100" i="1"/>
+                                <a:rPr lang="en-US" sz="3100" i="1">
+                                  <a:latin typeface="Cambria Math" panose="02040503050406030204" pitchFamily="18" charset="0"/>
+                                </a:rPr>
                                 <m:t>𝜆</m:t>
                               </m:r>
                               <m:r>
-                                <a:rPr lang="en-US" sz="3100" i="1"/>
+                                <a:rPr lang="en-US" sz="3100" i="1">
+                                  <a:latin typeface="Cambria Math" panose="02040503050406030204" pitchFamily="18" charset="0"/>
+                                </a:rPr>
                                 <m:t>𝑥</m:t>
                               </m:r>
                               <m:r>
-                                <a:rPr lang="en-US" sz="3100" i="1"/>
+                                <a:rPr lang="en-US" sz="3100" i="1">
+                                  <a:latin typeface="Cambria Math" panose="02040503050406030204" pitchFamily="18" charset="0"/>
+                                </a:rPr>
                                 <m:t>.</m:t>
                               </m:r>
                               <m:r>
-                                <a:rPr lang="en-US" sz="3100" i="1"/>
+                                <a:rPr lang="en-US" sz="3100" i="1">
+                                  <a:latin typeface="Cambria Math" panose="02040503050406030204" pitchFamily="18" charset="0"/>
+                                </a:rPr>
                                 <m:t>𝑥</m:t>
                               </m:r>
                             </m:e>
                           </m:d>
                           <m:r>
-                            <a:rPr lang="en-US" sz="3100" i="1"/>
+                            <a:rPr lang="en-US" sz="3100" i="1">
+                              <a:latin typeface="Cambria Math" panose="02040503050406030204" pitchFamily="18" charset="0"/>
+                            </a:rPr>
                             <m:t>𝑧</m:t>
                           </m:r>
                         </m:e>
                       </m:d>
                       <m:r>
-                        <a:rPr lang="en-US" sz="3100" i="1"/>
+                        <a:rPr lang="en-US" sz="3100" i="1">
+                          <a:latin typeface="Cambria Math" panose="02040503050406030204" pitchFamily="18" charset="0"/>
+                        </a:rPr>
                         <m:t>𝑥</m:t>
                       </m:r>
                     </m:oMath>
@@ -6937,71 +8566,97 @@
                       <m:d>
                         <m:dPr>
                           <m:ctrlPr>
-                            <a:rPr lang="en-US" sz="3100" i="1"/>
+                            <a:rPr lang="en-US" sz="3100" i="1">
+                              <a:latin typeface="Cambria Math" panose="02040503050406030204" pitchFamily="18" charset="0"/>
+                            </a:rPr>
                           </m:ctrlPr>
                         </m:dPr>
                         <m:e>
                           <m:r>
-                            <a:rPr lang="en-US" sz="3100" i="1"/>
+                            <a:rPr lang="en-US" sz="3100" i="1">
+                              <a:latin typeface="Cambria Math" panose="02040503050406030204" pitchFamily="18" charset="0"/>
+                            </a:rPr>
                             <m:t>𝜆</m:t>
                           </m:r>
                           <m:r>
-                            <a:rPr lang="en-US" sz="3100" i="1"/>
+                            <a:rPr lang="en-US" sz="3100" i="1">
+                              <a:latin typeface="Cambria Math" panose="02040503050406030204" pitchFamily="18" charset="0"/>
+                            </a:rPr>
                             <m:t>𝑧</m:t>
                           </m:r>
                           <m:r>
-                            <a:rPr lang="en-US" sz="3100" i="1"/>
+                            <a:rPr lang="en-US" sz="3100" i="1">
+                              <a:latin typeface="Cambria Math" panose="02040503050406030204" pitchFamily="18" charset="0"/>
+                            </a:rPr>
                             <m:t>.</m:t>
                           </m:r>
                           <m:d>
                             <m:dPr>
                               <m:ctrlPr>
-                                <a:rPr lang="en-US" sz="3100" i="1"/>
+                                <a:rPr lang="en-US" sz="3100" i="1">
+                                  <a:latin typeface="Cambria Math" panose="02040503050406030204" pitchFamily="18" charset="0"/>
+                                </a:rPr>
                               </m:ctrlPr>
                             </m:dPr>
                             <m:e>
                               <m:r>
-                                <a:rPr lang="en-US" sz="3100" i="1"/>
+                                <a:rPr lang="en-US" sz="3100" i="1">
+                                  <a:latin typeface="Cambria Math" panose="02040503050406030204" pitchFamily="18" charset="0"/>
+                                </a:rPr>
                                 <m:t>𝜆</m:t>
                               </m:r>
                               <m:sSup>
                                 <m:sSupPr>
                                   <m:ctrlPr>
-                                    <a:rPr lang="en-US" sz="3100" i="1"/>
+                                    <a:rPr lang="en-US" sz="3100" i="1">
+                                      <a:latin typeface="Cambria Math" panose="02040503050406030204" pitchFamily="18" charset="0"/>
+                                    </a:rPr>
                                   </m:ctrlPr>
                                 </m:sSupPr>
                                 <m:e>
                                   <m:r>
-                                    <a:rPr lang="en-US" sz="3100" i="1"/>
+                                    <a:rPr lang="en-US" sz="3100" i="1">
+                                      <a:latin typeface="Cambria Math" panose="02040503050406030204" pitchFamily="18" charset="0"/>
+                                    </a:rPr>
                                     <m:t>𝑥</m:t>
                                   </m:r>
                                 </m:e>
                                 <m:sup>
                                   <m:r>
-                                    <a:rPr lang="en-US" sz="3100" i="1"/>
+                                    <a:rPr lang="en-US" sz="3100" i="1">
+                                      <a:latin typeface="Cambria Math" panose="02040503050406030204" pitchFamily="18" charset="0"/>
+                                    </a:rPr>
                                     <m:t>′</m:t>
                                   </m:r>
                                 </m:sup>
                               </m:sSup>
                               <m:r>
-                                <a:rPr lang="en-US" sz="3100" i="1"/>
+                                <a:rPr lang="en-US" sz="3100" i="1">
+                                  <a:latin typeface="Cambria Math" panose="02040503050406030204" pitchFamily="18" charset="0"/>
+                                </a:rPr>
                                 <m:t>.</m:t>
                               </m:r>
                               <m:sSup>
                                 <m:sSupPr>
                                   <m:ctrlPr>
-                                    <a:rPr lang="en-US" sz="3100" i="1"/>
+                                    <a:rPr lang="en-US" sz="3100" i="1">
+                                      <a:latin typeface="Cambria Math" panose="02040503050406030204" pitchFamily="18" charset="0"/>
+                                    </a:rPr>
                                   </m:ctrlPr>
                                 </m:sSupPr>
                                 <m:e>
                                   <m:r>
-                                    <a:rPr lang="en-US" sz="3100" i="1"/>
+                                    <a:rPr lang="en-US" sz="3100" i="1">
+                                      <a:latin typeface="Cambria Math" panose="02040503050406030204" pitchFamily="18" charset="0"/>
+                                    </a:rPr>
                                     <m:t>𝑥</m:t>
                                   </m:r>
                                 </m:e>
                                 <m:sup>
                                   <m:r>
-                                    <a:rPr lang="en-US" sz="3100" i="1"/>
+                                    <a:rPr lang="en-US" sz="3100" i="1">
+                                      <a:latin typeface="Cambria Math" panose="02040503050406030204" pitchFamily="18" charset="0"/>
+                                    </a:rPr>
                                     <m:t>′</m:t>
                                   </m:r>
                                 </m:sup>
@@ -7009,18 +8664,24 @@
                               <m:sSup>
                                 <m:sSupPr>
                                   <m:ctrlPr>
-                                    <a:rPr lang="en-US" sz="3100" i="1"/>
+                                    <a:rPr lang="en-US" sz="3100" i="1">
+                                      <a:latin typeface="Cambria Math" panose="02040503050406030204" pitchFamily="18" charset="0"/>
+                                    </a:rPr>
                                   </m:ctrlPr>
                                 </m:sSupPr>
                                 <m:e>
                                   <m:r>
-                                    <a:rPr lang="en-US" sz="3100" i="1"/>
+                                    <a:rPr lang="en-US" sz="3100" i="1">
+                                      <a:latin typeface="Cambria Math" panose="02040503050406030204" pitchFamily="18" charset="0"/>
+                                    </a:rPr>
                                     <m:t>𝑥</m:t>
                                   </m:r>
                                 </m:e>
                                 <m:sup>
                                   <m:r>
-                                    <a:rPr lang="en-US" sz="3100" i="1"/>
+                                    <a:rPr lang="en-US" sz="3100" i="1">
+                                      <a:latin typeface="Cambria Math" panose="02040503050406030204" pitchFamily="18" charset="0"/>
+                                    </a:rPr>
                                     <m:t>′</m:t>
                                   </m:r>
                                 </m:sup>
@@ -7030,30 +8691,42 @@
                           <m:d>
                             <m:dPr>
                               <m:ctrlPr>
-                                <a:rPr lang="en-US" sz="3100" i="1"/>
+                                <a:rPr lang="en-US" sz="3100" i="1">
+                                  <a:latin typeface="Cambria Math" panose="02040503050406030204" pitchFamily="18" charset="0"/>
+                                </a:rPr>
                               </m:ctrlPr>
                             </m:dPr>
                             <m:e>
                               <m:r>
-                                <a:rPr lang="en-US" sz="3100" i="1"/>
+                                <a:rPr lang="en-US" sz="3100" i="1">
+                                  <a:latin typeface="Cambria Math" panose="02040503050406030204" pitchFamily="18" charset="0"/>
+                                </a:rPr>
                                 <m:t>𝜆</m:t>
                               </m:r>
                               <m:r>
-                                <a:rPr lang="en-US" sz="3100" i="1"/>
+                                <a:rPr lang="en-US" sz="3100" i="1">
+                                  <a:latin typeface="Cambria Math" panose="02040503050406030204" pitchFamily="18" charset="0"/>
+                                </a:rPr>
                                 <m:t>𝑥</m:t>
                               </m:r>
                               <m:r>
-                                <a:rPr lang="en-US" sz="3100" i="1"/>
+                                <a:rPr lang="en-US" sz="3100" i="1">
+                                  <a:latin typeface="Cambria Math" panose="02040503050406030204" pitchFamily="18" charset="0"/>
+                                </a:rPr>
                                 <m:t>.</m:t>
                               </m:r>
                               <m:r>
-                                <a:rPr lang="en-US" sz="3100" i="1"/>
+                                <a:rPr lang="en-US" sz="3100" i="1">
+                                  <a:latin typeface="Cambria Math" panose="02040503050406030204" pitchFamily="18" charset="0"/>
+                                </a:rPr>
                                 <m:t>𝑥</m:t>
                               </m:r>
                             </m:e>
                           </m:d>
                           <m:r>
-                            <a:rPr lang="en-US" sz="3100" i="1"/>
+                            <a:rPr lang="en-US" sz="3100" i="1">
+                              <a:latin typeface="Cambria Math" panose="02040503050406030204" pitchFamily="18" charset="0"/>
+                            </a:rPr>
                             <m:t>𝑧</m:t>
                           </m:r>
                         </m:e>
@@ -7061,18 +8734,24 @@
                       <m:sSup>
                         <m:sSupPr>
                           <m:ctrlPr>
-                            <a:rPr lang="en-US" sz="3100" i="1"/>
+                            <a:rPr lang="en-US" sz="3100" i="1">
+                              <a:latin typeface="Cambria Math" panose="02040503050406030204" pitchFamily="18" charset="0"/>
+                            </a:rPr>
                           </m:ctrlPr>
                         </m:sSupPr>
                         <m:e>
                           <m:r>
-                            <a:rPr lang="en-US" sz="3100" i="1"/>
+                            <a:rPr lang="en-US" sz="3100" i="1">
+                              <a:latin typeface="Cambria Math" panose="02040503050406030204" pitchFamily="18" charset="0"/>
+                            </a:rPr>
                             <m:t>𝑥</m:t>
                           </m:r>
                         </m:e>
                         <m:sup>
                           <m:r>
-                            <a:rPr lang="en-US" sz="3100" i="1"/>
+                            <a:rPr lang="en-US" sz="3100" i="1">
+                              <a:latin typeface="Cambria Math" panose="02040503050406030204" pitchFamily="18" charset="0"/>
+                            </a:rPr>
                             <m:t>′′</m:t>
                           </m:r>
                         </m:sup>
@@ -7082,52 +8761,70 @@
                       <m:d>
                         <m:dPr>
                           <m:ctrlPr>
-                            <a:rPr lang="en-US" sz="3100" i="1"/>
+                            <a:rPr lang="en-US" sz="3100" i="1">
+                              <a:latin typeface="Cambria Math" panose="02040503050406030204" pitchFamily="18" charset="0"/>
+                            </a:rPr>
                           </m:ctrlPr>
                         </m:dPr>
                         <m:e>
                           <m:r>
-                            <a:rPr lang="en-US" sz="3100" i="1"/>
+                            <a:rPr lang="en-US" sz="3100" i="1">
+                              <a:latin typeface="Cambria Math" panose="02040503050406030204" pitchFamily="18" charset="0"/>
+                            </a:rPr>
                             <m:t>𝜆</m:t>
                           </m:r>
                           <m:sSup>
                             <m:sSupPr>
                               <m:ctrlPr>
-                                <a:rPr lang="en-US" sz="3100" i="1"/>
+                                <a:rPr lang="en-US" sz="3100" i="1">
+                                  <a:latin typeface="Cambria Math" panose="02040503050406030204" pitchFamily="18" charset="0"/>
+                                </a:rPr>
                               </m:ctrlPr>
                             </m:sSupPr>
                             <m:e>
                               <m:r>
-                                <a:rPr lang="en-US" sz="3100" i="1"/>
+                                <a:rPr lang="en-US" sz="3100" i="1">
+                                  <a:latin typeface="Cambria Math" panose="02040503050406030204" pitchFamily="18" charset="0"/>
+                                </a:rPr>
                                 <m:t>𝑥</m:t>
                               </m:r>
                             </m:e>
                             <m:sup>
                               <m:r>
-                                <a:rPr lang="en-US" sz="3100" i="1"/>
+                                <a:rPr lang="en-US" sz="3100" i="1">
+                                  <a:latin typeface="Cambria Math" panose="02040503050406030204" pitchFamily="18" charset="0"/>
+                                </a:rPr>
                                 <m:t>′</m:t>
                               </m:r>
                             </m:sup>
                           </m:sSup>
                           <m:r>
-                            <a:rPr lang="en-US" sz="3100" i="1"/>
+                            <a:rPr lang="en-US" sz="3100" i="1">
+                              <a:latin typeface="Cambria Math" panose="02040503050406030204" pitchFamily="18" charset="0"/>
+                            </a:rPr>
                             <m:t>.</m:t>
                           </m:r>
                           <m:sSup>
                             <m:sSupPr>
                               <m:ctrlPr>
-                                <a:rPr lang="en-US" sz="3100" i="1"/>
+                                <a:rPr lang="en-US" sz="3100" i="1">
+                                  <a:latin typeface="Cambria Math" panose="02040503050406030204" pitchFamily="18" charset="0"/>
+                                </a:rPr>
                               </m:ctrlPr>
                             </m:sSupPr>
                             <m:e>
                               <m:r>
-                                <a:rPr lang="en-US" sz="3100" i="1"/>
+                                <a:rPr lang="en-US" sz="3100" i="1">
+                                  <a:latin typeface="Cambria Math" panose="02040503050406030204" pitchFamily="18" charset="0"/>
+                                </a:rPr>
                                 <m:t>𝑥</m:t>
                               </m:r>
                             </m:e>
                             <m:sup>
                               <m:r>
-                                <a:rPr lang="en-US" sz="3100" i="1"/>
+                                <a:rPr lang="en-US" sz="3100" i="1">
+                                  <a:latin typeface="Cambria Math" panose="02040503050406030204" pitchFamily="18" charset="0"/>
+                                </a:rPr>
                                 <m:t>′</m:t>
                               </m:r>
                             </m:sup>
@@ -7135,18 +8832,24 @@
                           <m:sSup>
                             <m:sSupPr>
                               <m:ctrlPr>
-                                <a:rPr lang="en-US" sz="3100" i="1"/>
+                                <a:rPr lang="en-US" sz="3100" i="1">
+                                  <a:latin typeface="Cambria Math" panose="02040503050406030204" pitchFamily="18" charset="0"/>
+                                </a:rPr>
                               </m:ctrlPr>
                             </m:sSupPr>
                             <m:e>
                               <m:r>
-                                <a:rPr lang="en-US" sz="3100" i="1"/>
+                                <a:rPr lang="en-US" sz="3100" i="1">
+                                  <a:latin typeface="Cambria Math" panose="02040503050406030204" pitchFamily="18" charset="0"/>
+                                </a:rPr>
                                 <m:t>𝑥</m:t>
                               </m:r>
                             </m:e>
                             <m:sup>
                               <m:r>
-                                <a:rPr lang="en-US" sz="3100" i="1"/>
+                                <a:rPr lang="en-US" sz="3100" i="1">
+                                  <a:latin typeface="Cambria Math" panose="02040503050406030204" pitchFamily="18" charset="0"/>
+                                </a:rPr>
                                 <m:t>′</m:t>
                               </m:r>
                             </m:sup>
@@ -7156,24 +8859,34 @@
                       <m:d>
                         <m:dPr>
                           <m:ctrlPr>
-                            <a:rPr lang="en-US" sz="3100" i="1"/>
+                            <a:rPr lang="en-US" sz="3100" i="1">
+                              <a:latin typeface="Cambria Math" panose="02040503050406030204" pitchFamily="18" charset="0"/>
+                            </a:rPr>
                           </m:ctrlPr>
                         </m:dPr>
                         <m:e>
                           <m:r>
-                            <a:rPr lang="en-US" sz="3100" i="1"/>
+                            <a:rPr lang="en-US" sz="3100" i="1">
+                              <a:latin typeface="Cambria Math" panose="02040503050406030204" pitchFamily="18" charset="0"/>
+                            </a:rPr>
                             <m:t>𝜆</m:t>
                           </m:r>
                           <m:r>
-                            <a:rPr lang="en-US" sz="3100" i="1"/>
+                            <a:rPr lang="en-US" sz="3100" i="1">
+                              <a:latin typeface="Cambria Math" panose="02040503050406030204" pitchFamily="18" charset="0"/>
+                            </a:rPr>
                             <m:t>𝑥</m:t>
                           </m:r>
                           <m:r>
-                            <a:rPr lang="en-US" sz="3100" i="1"/>
+                            <a:rPr lang="en-US" sz="3100" i="1">
+                              <a:latin typeface="Cambria Math" panose="02040503050406030204" pitchFamily="18" charset="0"/>
+                            </a:rPr>
                             <m:t>.</m:t>
                           </m:r>
                           <m:r>
-                            <a:rPr lang="en-US" sz="3100" i="1"/>
+                            <a:rPr lang="en-US" sz="3100" i="1">
+                              <a:latin typeface="Cambria Math" panose="02040503050406030204" pitchFamily="18" charset="0"/>
+                            </a:rPr>
                             <m:t>𝑥</m:t>
                           </m:r>
                         </m:e>
@@ -7181,18 +8894,24 @@
                       <m:sSup>
                         <m:sSupPr>
                           <m:ctrlPr>
-                            <a:rPr lang="en-US" sz="3100" i="1"/>
+                            <a:rPr lang="en-US" sz="3100" i="1">
+                              <a:latin typeface="Cambria Math" panose="02040503050406030204" pitchFamily="18" charset="0"/>
+                            </a:rPr>
                           </m:ctrlPr>
                         </m:sSupPr>
                         <m:e>
                           <m:r>
-                            <a:rPr lang="en-US" sz="3100" i="1"/>
+                            <a:rPr lang="en-US" sz="3100" i="1">
+                              <a:latin typeface="Cambria Math" panose="02040503050406030204" pitchFamily="18" charset="0"/>
+                            </a:rPr>
                             <m:t>𝑥</m:t>
                           </m:r>
                         </m:e>
                         <m:sup>
                           <m:r>
-                            <a:rPr lang="en-US" sz="3100" i="1"/>
+                            <a:rPr lang="en-US" sz="3100" i="1">
+                              <a:latin typeface="Cambria Math" panose="02040503050406030204" pitchFamily="18" charset="0"/>
+                            </a:rPr>
                             <m:t>′′</m:t>
                           </m:r>
                         </m:sup>
@@ -7202,24 +8921,34 @@
                       <m:d>
                         <m:dPr>
                           <m:ctrlPr>
-                            <a:rPr lang="en-US" sz="3100" i="1"/>
+                            <a:rPr lang="en-US" sz="3100" i="1">
+                              <a:latin typeface="Cambria Math" panose="02040503050406030204" pitchFamily="18" charset="0"/>
+                            </a:rPr>
                           </m:ctrlPr>
                         </m:dPr>
                         <m:e>
                           <m:r>
-                            <a:rPr lang="en-US" sz="3100" i="1"/>
+                            <a:rPr lang="en-US" sz="3100" i="1">
+                              <a:latin typeface="Cambria Math" panose="02040503050406030204" pitchFamily="18" charset="0"/>
+                            </a:rPr>
                             <m:t>𝜆</m:t>
                           </m:r>
                           <m:r>
-                            <a:rPr lang="en-US" sz="3100" i="1"/>
+                            <a:rPr lang="en-US" sz="3100" i="1">
+                              <a:latin typeface="Cambria Math" panose="02040503050406030204" pitchFamily="18" charset="0"/>
+                            </a:rPr>
                             <m:t>𝑥</m:t>
                           </m:r>
                           <m:r>
-                            <a:rPr lang="en-US" sz="3100" i="1"/>
+                            <a:rPr lang="en-US" sz="3100" i="1">
+                              <a:latin typeface="Cambria Math" panose="02040503050406030204" pitchFamily="18" charset="0"/>
+                            </a:rPr>
                             <m:t>.</m:t>
                           </m:r>
                           <m:r>
-                            <a:rPr lang="en-US" sz="3100" i="1"/>
+                            <a:rPr lang="en-US" sz="3100" i="1">
+                              <a:latin typeface="Cambria Math" panose="02040503050406030204" pitchFamily="18" charset="0"/>
+                            </a:rPr>
                             <m:t>𝑥</m:t>
                           </m:r>
                         </m:e>
@@ -7227,24 +8956,34 @@
                       <m:d>
                         <m:dPr>
                           <m:ctrlPr>
-                            <a:rPr lang="en-US" sz="3100" i="1"/>
+                            <a:rPr lang="en-US" sz="3100" i="1">
+                              <a:latin typeface="Cambria Math" panose="02040503050406030204" pitchFamily="18" charset="0"/>
+                            </a:rPr>
                           </m:ctrlPr>
                         </m:dPr>
                         <m:e>
                           <m:r>
-                            <a:rPr lang="en-US" sz="3100" i="1"/>
+                            <a:rPr lang="en-US" sz="3100" i="1">
+                              <a:latin typeface="Cambria Math" panose="02040503050406030204" pitchFamily="18" charset="0"/>
+                            </a:rPr>
                             <m:t>𝜆</m:t>
                           </m:r>
                           <m:r>
-                            <a:rPr lang="en-US" sz="3100" i="1"/>
+                            <a:rPr lang="en-US" sz="3100" i="1">
+                              <a:latin typeface="Cambria Math" panose="02040503050406030204" pitchFamily="18" charset="0"/>
+                            </a:rPr>
                             <m:t>𝑥</m:t>
                           </m:r>
                           <m:r>
-                            <a:rPr lang="en-US" sz="3100" i="1"/>
+                            <a:rPr lang="en-US" sz="3100" i="1">
+                              <a:latin typeface="Cambria Math" panose="02040503050406030204" pitchFamily="18" charset="0"/>
+                            </a:rPr>
                             <m:t>.</m:t>
                           </m:r>
                           <m:r>
-                            <a:rPr lang="en-US" sz="3100" i="1"/>
+                            <a:rPr lang="en-US" sz="3100" i="1">
+                              <a:latin typeface="Cambria Math" panose="02040503050406030204" pitchFamily="18" charset="0"/>
+                            </a:rPr>
                             <m:t>𝑥</m:t>
                           </m:r>
                         </m:e>
@@ -7252,18 +8991,24 @@
                       <m:sSup>
                         <m:sSupPr>
                           <m:ctrlPr>
-                            <a:rPr lang="en-US" sz="3100" i="1"/>
+                            <a:rPr lang="en-US" sz="3100" i="1">
+                              <a:latin typeface="Cambria Math" panose="02040503050406030204" pitchFamily="18" charset="0"/>
+                            </a:rPr>
                           </m:ctrlPr>
                         </m:sSupPr>
                         <m:e>
                           <m:r>
-                            <a:rPr lang="en-US" sz="3100" i="1"/>
+                            <a:rPr lang="en-US" sz="3100" i="1">
+                              <a:latin typeface="Cambria Math" panose="02040503050406030204" pitchFamily="18" charset="0"/>
+                            </a:rPr>
                             <m:t>𝑥</m:t>
                           </m:r>
                         </m:e>
                         <m:sup>
                           <m:r>
-                            <a:rPr lang="en-US" sz="3100" i="1"/>
+                            <a:rPr lang="en-US" sz="3100" i="1">
+                              <a:latin typeface="Cambria Math" panose="02040503050406030204" pitchFamily="18" charset="0"/>
+                            </a:rPr>
                             <m:t>′′</m:t>
                           </m:r>
                         </m:sup>
@@ -7273,24 +9018,34 @@
                       <m:d>
                         <m:dPr>
                           <m:ctrlPr>
-                            <a:rPr lang="en-US" sz="3100" i="1"/>
+                            <a:rPr lang="en-US" sz="3100" i="1">
+                              <a:latin typeface="Cambria Math" panose="02040503050406030204" pitchFamily="18" charset="0"/>
+                            </a:rPr>
                           </m:ctrlPr>
                         </m:dPr>
                         <m:e>
                           <m:r>
-                            <a:rPr lang="en-US" sz="3100" i="1"/>
+                            <a:rPr lang="en-US" sz="3100" i="1">
+                              <a:latin typeface="Cambria Math" panose="02040503050406030204" pitchFamily="18" charset="0"/>
+                            </a:rPr>
                             <m:t>𝜆</m:t>
                           </m:r>
                           <m:r>
-                            <a:rPr lang="en-US" sz="3100" i="1"/>
+                            <a:rPr lang="en-US" sz="3100" i="1">
+                              <a:latin typeface="Cambria Math" panose="02040503050406030204" pitchFamily="18" charset="0"/>
+                            </a:rPr>
                             <m:t>𝑥</m:t>
                           </m:r>
                           <m:r>
-                            <a:rPr lang="en-US" sz="3100" i="1"/>
+                            <a:rPr lang="en-US" sz="3100" i="1">
+                              <a:latin typeface="Cambria Math" panose="02040503050406030204" pitchFamily="18" charset="0"/>
+                            </a:rPr>
                             <m:t>.</m:t>
                           </m:r>
                           <m:r>
-                            <a:rPr lang="en-US" sz="3100" i="1"/>
+                            <a:rPr lang="en-US" sz="3100" i="1">
+                              <a:latin typeface="Cambria Math" panose="02040503050406030204" pitchFamily="18" charset="0"/>
+                            </a:rPr>
                             <m:t>𝑥</m:t>
                           </m:r>
                         </m:e>
@@ -7298,52 +9053,70 @@
                       <m:d>
                         <m:dPr>
                           <m:ctrlPr>
-                            <a:rPr lang="en-US" sz="3100" i="1"/>
+                            <a:rPr lang="en-US" sz="3100" i="1">
+                              <a:latin typeface="Cambria Math" panose="02040503050406030204" pitchFamily="18" charset="0"/>
+                            </a:rPr>
                           </m:ctrlPr>
                         </m:dPr>
                         <m:e>
                           <m:r>
-                            <a:rPr lang="en-US" sz="3100" i="1"/>
+                            <a:rPr lang="en-US" sz="3100" i="1">
+                              <a:latin typeface="Cambria Math" panose="02040503050406030204" pitchFamily="18" charset="0"/>
+                            </a:rPr>
                             <m:t>𝜆</m:t>
                           </m:r>
                           <m:sSup>
                             <m:sSupPr>
                               <m:ctrlPr>
-                                <a:rPr lang="en-US" sz="3100" i="1"/>
+                                <a:rPr lang="en-US" sz="3100" i="1">
+                                  <a:latin typeface="Cambria Math" panose="02040503050406030204" pitchFamily="18" charset="0"/>
+                                </a:rPr>
                               </m:ctrlPr>
                             </m:sSupPr>
                             <m:e>
                               <m:r>
-                                <a:rPr lang="en-US" sz="3100" i="1"/>
+                                <a:rPr lang="en-US" sz="3100" i="1">
+                                  <a:latin typeface="Cambria Math" panose="02040503050406030204" pitchFamily="18" charset="0"/>
+                                </a:rPr>
                                 <m:t>𝑥</m:t>
                               </m:r>
                             </m:e>
                             <m:sup>
                               <m:r>
-                                <a:rPr lang="en-US" sz="3100" i="1"/>
+                                <a:rPr lang="en-US" sz="3100" i="1">
+                                  <a:latin typeface="Cambria Math" panose="02040503050406030204" pitchFamily="18" charset="0"/>
+                                </a:rPr>
                                 <m:t>′</m:t>
                               </m:r>
                             </m:sup>
                           </m:sSup>
                           <m:r>
-                            <a:rPr lang="en-US" sz="3100" i="1"/>
+                            <a:rPr lang="en-US" sz="3100" i="1">
+                              <a:latin typeface="Cambria Math" panose="02040503050406030204" pitchFamily="18" charset="0"/>
+                            </a:rPr>
                             <m:t>.</m:t>
                           </m:r>
                           <m:sSup>
                             <m:sSupPr>
                               <m:ctrlPr>
-                                <a:rPr lang="en-US" sz="3100" i="1"/>
+                                <a:rPr lang="en-US" sz="3100" i="1">
+                                  <a:latin typeface="Cambria Math" panose="02040503050406030204" pitchFamily="18" charset="0"/>
+                                </a:rPr>
                               </m:ctrlPr>
                             </m:sSupPr>
                             <m:e>
                               <m:r>
-                                <a:rPr lang="en-US" sz="3100" i="1"/>
+                                <a:rPr lang="en-US" sz="3100" i="1">
+                                  <a:latin typeface="Cambria Math" panose="02040503050406030204" pitchFamily="18" charset="0"/>
+                                </a:rPr>
                                 <m:t>𝑥</m:t>
                               </m:r>
                             </m:e>
                             <m:sup>
                               <m:r>
-                                <a:rPr lang="en-US" sz="3100" i="1"/>
+                                <a:rPr lang="en-US" sz="3100" i="1">
+                                  <a:latin typeface="Cambria Math" panose="02040503050406030204" pitchFamily="18" charset="0"/>
+                                </a:rPr>
                                 <m:t>′</m:t>
                               </m:r>
                             </m:sup>
@@ -7353,18 +9126,24 @@
                       <m:sSup>
                         <m:sSupPr>
                           <m:ctrlPr>
-                            <a:rPr lang="en-US" sz="3100" i="1"/>
+                            <a:rPr lang="en-US" sz="3100" i="1">
+                              <a:latin typeface="Cambria Math" panose="02040503050406030204" pitchFamily="18" charset="0"/>
+                            </a:rPr>
                           </m:ctrlPr>
                         </m:sSupPr>
                         <m:e>
                           <m:r>
-                            <a:rPr lang="en-US" sz="3100" i="1"/>
+                            <a:rPr lang="en-US" sz="3100" i="1">
+                              <a:latin typeface="Cambria Math" panose="02040503050406030204" pitchFamily="18" charset="0"/>
+                            </a:rPr>
                             <m:t>𝑥</m:t>
                           </m:r>
                         </m:e>
                         <m:sup>
                           <m:r>
-                            <a:rPr lang="en-US" sz="3100" i="1"/>
+                            <a:rPr lang="en-US" sz="3100" i="1">
+                              <a:latin typeface="Cambria Math" panose="02040503050406030204" pitchFamily="18" charset="0"/>
+                            </a:rPr>
                             <m:t>′′</m:t>
                           </m:r>
                         </m:sup>
@@ -7374,52 +9153,70 @@
                       <m:d>
                         <m:dPr>
                           <m:ctrlPr>
-                            <a:rPr lang="en-US" sz="3100" i="1"/>
+                            <a:rPr lang="en-US" sz="3100" i="1">
+                              <a:latin typeface="Cambria Math" panose="02040503050406030204" pitchFamily="18" charset="0"/>
+                            </a:rPr>
                           </m:ctrlPr>
                         </m:dPr>
                         <m:e>
                           <m:r>
-                            <a:rPr lang="en-US" sz="3100" i="1"/>
+                            <a:rPr lang="en-US" sz="3100" i="1">
+                              <a:latin typeface="Cambria Math" panose="02040503050406030204" pitchFamily="18" charset="0"/>
+                            </a:rPr>
                             <m:t>𝜆</m:t>
                           </m:r>
                           <m:sSup>
                             <m:sSupPr>
                               <m:ctrlPr>
-                                <a:rPr lang="en-US" sz="3100" i="1"/>
+                                <a:rPr lang="en-US" sz="3100" i="1">
+                                  <a:latin typeface="Cambria Math" panose="02040503050406030204" pitchFamily="18" charset="0"/>
+                                </a:rPr>
                               </m:ctrlPr>
                             </m:sSupPr>
                             <m:e>
                               <m:r>
-                                <a:rPr lang="en-US" sz="3100" i="1"/>
+                                <a:rPr lang="en-US" sz="3100" i="1">
+                                  <a:latin typeface="Cambria Math" panose="02040503050406030204" pitchFamily="18" charset="0"/>
+                                </a:rPr>
                                 <m:t>𝑥</m:t>
                               </m:r>
                             </m:e>
                             <m:sup>
                               <m:r>
-                                <a:rPr lang="en-US" sz="3100" i="1"/>
+                                <a:rPr lang="en-US" sz="3100" i="1">
+                                  <a:latin typeface="Cambria Math" panose="02040503050406030204" pitchFamily="18" charset="0"/>
+                                </a:rPr>
                                 <m:t>′</m:t>
                               </m:r>
                             </m:sup>
                           </m:sSup>
                           <m:r>
-                            <a:rPr lang="en-US" sz="3100" i="1"/>
+                            <a:rPr lang="en-US" sz="3100" i="1">
+                              <a:latin typeface="Cambria Math" panose="02040503050406030204" pitchFamily="18" charset="0"/>
+                            </a:rPr>
                             <m:t>.</m:t>
                           </m:r>
                           <m:sSup>
                             <m:sSupPr>
                               <m:ctrlPr>
-                                <a:rPr lang="en-US" sz="3100" i="1"/>
+                                <a:rPr lang="en-US" sz="3100" i="1">
+                                  <a:latin typeface="Cambria Math" panose="02040503050406030204" pitchFamily="18" charset="0"/>
+                                </a:rPr>
                               </m:ctrlPr>
                             </m:sSupPr>
                             <m:e>
                               <m:r>
-                                <a:rPr lang="en-US" sz="3100" i="1"/>
+                                <a:rPr lang="en-US" sz="3100" i="1">
+                                  <a:latin typeface="Cambria Math" panose="02040503050406030204" pitchFamily="18" charset="0"/>
+                                </a:rPr>
                                 <m:t>𝑥</m:t>
                               </m:r>
                             </m:e>
                             <m:sup>
                               <m:r>
-                                <a:rPr lang="en-US" sz="3100" i="1"/>
+                                <a:rPr lang="en-US" sz="3100" i="1">
+                                  <a:latin typeface="Cambria Math" panose="02040503050406030204" pitchFamily="18" charset="0"/>
+                                </a:rPr>
                                 <m:t>′</m:t>
                               </m:r>
                             </m:sup>
@@ -7429,18 +9226,24 @@
                       <m:sSup>
                         <m:sSupPr>
                           <m:ctrlPr>
-                            <a:rPr lang="en-US" sz="3100" i="1"/>
+                            <a:rPr lang="en-US" sz="3100" i="1">
+                              <a:latin typeface="Cambria Math" panose="02040503050406030204" pitchFamily="18" charset="0"/>
+                            </a:rPr>
                           </m:ctrlPr>
                         </m:sSupPr>
                         <m:e>
                           <m:r>
-                            <a:rPr lang="en-US" sz="3100" i="1"/>
+                            <a:rPr lang="en-US" sz="3100" i="1">
+                              <a:latin typeface="Cambria Math" panose="02040503050406030204" pitchFamily="18" charset="0"/>
+                            </a:rPr>
                             <m:t>𝑥</m:t>
                           </m:r>
                         </m:e>
                         <m:sup>
                           <m:r>
-                            <a:rPr lang="en-US" sz="3100" i="1"/>
+                            <a:rPr lang="en-US" sz="3100" i="1">
+                              <a:latin typeface="Cambria Math" panose="02040503050406030204" pitchFamily="18" charset="0"/>
+                            </a:rPr>
                             <m:t>′′</m:t>
                           </m:r>
                         </m:sup>
@@ -7450,18 +9253,24 @@
                       <m:sSup>
                         <m:sSupPr>
                           <m:ctrlPr>
-                            <a:rPr lang="en-US" sz="3100" i="1"/>
+                            <a:rPr lang="en-US" sz="3100" i="1">
+                              <a:latin typeface="Cambria Math" panose="02040503050406030204" pitchFamily="18" charset="0"/>
+                            </a:rPr>
                           </m:ctrlPr>
                         </m:sSupPr>
                         <m:e>
                           <m:r>
-                            <a:rPr lang="en-US" sz="3100" i="1"/>
+                            <a:rPr lang="en-US" sz="3100" i="1">
+                              <a:latin typeface="Cambria Math" panose="02040503050406030204" pitchFamily="18" charset="0"/>
+                            </a:rPr>
                             <m:t>𝑥</m:t>
                           </m:r>
                         </m:e>
                         <m:sup>
                           <m:r>
-                            <a:rPr lang="en-US" sz="3100" i="1"/>
+                            <a:rPr lang="en-US" sz="3100" i="1">
+                              <a:latin typeface="Cambria Math" panose="02040503050406030204" pitchFamily="18" charset="0"/>
+                            </a:rPr>
                             <m:t>′′</m:t>
                           </m:r>
                         </m:sup>
@@ -7469,7 +9278,9 @@
                     </m:oMath>
                     <m:oMath xmlns:m="http://schemas.openxmlformats.org/officeDocument/2006/math">
                       <m:r>
-                        <a:rPr lang="en-US" sz="3100" i="1"/>
+                        <a:rPr lang="en-US" sz="3100" i="1">
+                          <a:latin typeface="Cambria Math" panose="02040503050406030204" pitchFamily="18" charset="0"/>
+                        </a:rPr>
                         <m:t>𝑥</m:t>
                       </m:r>
                     </m:oMath>
@@ -7518,8 +9329,8 @@
           </p:sp>
         </mc:Fallback>
       </mc:AlternateContent>
-      <mc:AlternateContent xmlns:mc="http://schemas.openxmlformats.org/markup-compatibility/2006">
-        <mc:Choice xmlns:a14="http://schemas.microsoft.com/office/drawing/2010/main" Requires="a14">
+      <mc:AlternateContent xmlns:mc="http://schemas.openxmlformats.org/markup-compatibility/2006" xmlns:a14="http://schemas.microsoft.com/office/drawing/2010/main">
+        <mc:Choice Requires="a14">
           <p:sp>
             <p:nvSpPr>
               <p:cNvPr id="4" name="TextBox 3"/>
@@ -7553,31 +9364,45 @@
                 <a14:m>
                   <m:oMath xmlns:m="http://schemas.openxmlformats.org/officeDocument/2006/math">
                     <m:r>
-                      <a:rPr lang="en-US" sz="2400" i="1"/>
+                      <a:rPr lang="en-US" sz="2400" i="1">
+                        <a:latin typeface="Cambria Math" panose="02040503050406030204" pitchFamily="18" charset="0"/>
+                      </a:rPr>
                       <m:t>(</m:t>
                     </m:r>
                     <m:r>
-                      <a:rPr lang="en-US" sz="2400" i="1"/>
+                      <a:rPr lang="en-US" sz="2400" i="1">
+                        <a:latin typeface="Cambria Math" panose="02040503050406030204" pitchFamily="18" charset="0"/>
+                      </a:rPr>
                       <m:t>𝜆</m:t>
                     </m:r>
                     <m:r>
-                      <a:rPr lang="en-US" sz="2400" i="1"/>
+                      <a:rPr lang="en-US" sz="2400" i="1">
+                        <a:latin typeface="Cambria Math" panose="02040503050406030204" pitchFamily="18" charset="0"/>
+                      </a:rPr>
                       <m:t>𝑓</m:t>
                     </m:r>
                     <m:r>
-                      <a:rPr lang="en-US" sz="2400" i="1"/>
+                      <a:rPr lang="en-US" sz="2400" i="1">
+                        <a:latin typeface="Cambria Math" panose="02040503050406030204" pitchFamily="18" charset="0"/>
+                      </a:rPr>
                       <m:t>.</m:t>
                     </m:r>
                     <m:r>
-                      <a:rPr lang="en-US" sz="2400" i="1"/>
+                      <a:rPr lang="en-US" sz="2400" i="1">
+                        <a:latin typeface="Cambria Math" panose="02040503050406030204" pitchFamily="18" charset="0"/>
+                      </a:rPr>
                       <m:t>𝐸</m:t>
                     </m:r>
                     <m:r>
-                      <a:rPr lang="en-US" sz="2400" i="1"/>
+                      <a:rPr lang="en-US" sz="2400" i="1">
+                        <a:latin typeface="Cambria Math" panose="02040503050406030204" pitchFamily="18" charset="0"/>
+                      </a:rPr>
                       <m:t>)</m:t>
                     </m:r>
                     <m:r>
-                      <a:rPr lang="en-US" sz="2400" i="1"/>
+                      <a:rPr lang="en-US" sz="2400" i="1">
+                        <a:latin typeface="Cambria Math" panose="02040503050406030204" pitchFamily="18" charset="0"/>
+                      </a:rPr>
                       <m:t>𝑀</m:t>
                     </m:r>
                   </m:oMath>
@@ -7596,7 +9421,9 @@
                 <a14:m>
                   <m:oMath xmlns:m="http://schemas.openxmlformats.org/officeDocument/2006/math">
                     <m:r>
-                      <a:rPr lang="en-US" sz="2400" i="1"/>
+                      <a:rPr lang="en-US" sz="2400" i="1">
+                        <a:latin typeface="Cambria Math" panose="02040503050406030204" pitchFamily="18" charset="0"/>
+                      </a:rPr>
                       <m:t>𝑀</m:t>
                     </m:r>
                   </m:oMath>
@@ -7618,7 +9445,9 @@
                 <a14:m>
                   <m:oMath xmlns:m="http://schemas.openxmlformats.org/officeDocument/2006/math">
                     <m:r>
-                      <a:rPr lang="en-US" sz="2400" i="1"/>
+                      <a:rPr lang="en-US" sz="2400" i="1">
+                        <a:latin typeface="Cambria Math" panose="02040503050406030204" pitchFamily="18" charset="0"/>
+                      </a:rPr>
                       <m:t>𝑓</m:t>
                     </m:r>
                   </m:oMath>
@@ -7630,7 +9459,9 @@
                 <a14:m>
                   <m:oMath xmlns:m="http://schemas.openxmlformats.org/officeDocument/2006/math">
                     <m:r>
-                      <a:rPr lang="en-US" sz="2400" i="1"/>
+                      <a:rPr lang="en-US" sz="2400" i="1">
+                        <a:latin typeface="Cambria Math" panose="02040503050406030204" pitchFamily="18" charset="0"/>
+                      </a:rPr>
                       <m:t>𝐸</m:t>
                     </m:r>
                   </m:oMath>
@@ -7642,7 +9473,9 @@
                 <a14:m>
                   <m:oMath xmlns:m="http://schemas.openxmlformats.org/officeDocument/2006/math">
                     <m:r>
-                      <a:rPr lang="en-US" sz="2400" i="1"/>
+                      <a:rPr lang="en-US" sz="2400" i="1">
+                        <a:latin typeface="Cambria Math" panose="02040503050406030204" pitchFamily="18" charset="0"/>
+                      </a:rPr>
                       <m:t>𝑀</m:t>
                     </m:r>
                   </m:oMath>
@@ -7661,15 +9494,21 @@
                 <a14:m>
                   <m:oMath xmlns:m="http://schemas.openxmlformats.org/officeDocument/2006/math">
                     <m:r>
-                      <a:rPr lang="en-US" sz="2400" i="1"/>
+                      <a:rPr lang="en-US" sz="2400" i="1">
+                        <a:latin typeface="Cambria Math" panose="02040503050406030204" pitchFamily="18" charset="0"/>
+                      </a:rPr>
                       <m:t>𝜆</m:t>
                     </m:r>
                     <m:r>
-                      <a:rPr lang="en-US" sz="2400" i="1"/>
+                      <a:rPr lang="en-US" sz="2400" i="1">
+                        <a:latin typeface="Cambria Math" panose="02040503050406030204" pitchFamily="18" charset="0"/>
+                      </a:rPr>
                       <m:t>𝑓</m:t>
                     </m:r>
                     <m:r>
-                      <a:rPr lang="en-US" sz="2400" i="1"/>
+                      <a:rPr lang="en-US" sz="2400" i="1">
+                        <a:latin typeface="Cambria Math" panose="02040503050406030204" pitchFamily="18" charset="0"/>
+                      </a:rPr>
                       <m:t>.</m:t>
                     </m:r>
                   </m:oMath>
@@ -7689,7 +9528,7 @@
             </p:txBody>
           </p:sp>
         </mc:Choice>
-        <mc:Fallback>
+        <mc:Fallback xmlns="">
           <p:sp>
             <p:nvSpPr>
               <p:cNvPr id="4" name="TextBox 3"/>
@@ -7741,7 +9580,7 @@
 </p:sld>
 </file>
 
-<file path=ppt/slides/slide8.xml><?xml version="1.0" encoding="utf-8"?>
+<file path=ppt/slides/slide9.xml><?xml version="1.0" encoding="utf-8"?>
 <p:sld xmlns:a="http://schemas.openxmlformats.org/drawingml/2006/main" xmlns:r="http://schemas.openxmlformats.org/officeDocument/2006/relationships" xmlns:p="http://schemas.openxmlformats.org/presentationml/2006/main">
   <p:cSld>
     <p:spTree>
@@ -7768,19 +9607,14 @@
             <p:ph type="title"/>
           </p:nvPr>
         </p:nvSpPr>
-        <p:spPr>
-          <a:xfrm>
-            <a:off x="762000" y="559678"/>
-            <a:ext cx="3833906" cy="1381417"/>
-          </a:xfrm>
-        </p:spPr>
+        <p:spPr/>
         <p:txBody>
           <a:bodyPr/>
           <a:lstStyle/>
           <a:p>
             <a:r>
               <a:rPr lang="en-US" dirty="0" smtClean="0"/>
-              <a:t>Recursion</a:t>
+              <a:t>Divergence</a:t>
             </a:r>
             <a:endParaRPr lang="en-US" dirty="0"/>
           </a:p>
@@ -7807,129 +9641,511 @@
               <a:p>
                 <a:r>
                   <a:rPr lang="en-US" sz="2800" dirty="0" smtClean="0"/>
-                  <a:t>Possible with the Y-combinatory</a:t>
+                  <a:t>Some expressions are irreducible to normal form</a:t>
                 </a:r>
               </a:p>
               <a:p>
-                <a:pPr lvl="1"/>
                 <a14:m>
                   <m:oMath xmlns:m="http://schemas.openxmlformats.org/officeDocument/2006/math">
                     <m:r>
-                      <a:rPr lang="en-US" sz="2600" i="1"/>
-                      <m:t>𝑌</m:t>
-                    </m:r>
-                    <m:r>
-                      <a:rPr lang="en-US" sz="2600" i="1"/>
-                      <m:t>≔</m:t>
-                    </m:r>
-                    <m:r>
-                      <a:rPr lang="en-US" sz="2600" i="1"/>
+                      <a:rPr lang="en-US" sz="2800" b="0" i="1" smtClean="0">
+                        <a:latin typeface="Cambria Math" panose="02040503050406030204" pitchFamily="18" charset="0"/>
+                      </a:rPr>
+                      <m:t>(</m:t>
+                    </m:r>
+                    <m:r>
+                      <a:rPr lang="en-US" sz="2800" b="0" i="1" smtClean="0">
+                        <a:latin typeface="Cambria Math" panose="02040503050406030204" pitchFamily="18" charset="0"/>
+                        <a:ea typeface="Cambria Math" panose="02040503050406030204" pitchFamily="18" charset="0"/>
+                      </a:rPr>
                       <m:t>𝜆</m:t>
                     </m:r>
                     <m:r>
-                      <a:rPr lang="en-US" sz="2600" i="1"/>
-                      <m:t>𝑓</m:t>
-                    </m:r>
-                    <m:r>
-                      <a:rPr lang="en-US" sz="2600" i="1"/>
+                      <a:rPr lang="en-US" sz="2800" b="0" i="1" smtClean="0">
+                        <a:latin typeface="Cambria Math" panose="02040503050406030204" pitchFamily="18" charset="0"/>
+                        <a:ea typeface="Cambria Math" panose="02040503050406030204" pitchFamily="18" charset="0"/>
+                      </a:rPr>
+                      <m:t>𝑥</m:t>
+                    </m:r>
+                    <m:r>
+                      <a:rPr lang="en-US" sz="2800" b="0" i="1" smtClean="0">
+                        <a:latin typeface="Cambria Math" panose="02040503050406030204" pitchFamily="18" charset="0"/>
+                        <a:ea typeface="Cambria Math" panose="02040503050406030204" pitchFamily="18" charset="0"/>
+                      </a:rPr>
                       <m:t>.</m:t>
                     </m:r>
-                    <m:d>
-                      <m:dPr>
-                        <m:ctrlPr>
-                          <a:rPr lang="en-US" sz="2600" i="1"/>
-                        </m:ctrlPr>
-                      </m:dPr>
-                      <m:e>
-                        <m:r>
-                          <a:rPr lang="en-US" sz="2600" i="1"/>
-                          <m:t>𝜆</m:t>
-                        </m:r>
-                        <m:r>
-                          <a:rPr lang="en-US" sz="2600" i="1"/>
-                          <m:t>𝑥</m:t>
-                        </m:r>
-                        <m:r>
-                          <a:rPr lang="en-US" sz="2600" i="1"/>
-                          <m:t>.</m:t>
-                        </m:r>
-                        <m:r>
-                          <a:rPr lang="en-US" sz="2600" i="1"/>
-                          <m:t>𝑓</m:t>
-                        </m:r>
-                        <m:d>
-                          <m:dPr>
-                            <m:ctrlPr>
-                              <a:rPr lang="en-US" sz="2600" i="1"/>
-                            </m:ctrlPr>
-                          </m:dPr>
-                          <m:e>
-                            <m:r>
-                              <a:rPr lang="en-US" sz="2600" i="1"/>
-                              <m:t>𝑥𝑥</m:t>
-                            </m:r>
-                          </m:e>
-                        </m:d>
-                      </m:e>
-                    </m:d>
-                    <m:d>
-                      <m:dPr>
-                        <m:ctrlPr>
-                          <a:rPr lang="en-US" sz="2600" i="1"/>
-                        </m:ctrlPr>
-                      </m:dPr>
-                      <m:e>
-                        <m:r>
-                          <a:rPr lang="en-US" sz="2600" i="1"/>
-                          <m:t>𝜆</m:t>
-                        </m:r>
-                        <m:r>
-                          <a:rPr lang="en-US" sz="2600" i="1"/>
-                          <m:t>𝑥</m:t>
-                        </m:r>
-                        <m:r>
-                          <a:rPr lang="en-US" sz="2600" i="1"/>
-                          <m:t>.</m:t>
-                        </m:r>
-                        <m:r>
-                          <a:rPr lang="en-US" sz="2600" i="1"/>
-                          <m:t>𝑓</m:t>
-                        </m:r>
-                        <m:d>
-                          <m:dPr>
-                            <m:ctrlPr>
-                              <a:rPr lang="en-US" sz="2600" i="1"/>
-                            </m:ctrlPr>
-                          </m:dPr>
-                          <m:e>
-                            <m:r>
-                              <a:rPr lang="en-US" sz="2600" i="1"/>
-                              <m:t>𝑥𝑥</m:t>
-                            </m:r>
-                          </m:e>
-                        </m:d>
-                      </m:e>
-                    </m:d>
+                    <m:r>
+                      <a:rPr lang="en-US" sz="2800" b="0" i="1" smtClean="0">
+                        <a:latin typeface="Cambria Math" panose="02040503050406030204" pitchFamily="18" charset="0"/>
+                        <a:ea typeface="Cambria Math" panose="02040503050406030204" pitchFamily="18" charset="0"/>
+                      </a:rPr>
+                      <m:t>𝑥𝑥</m:t>
+                    </m:r>
+                    <m:r>
+                      <a:rPr lang="en-US" sz="2800" b="0" i="1" smtClean="0">
+                        <a:latin typeface="Cambria Math" panose="02040503050406030204" pitchFamily="18" charset="0"/>
+                        <a:ea typeface="Cambria Math" panose="02040503050406030204" pitchFamily="18" charset="0"/>
+                      </a:rPr>
+                      <m:t>)(</m:t>
+                    </m:r>
+                    <m:r>
+                      <a:rPr lang="en-US" sz="2800" b="0" i="1" smtClean="0">
+                        <a:latin typeface="Cambria Math" panose="02040503050406030204" pitchFamily="18" charset="0"/>
+                        <a:ea typeface="Cambria Math" panose="02040503050406030204" pitchFamily="18" charset="0"/>
+                      </a:rPr>
+                      <m:t>𝜆</m:t>
+                    </m:r>
+                    <m:r>
+                      <a:rPr lang="en-US" sz="2800" b="0" i="1" smtClean="0">
+                        <a:latin typeface="Cambria Math" panose="02040503050406030204" pitchFamily="18" charset="0"/>
+                        <a:ea typeface="Cambria Math" panose="02040503050406030204" pitchFamily="18" charset="0"/>
+                      </a:rPr>
+                      <m:t>𝑥</m:t>
+                    </m:r>
+                    <m:r>
+                      <a:rPr lang="en-US" sz="2800" b="0" i="1" smtClean="0">
+                        <a:latin typeface="Cambria Math" panose="02040503050406030204" pitchFamily="18" charset="0"/>
+                        <a:ea typeface="Cambria Math" panose="02040503050406030204" pitchFamily="18" charset="0"/>
+                      </a:rPr>
+                      <m:t>.</m:t>
+                    </m:r>
+                    <m:r>
+                      <a:rPr lang="en-US" sz="2800" b="0" i="1" smtClean="0">
+                        <a:latin typeface="Cambria Math" panose="02040503050406030204" pitchFamily="18" charset="0"/>
+                        <a:ea typeface="Cambria Math" panose="02040503050406030204" pitchFamily="18" charset="0"/>
+                      </a:rPr>
+                      <m:t>𝑥𝑥</m:t>
+                    </m:r>
+                    <m:r>
+                      <a:rPr lang="en-US" sz="2800" b="0" i="1" smtClean="0">
+                        <a:latin typeface="Cambria Math" panose="02040503050406030204" pitchFamily="18" charset="0"/>
+                        <a:ea typeface="Cambria Math" panose="02040503050406030204" pitchFamily="18" charset="0"/>
+                      </a:rPr>
+                      <m:t>)</m:t>
+                    </m:r>
                   </m:oMath>
                 </a14:m>
-                <a:endParaRPr lang="en-US" sz="2600" dirty="0"/>
+                <a:endParaRPr lang="en-US" sz="2800" dirty="0" smtClean="0"/>
+              </a:p>
+              <a:p>
+                <a14:m>
+                  <m:oMath xmlns:m="http://schemas.openxmlformats.org/officeDocument/2006/math">
+                    <m:r>
+                      <a:rPr lang="en-US" sz="2800" i="1">
+                        <a:latin typeface="Cambria Math" panose="02040503050406030204" pitchFamily="18" charset="0"/>
+                      </a:rPr>
+                      <m:t>(</m:t>
+                    </m:r>
+                    <m:r>
+                      <a:rPr lang="en-US" sz="2800" i="1">
+                        <a:latin typeface="Cambria Math" panose="02040503050406030204" pitchFamily="18" charset="0"/>
+                        <a:ea typeface="Cambria Math" panose="02040503050406030204" pitchFamily="18" charset="0"/>
+                      </a:rPr>
+                      <m:t>𝜆</m:t>
+                    </m:r>
+                    <m:r>
+                      <a:rPr lang="en-US" sz="2800" i="1">
+                        <a:latin typeface="Cambria Math" panose="02040503050406030204" pitchFamily="18" charset="0"/>
+                        <a:ea typeface="Cambria Math" panose="02040503050406030204" pitchFamily="18" charset="0"/>
+                      </a:rPr>
+                      <m:t>𝑥</m:t>
+                    </m:r>
+                    <m:r>
+                      <a:rPr lang="en-US" sz="2800" i="1">
+                        <a:latin typeface="Cambria Math" panose="02040503050406030204" pitchFamily="18" charset="0"/>
+                        <a:ea typeface="Cambria Math" panose="02040503050406030204" pitchFamily="18" charset="0"/>
+                      </a:rPr>
+                      <m:t>.</m:t>
+                    </m:r>
+                    <m:r>
+                      <a:rPr lang="en-US" sz="2800" i="1">
+                        <a:latin typeface="Cambria Math" panose="02040503050406030204" pitchFamily="18" charset="0"/>
+                        <a:ea typeface="Cambria Math" panose="02040503050406030204" pitchFamily="18" charset="0"/>
+                      </a:rPr>
+                      <m:t>𝑥𝑥</m:t>
+                    </m:r>
+                    <m:r>
+                      <a:rPr lang="en-US" sz="2800" i="1">
+                        <a:latin typeface="Cambria Math" panose="02040503050406030204" pitchFamily="18" charset="0"/>
+                        <a:ea typeface="Cambria Math" panose="02040503050406030204" pitchFamily="18" charset="0"/>
+                      </a:rPr>
+                      <m:t>)(</m:t>
+                    </m:r>
+                    <m:r>
+                      <a:rPr lang="en-US" sz="2800" i="1">
+                        <a:latin typeface="Cambria Math" panose="02040503050406030204" pitchFamily="18" charset="0"/>
+                        <a:ea typeface="Cambria Math" panose="02040503050406030204" pitchFamily="18" charset="0"/>
+                      </a:rPr>
+                      <m:t>𝜆</m:t>
+                    </m:r>
+                    <m:r>
+                      <a:rPr lang="en-US" sz="2800" i="1">
+                        <a:latin typeface="Cambria Math" panose="02040503050406030204" pitchFamily="18" charset="0"/>
+                        <a:ea typeface="Cambria Math" panose="02040503050406030204" pitchFamily="18" charset="0"/>
+                      </a:rPr>
+                      <m:t>𝑥</m:t>
+                    </m:r>
+                    <m:r>
+                      <a:rPr lang="en-US" sz="2800" i="1">
+                        <a:latin typeface="Cambria Math" panose="02040503050406030204" pitchFamily="18" charset="0"/>
+                        <a:ea typeface="Cambria Math" panose="02040503050406030204" pitchFamily="18" charset="0"/>
+                      </a:rPr>
+                      <m:t>.</m:t>
+                    </m:r>
+                    <m:r>
+                      <a:rPr lang="en-US" sz="2800" i="1">
+                        <a:latin typeface="Cambria Math" panose="02040503050406030204" pitchFamily="18" charset="0"/>
+                        <a:ea typeface="Cambria Math" panose="02040503050406030204" pitchFamily="18" charset="0"/>
+                      </a:rPr>
+                      <m:t>𝑥𝑥</m:t>
+                    </m:r>
+                    <m:r>
+                      <a:rPr lang="en-US" sz="2800" i="1">
+                        <a:latin typeface="Cambria Math" panose="02040503050406030204" pitchFamily="18" charset="0"/>
+                        <a:ea typeface="Cambria Math" panose="02040503050406030204" pitchFamily="18" charset="0"/>
+                      </a:rPr>
+                      <m:t>)</m:t>
+                    </m:r>
+                  </m:oMath>
+                </a14:m>
+                <a:endParaRPr lang="en-US" sz="2800" dirty="0"/>
+              </a:p>
+              <a:p>
+                <a14:m>
+                  <m:oMath xmlns:m="http://schemas.openxmlformats.org/officeDocument/2006/math">
+                    <m:r>
+                      <a:rPr lang="en-US" sz="2800" i="1">
+                        <a:latin typeface="Cambria Math" panose="02040503050406030204" pitchFamily="18" charset="0"/>
+                      </a:rPr>
+                      <m:t>(</m:t>
+                    </m:r>
+                    <m:r>
+                      <a:rPr lang="en-US" sz="2800" i="1">
+                        <a:latin typeface="Cambria Math" panose="02040503050406030204" pitchFamily="18" charset="0"/>
+                        <a:ea typeface="Cambria Math" panose="02040503050406030204" pitchFamily="18" charset="0"/>
+                      </a:rPr>
+                      <m:t>𝜆</m:t>
+                    </m:r>
+                    <m:r>
+                      <a:rPr lang="en-US" sz="2800" i="1">
+                        <a:latin typeface="Cambria Math" panose="02040503050406030204" pitchFamily="18" charset="0"/>
+                        <a:ea typeface="Cambria Math" panose="02040503050406030204" pitchFamily="18" charset="0"/>
+                      </a:rPr>
+                      <m:t>𝑥</m:t>
+                    </m:r>
+                    <m:r>
+                      <a:rPr lang="en-US" sz="2800" i="1">
+                        <a:latin typeface="Cambria Math" panose="02040503050406030204" pitchFamily="18" charset="0"/>
+                        <a:ea typeface="Cambria Math" panose="02040503050406030204" pitchFamily="18" charset="0"/>
+                      </a:rPr>
+                      <m:t>.</m:t>
+                    </m:r>
+                    <m:r>
+                      <a:rPr lang="en-US" sz="2800" i="1">
+                        <a:latin typeface="Cambria Math" panose="02040503050406030204" pitchFamily="18" charset="0"/>
+                        <a:ea typeface="Cambria Math" panose="02040503050406030204" pitchFamily="18" charset="0"/>
+                      </a:rPr>
+                      <m:t>𝑥𝑥</m:t>
+                    </m:r>
+                    <m:r>
+                      <a:rPr lang="en-US" sz="2800" i="1">
+                        <a:latin typeface="Cambria Math" panose="02040503050406030204" pitchFamily="18" charset="0"/>
+                        <a:ea typeface="Cambria Math" panose="02040503050406030204" pitchFamily="18" charset="0"/>
+                      </a:rPr>
+                      <m:t>)(</m:t>
+                    </m:r>
+                    <m:r>
+                      <a:rPr lang="en-US" sz="2800" i="1">
+                        <a:latin typeface="Cambria Math" panose="02040503050406030204" pitchFamily="18" charset="0"/>
+                        <a:ea typeface="Cambria Math" panose="02040503050406030204" pitchFamily="18" charset="0"/>
+                      </a:rPr>
+                      <m:t>𝜆</m:t>
+                    </m:r>
+                    <m:r>
+                      <a:rPr lang="en-US" sz="2800" i="1">
+                        <a:latin typeface="Cambria Math" panose="02040503050406030204" pitchFamily="18" charset="0"/>
+                        <a:ea typeface="Cambria Math" panose="02040503050406030204" pitchFamily="18" charset="0"/>
+                      </a:rPr>
+                      <m:t>𝑥</m:t>
+                    </m:r>
+                    <m:r>
+                      <a:rPr lang="en-US" sz="2800" i="1">
+                        <a:latin typeface="Cambria Math" panose="02040503050406030204" pitchFamily="18" charset="0"/>
+                        <a:ea typeface="Cambria Math" panose="02040503050406030204" pitchFamily="18" charset="0"/>
+                      </a:rPr>
+                      <m:t>.</m:t>
+                    </m:r>
+                    <m:r>
+                      <a:rPr lang="en-US" sz="2800" i="1">
+                        <a:latin typeface="Cambria Math" panose="02040503050406030204" pitchFamily="18" charset="0"/>
+                        <a:ea typeface="Cambria Math" panose="02040503050406030204" pitchFamily="18" charset="0"/>
+                      </a:rPr>
+                      <m:t>𝑥𝑥</m:t>
+                    </m:r>
+                    <m:r>
+                      <a:rPr lang="en-US" sz="2800" i="1">
+                        <a:latin typeface="Cambria Math" panose="02040503050406030204" pitchFamily="18" charset="0"/>
+                        <a:ea typeface="Cambria Math" panose="02040503050406030204" pitchFamily="18" charset="0"/>
+                      </a:rPr>
+                      <m:t>)</m:t>
+                    </m:r>
+                  </m:oMath>
+                </a14:m>
+                <a:endParaRPr lang="en-US" sz="2800" dirty="0"/>
+              </a:p>
+              <a:p>
+                <a14:m>
+                  <m:oMath xmlns:m="http://schemas.openxmlformats.org/officeDocument/2006/math">
+                    <m:r>
+                      <a:rPr lang="en-US" sz="2800" i="1">
+                        <a:latin typeface="Cambria Math" panose="02040503050406030204" pitchFamily="18" charset="0"/>
+                      </a:rPr>
+                      <m:t>(</m:t>
+                    </m:r>
+                    <m:r>
+                      <a:rPr lang="en-US" sz="2800" i="1">
+                        <a:latin typeface="Cambria Math" panose="02040503050406030204" pitchFamily="18" charset="0"/>
+                        <a:ea typeface="Cambria Math" panose="02040503050406030204" pitchFamily="18" charset="0"/>
+                      </a:rPr>
+                      <m:t>𝜆</m:t>
+                    </m:r>
+                    <m:r>
+                      <a:rPr lang="en-US" sz="2800" i="1">
+                        <a:latin typeface="Cambria Math" panose="02040503050406030204" pitchFamily="18" charset="0"/>
+                        <a:ea typeface="Cambria Math" panose="02040503050406030204" pitchFamily="18" charset="0"/>
+                      </a:rPr>
+                      <m:t>𝑥</m:t>
+                    </m:r>
+                    <m:r>
+                      <a:rPr lang="en-US" sz="2800" i="1">
+                        <a:latin typeface="Cambria Math" panose="02040503050406030204" pitchFamily="18" charset="0"/>
+                        <a:ea typeface="Cambria Math" panose="02040503050406030204" pitchFamily="18" charset="0"/>
+                      </a:rPr>
+                      <m:t>.</m:t>
+                    </m:r>
+                    <m:r>
+                      <a:rPr lang="en-US" sz="2800" i="1">
+                        <a:latin typeface="Cambria Math" panose="02040503050406030204" pitchFamily="18" charset="0"/>
+                        <a:ea typeface="Cambria Math" panose="02040503050406030204" pitchFamily="18" charset="0"/>
+                      </a:rPr>
+                      <m:t>𝑥𝑥</m:t>
+                    </m:r>
+                    <m:r>
+                      <a:rPr lang="en-US" sz="2800" i="1">
+                        <a:latin typeface="Cambria Math" panose="02040503050406030204" pitchFamily="18" charset="0"/>
+                        <a:ea typeface="Cambria Math" panose="02040503050406030204" pitchFamily="18" charset="0"/>
+                      </a:rPr>
+                      <m:t>)(</m:t>
+                    </m:r>
+                    <m:r>
+                      <a:rPr lang="en-US" sz="2800" i="1">
+                        <a:latin typeface="Cambria Math" panose="02040503050406030204" pitchFamily="18" charset="0"/>
+                        <a:ea typeface="Cambria Math" panose="02040503050406030204" pitchFamily="18" charset="0"/>
+                      </a:rPr>
+                      <m:t>𝜆</m:t>
+                    </m:r>
+                    <m:r>
+                      <a:rPr lang="en-US" sz="2800" i="1">
+                        <a:latin typeface="Cambria Math" panose="02040503050406030204" pitchFamily="18" charset="0"/>
+                        <a:ea typeface="Cambria Math" panose="02040503050406030204" pitchFamily="18" charset="0"/>
+                      </a:rPr>
+                      <m:t>𝑥</m:t>
+                    </m:r>
+                    <m:r>
+                      <a:rPr lang="en-US" sz="2800" i="1">
+                        <a:latin typeface="Cambria Math" panose="02040503050406030204" pitchFamily="18" charset="0"/>
+                        <a:ea typeface="Cambria Math" panose="02040503050406030204" pitchFamily="18" charset="0"/>
+                      </a:rPr>
+                      <m:t>.</m:t>
+                    </m:r>
+                    <m:r>
+                      <a:rPr lang="en-US" sz="2800" i="1">
+                        <a:latin typeface="Cambria Math" panose="02040503050406030204" pitchFamily="18" charset="0"/>
+                        <a:ea typeface="Cambria Math" panose="02040503050406030204" pitchFamily="18" charset="0"/>
+                      </a:rPr>
+                      <m:t>𝑥𝑥</m:t>
+                    </m:r>
+                    <m:r>
+                      <a:rPr lang="en-US" sz="2800" i="1">
+                        <a:latin typeface="Cambria Math" panose="02040503050406030204" pitchFamily="18" charset="0"/>
+                        <a:ea typeface="Cambria Math" panose="02040503050406030204" pitchFamily="18" charset="0"/>
+                      </a:rPr>
+                      <m:t>)</m:t>
+                    </m:r>
+                  </m:oMath>
+                </a14:m>
+                <a:endParaRPr lang="en-US" sz="2800" dirty="0"/>
+              </a:p>
+              <a:p>
+                <a14:m>
+                  <m:oMath xmlns:m="http://schemas.openxmlformats.org/officeDocument/2006/math">
+                    <m:r>
+                      <a:rPr lang="en-US" sz="2800" i="1">
+                        <a:latin typeface="Cambria Math" panose="02040503050406030204" pitchFamily="18" charset="0"/>
+                      </a:rPr>
+                      <m:t>(</m:t>
+                    </m:r>
+                    <m:r>
+                      <a:rPr lang="en-US" sz="2800" i="1">
+                        <a:latin typeface="Cambria Math" panose="02040503050406030204" pitchFamily="18" charset="0"/>
+                        <a:ea typeface="Cambria Math" panose="02040503050406030204" pitchFamily="18" charset="0"/>
+                      </a:rPr>
+                      <m:t>𝜆</m:t>
+                    </m:r>
+                    <m:r>
+                      <a:rPr lang="en-US" sz="2800" i="1">
+                        <a:latin typeface="Cambria Math" panose="02040503050406030204" pitchFamily="18" charset="0"/>
+                        <a:ea typeface="Cambria Math" panose="02040503050406030204" pitchFamily="18" charset="0"/>
+                      </a:rPr>
+                      <m:t>𝑥</m:t>
+                    </m:r>
+                    <m:r>
+                      <a:rPr lang="en-US" sz="2800" i="1">
+                        <a:latin typeface="Cambria Math" panose="02040503050406030204" pitchFamily="18" charset="0"/>
+                        <a:ea typeface="Cambria Math" panose="02040503050406030204" pitchFamily="18" charset="0"/>
+                      </a:rPr>
+                      <m:t>.</m:t>
+                    </m:r>
+                    <m:r>
+                      <a:rPr lang="en-US" sz="2800" i="1">
+                        <a:latin typeface="Cambria Math" panose="02040503050406030204" pitchFamily="18" charset="0"/>
+                        <a:ea typeface="Cambria Math" panose="02040503050406030204" pitchFamily="18" charset="0"/>
+                      </a:rPr>
+                      <m:t>𝑥𝑥</m:t>
+                    </m:r>
+                    <m:r>
+                      <a:rPr lang="en-US" sz="2800" i="1">
+                        <a:latin typeface="Cambria Math" panose="02040503050406030204" pitchFamily="18" charset="0"/>
+                        <a:ea typeface="Cambria Math" panose="02040503050406030204" pitchFamily="18" charset="0"/>
+                      </a:rPr>
+                      <m:t>)(</m:t>
+                    </m:r>
+                    <m:r>
+                      <a:rPr lang="en-US" sz="2800" i="1">
+                        <a:latin typeface="Cambria Math" panose="02040503050406030204" pitchFamily="18" charset="0"/>
+                        <a:ea typeface="Cambria Math" panose="02040503050406030204" pitchFamily="18" charset="0"/>
+                      </a:rPr>
+                      <m:t>𝜆</m:t>
+                    </m:r>
+                    <m:r>
+                      <a:rPr lang="en-US" sz="2800" i="1">
+                        <a:latin typeface="Cambria Math" panose="02040503050406030204" pitchFamily="18" charset="0"/>
+                        <a:ea typeface="Cambria Math" panose="02040503050406030204" pitchFamily="18" charset="0"/>
+                      </a:rPr>
+                      <m:t>𝑥</m:t>
+                    </m:r>
+                    <m:r>
+                      <a:rPr lang="en-US" sz="2800" i="1">
+                        <a:latin typeface="Cambria Math" panose="02040503050406030204" pitchFamily="18" charset="0"/>
+                        <a:ea typeface="Cambria Math" panose="02040503050406030204" pitchFamily="18" charset="0"/>
+                      </a:rPr>
+                      <m:t>.</m:t>
+                    </m:r>
+                    <m:r>
+                      <a:rPr lang="en-US" sz="2800" i="1">
+                        <a:latin typeface="Cambria Math" panose="02040503050406030204" pitchFamily="18" charset="0"/>
+                        <a:ea typeface="Cambria Math" panose="02040503050406030204" pitchFamily="18" charset="0"/>
+                      </a:rPr>
+                      <m:t>𝑥𝑥</m:t>
+                    </m:r>
+                    <m:r>
+                      <a:rPr lang="en-US" sz="2800" i="1">
+                        <a:latin typeface="Cambria Math" panose="02040503050406030204" pitchFamily="18" charset="0"/>
+                        <a:ea typeface="Cambria Math" panose="02040503050406030204" pitchFamily="18" charset="0"/>
+                      </a:rPr>
+                      <m:t>)</m:t>
+                    </m:r>
+                  </m:oMath>
+                </a14:m>
+                <a:endParaRPr lang="en-US" sz="2800" dirty="0"/>
+              </a:p>
+              <a:p>
+                <a14:m>
+                  <m:oMath xmlns:m="http://schemas.openxmlformats.org/officeDocument/2006/math">
+                    <m:r>
+                      <a:rPr lang="en-US" sz="2800" i="1">
+                        <a:latin typeface="Cambria Math" panose="02040503050406030204" pitchFamily="18" charset="0"/>
+                      </a:rPr>
+                      <m:t>(</m:t>
+                    </m:r>
+                    <m:r>
+                      <a:rPr lang="en-US" sz="2800" i="1">
+                        <a:latin typeface="Cambria Math" panose="02040503050406030204" pitchFamily="18" charset="0"/>
+                        <a:ea typeface="Cambria Math" panose="02040503050406030204" pitchFamily="18" charset="0"/>
+                      </a:rPr>
+                      <m:t>𝜆</m:t>
+                    </m:r>
+                    <m:r>
+                      <a:rPr lang="en-US" sz="2800" i="1">
+                        <a:latin typeface="Cambria Math" panose="02040503050406030204" pitchFamily="18" charset="0"/>
+                        <a:ea typeface="Cambria Math" panose="02040503050406030204" pitchFamily="18" charset="0"/>
+                      </a:rPr>
+                      <m:t>𝑥</m:t>
+                    </m:r>
+                    <m:r>
+                      <a:rPr lang="en-US" sz="2800" i="1">
+                        <a:latin typeface="Cambria Math" panose="02040503050406030204" pitchFamily="18" charset="0"/>
+                        <a:ea typeface="Cambria Math" panose="02040503050406030204" pitchFamily="18" charset="0"/>
+                      </a:rPr>
+                      <m:t>.</m:t>
+                    </m:r>
+                    <m:r>
+                      <a:rPr lang="en-US" sz="2800" i="1">
+                        <a:latin typeface="Cambria Math" panose="02040503050406030204" pitchFamily="18" charset="0"/>
+                        <a:ea typeface="Cambria Math" panose="02040503050406030204" pitchFamily="18" charset="0"/>
+                      </a:rPr>
+                      <m:t>𝑥𝑥</m:t>
+                    </m:r>
+                    <m:r>
+                      <a:rPr lang="en-US" sz="2800" i="1">
+                        <a:latin typeface="Cambria Math" panose="02040503050406030204" pitchFamily="18" charset="0"/>
+                        <a:ea typeface="Cambria Math" panose="02040503050406030204" pitchFamily="18" charset="0"/>
+                      </a:rPr>
+                      <m:t>)(</m:t>
+                    </m:r>
+                    <m:r>
+                      <a:rPr lang="en-US" sz="2800" i="1">
+                        <a:latin typeface="Cambria Math" panose="02040503050406030204" pitchFamily="18" charset="0"/>
+                        <a:ea typeface="Cambria Math" panose="02040503050406030204" pitchFamily="18" charset="0"/>
+                      </a:rPr>
+                      <m:t>𝜆</m:t>
+                    </m:r>
+                    <m:r>
+                      <a:rPr lang="en-US" sz="2800" i="1">
+                        <a:latin typeface="Cambria Math" panose="02040503050406030204" pitchFamily="18" charset="0"/>
+                        <a:ea typeface="Cambria Math" panose="02040503050406030204" pitchFamily="18" charset="0"/>
+                      </a:rPr>
+                      <m:t>𝑥</m:t>
+                    </m:r>
+                    <m:r>
+                      <a:rPr lang="en-US" sz="2800" i="1">
+                        <a:latin typeface="Cambria Math" panose="02040503050406030204" pitchFamily="18" charset="0"/>
+                        <a:ea typeface="Cambria Math" panose="02040503050406030204" pitchFamily="18" charset="0"/>
+                      </a:rPr>
+                      <m:t>.</m:t>
+                    </m:r>
+                    <m:r>
+                      <a:rPr lang="en-US" sz="2800" i="1">
+                        <a:latin typeface="Cambria Math" panose="02040503050406030204" pitchFamily="18" charset="0"/>
+                        <a:ea typeface="Cambria Math" panose="02040503050406030204" pitchFamily="18" charset="0"/>
+                      </a:rPr>
+                      <m:t>𝑥𝑥</m:t>
+                    </m:r>
+                    <m:r>
+                      <a:rPr lang="en-US" sz="2800" i="1">
+                        <a:latin typeface="Cambria Math" panose="02040503050406030204" pitchFamily="18" charset="0"/>
+                        <a:ea typeface="Cambria Math" panose="02040503050406030204" pitchFamily="18" charset="0"/>
+                      </a:rPr>
+                      <m:t>)</m:t>
+                    </m:r>
+                  </m:oMath>
+                </a14:m>
+                <a:endParaRPr lang="en-US" sz="2800" dirty="0"/>
               </a:p>
               <a:p>
                 <a:r>
                   <a:rPr lang="en-US" sz="2800" dirty="0" smtClean="0"/>
-                  <a:t>When applied to a function, it creates an expression that is called on itself infinitely many times.</a:t>
-                </a:r>
-              </a:p>
-              <a:p>
-                <a:r>
-                  <a:rPr lang="en-US" sz="2800" dirty="0" smtClean="0"/>
-                  <a:t>Recursion is repeated application of a function on itself.</a:t>
-                </a:r>
-              </a:p>
-              <a:p>
-                <a:r>
-                  <a:rPr lang="en-US" sz="2800" dirty="0" smtClean="0"/>
-                  <a:t>Add a base case to create a recursive function</a:t>
+                  <a:t>…</a:t>
                 </a:r>
                 <a:endParaRPr lang="en-US" sz="2800" dirty="0"/>
               </a:p>
@@ -7970,560 +10186,10 @@
           </p:sp>
         </mc:Fallback>
       </mc:AlternateContent>
-      <mc:AlternateContent xmlns:mc="http://schemas.openxmlformats.org/markup-compatibility/2006">
-        <mc:Choice xmlns:a14="http://schemas.microsoft.com/office/drawing/2010/main" Requires="a14">
-          <p:sp>
-            <p:nvSpPr>
-              <p:cNvPr id="4" name="TextBox 3"/>
-              <p:cNvSpPr txBox="1"/>
-              <p:nvPr/>
-            </p:nvSpPr>
-            <p:spPr>
-              <a:xfrm>
-                <a:off x="1" y="1941095"/>
-                <a:ext cx="5181600" cy="3164008"/>
-              </a:xfrm>
-              <a:prstGeom prst="rect">
-                <a:avLst/>
-              </a:prstGeom>
-              <a:noFill/>
-            </p:spPr>
-            <p:txBody>
-              <a:bodyPr wrap="square" rtlCol="0">
-                <a:spAutoFit/>
-              </a:bodyPr>
-              <a:lstStyle/>
-              <a:p>
-                <a:pPr marL="285750" indent="-285750">
-                  <a:buFont typeface="Arial" panose="020B0604020202020204" pitchFamily="34" charset="0"/>
-                  <a:buChar char="•"/>
-                </a:pPr>
-                <a14:m>
-                  <m:oMath xmlns:m="http://schemas.openxmlformats.org/officeDocument/2006/math">
-                    <m:r>
-                      <a:rPr lang="en-US" sz="2800" b="0" i="1" smtClean="0">
-                        <a:latin typeface="Cambria Math" panose="02040503050406030204" pitchFamily="18" charset="0"/>
-                      </a:rPr>
-                      <m:t>𝑌</m:t>
-                    </m:r>
-                    <m:d>
-                      <m:dPr>
-                        <m:ctrlPr>
-                          <a:rPr lang="en-US" sz="2800" b="0" i="1" smtClean="0">
-                            <a:latin typeface="Cambria Math" panose="02040503050406030204" pitchFamily="18" charset="0"/>
-                          </a:rPr>
-                        </m:ctrlPr>
-                      </m:dPr>
-                      <m:e>
-                        <m:r>
-                          <a:rPr lang="en-US" sz="2800" b="0" i="1" smtClean="0">
-                            <a:latin typeface="Cambria Math" panose="02040503050406030204" pitchFamily="18" charset="0"/>
-                            <a:ea typeface="Cambria Math" panose="02040503050406030204" pitchFamily="18" charset="0"/>
-                          </a:rPr>
-                          <m:t>𝜆</m:t>
-                        </m:r>
-                        <m:r>
-                          <a:rPr lang="en-US" sz="2800" b="0" i="1" smtClean="0">
-                            <a:latin typeface="Cambria Math" panose="02040503050406030204" pitchFamily="18" charset="0"/>
-                            <a:ea typeface="Cambria Math" panose="02040503050406030204" pitchFamily="18" charset="0"/>
-                          </a:rPr>
-                          <m:t>𝑥</m:t>
-                        </m:r>
-                        <m:r>
-                          <a:rPr lang="en-US" sz="2800" b="0" i="1" smtClean="0">
-                            <a:latin typeface="Cambria Math" panose="02040503050406030204" pitchFamily="18" charset="0"/>
-                            <a:ea typeface="Cambria Math" panose="02040503050406030204" pitchFamily="18" charset="0"/>
-                          </a:rPr>
-                          <m:t>.</m:t>
-                        </m:r>
-                        <m:r>
-                          <a:rPr lang="en-US" sz="2800" b="0" i="1" smtClean="0">
-                            <a:latin typeface="Cambria Math" panose="02040503050406030204" pitchFamily="18" charset="0"/>
-                            <a:ea typeface="Cambria Math" panose="02040503050406030204" pitchFamily="18" charset="0"/>
-                          </a:rPr>
-                          <m:t>𝑥</m:t>
-                        </m:r>
-                        <m:r>
-                          <a:rPr lang="en-US" sz="2800" b="0" i="1" smtClean="0">
-                            <a:latin typeface="Cambria Math" panose="02040503050406030204" pitchFamily="18" charset="0"/>
-                            <a:ea typeface="Cambria Math" panose="02040503050406030204" pitchFamily="18" charset="0"/>
-                          </a:rPr>
-                          <m:t>+1</m:t>
-                        </m:r>
-                      </m:e>
-                    </m:d>
-                  </m:oMath>
-                </a14:m>
-                <a:endParaRPr lang="en-US" sz="2800" b="0" dirty="0" smtClean="0">
-                  <a:ea typeface="Cambria Math" panose="02040503050406030204" pitchFamily="18" charset="0"/>
-                </a:endParaRPr>
-              </a:p>
-              <a:p>
-                <a:pPr marL="285750" indent="-285750">
-                  <a:buFont typeface="Arial" panose="020B0604020202020204" pitchFamily="34" charset="0"/>
-                  <a:buChar char="•"/>
-                </a:pPr>
-                <a14:m>
-                  <m:oMath xmlns:m="http://schemas.openxmlformats.org/officeDocument/2006/math">
-                    <m:r>
-                      <a:rPr lang="en-US" sz="2800" b="0" i="1" smtClean="0">
-                        <a:latin typeface="Cambria Math" panose="02040503050406030204" pitchFamily="18" charset="0"/>
-                        <a:ea typeface="Cambria Math" panose="02040503050406030204" pitchFamily="18" charset="0"/>
-                      </a:rPr>
-                      <m:t>𝐹𝑎𝑐𝑡</m:t>
-                    </m:r>
-                    <m:r>
-                      <a:rPr lang="en-US" sz="2800" b="0" i="1" smtClean="0">
-                        <a:latin typeface="Cambria Math" panose="02040503050406030204" pitchFamily="18" charset="0"/>
-                        <a:ea typeface="Cambria Math" panose="02040503050406030204" pitchFamily="18" charset="0"/>
-                      </a:rPr>
-                      <m:t> ≔</m:t>
-                    </m:r>
-                    <m:r>
-                      <a:rPr lang="en-US" sz="2800" i="1">
-                        <a:latin typeface="Cambria Math" panose="02040503050406030204" pitchFamily="18" charset="0"/>
-                        <a:ea typeface="Cambria Math" panose="02040503050406030204" pitchFamily="18" charset="0"/>
-                      </a:rPr>
-                      <m:t>𝜆</m:t>
-                    </m:r>
-                    <m:r>
-                      <a:rPr lang="en-US" sz="2800" b="0" i="1" smtClean="0">
-                        <a:latin typeface="Cambria Math" panose="02040503050406030204" pitchFamily="18" charset="0"/>
-                        <a:ea typeface="Cambria Math" panose="02040503050406030204" pitchFamily="18" charset="0"/>
-                      </a:rPr>
-                      <m:t>𝑛</m:t>
-                    </m:r>
-                    <m:r>
-                      <a:rPr lang="en-US" sz="2800" b="0" i="1" smtClean="0">
-                        <a:latin typeface="Cambria Math" panose="02040503050406030204" pitchFamily="18" charset="0"/>
-                        <a:ea typeface="Cambria Math" panose="02040503050406030204" pitchFamily="18" charset="0"/>
-                      </a:rPr>
-                      <m:t>.</m:t>
-                    </m:r>
-                    <m:r>
-                      <a:rPr lang="en-US" sz="2800" b="0" i="1" smtClean="0">
-                        <a:latin typeface="Cambria Math" panose="02040503050406030204" pitchFamily="18" charset="0"/>
-                        <a:ea typeface="Cambria Math" panose="02040503050406030204" pitchFamily="18" charset="0"/>
-                      </a:rPr>
-                      <m:t>𝑌</m:t>
-                    </m:r>
-                    <m:r>
-                      <a:rPr lang="en-US" sz="2800" b="0" i="1" smtClean="0">
-                        <a:latin typeface="Cambria Math" panose="02040503050406030204" pitchFamily="18" charset="0"/>
-                        <a:ea typeface="Cambria Math" panose="02040503050406030204" pitchFamily="18" charset="0"/>
-                      </a:rPr>
-                      <m:t> </m:t>
-                    </m:r>
-                    <m:d>
-                      <m:dPr>
-                        <m:ctrlPr>
-                          <a:rPr lang="en-US" sz="2800" b="0" i="1" smtClean="0">
-                            <a:latin typeface="Cambria Math" panose="02040503050406030204" pitchFamily="18" charset="0"/>
-                            <a:ea typeface="Cambria Math" panose="02040503050406030204" pitchFamily="18" charset="0"/>
-                          </a:rPr>
-                        </m:ctrlPr>
-                      </m:dPr>
-                      <m:e>
-                        <m:r>
-                          <a:rPr lang="en-US" sz="2800" b="0" i="1" smtClean="0">
-                            <a:latin typeface="Cambria Math" panose="02040503050406030204" pitchFamily="18" charset="0"/>
-                            <a:ea typeface="Cambria Math" panose="02040503050406030204" pitchFamily="18" charset="0"/>
-                          </a:rPr>
-                          <m:t>𝜆</m:t>
-                        </m:r>
-                        <m:r>
-                          <a:rPr lang="en-US" sz="2800" b="0" i="1" smtClean="0">
-                            <a:latin typeface="Cambria Math" panose="02040503050406030204" pitchFamily="18" charset="0"/>
-                            <a:ea typeface="Cambria Math" panose="02040503050406030204" pitchFamily="18" charset="0"/>
-                          </a:rPr>
-                          <m:t>𝑓</m:t>
-                        </m:r>
-                        <m:r>
-                          <a:rPr lang="en-US" sz="2800" b="0" i="1" smtClean="0">
-                            <a:latin typeface="Cambria Math" panose="02040503050406030204" pitchFamily="18" charset="0"/>
-                            <a:ea typeface="Cambria Math" panose="02040503050406030204" pitchFamily="18" charset="0"/>
-                          </a:rPr>
-                          <m:t>.</m:t>
-                        </m:r>
-                        <m:r>
-                          <a:rPr lang="en-US" sz="2800" b="0" i="1" smtClean="0">
-                            <a:latin typeface="Cambria Math" panose="02040503050406030204" pitchFamily="18" charset="0"/>
-                            <a:ea typeface="Cambria Math" panose="02040503050406030204" pitchFamily="18" charset="0"/>
-                          </a:rPr>
-                          <m:t>𝜆</m:t>
-                        </m:r>
-                        <m:sSup>
-                          <m:sSupPr>
-                            <m:ctrlPr>
-                              <a:rPr lang="en-US" sz="2800" b="0" i="1" smtClean="0">
-                                <a:latin typeface="Cambria Math" panose="02040503050406030204" pitchFamily="18" charset="0"/>
-                                <a:ea typeface="Cambria Math" panose="02040503050406030204" pitchFamily="18" charset="0"/>
-                              </a:rPr>
-                            </m:ctrlPr>
-                          </m:sSupPr>
-                          <m:e>
-                            <m:r>
-                              <a:rPr lang="en-US" sz="2800" b="0" i="1" smtClean="0">
-                                <a:latin typeface="Cambria Math" panose="02040503050406030204" pitchFamily="18" charset="0"/>
-                                <a:ea typeface="Cambria Math" panose="02040503050406030204" pitchFamily="18" charset="0"/>
-                              </a:rPr>
-                              <m:t>𝑛</m:t>
-                            </m:r>
-                          </m:e>
-                          <m:sup>
-                            <m:r>
-                              <a:rPr lang="en-US" sz="2800" b="0" i="1" smtClean="0">
-                                <a:latin typeface="Cambria Math" panose="02040503050406030204" pitchFamily="18" charset="0"/>
-                                <a:ea typeface="Cambria Math" panose="02040503050406030204" pitchFamily="18" charset="0"/>
-                              </a:rPr>
-                              <m:t>′</m:t>
-                            </m:r>
-                          </m:sup>
-                        </m:sSup>
-                        <m:r>
-                          <a:rPr lang="en-US" sz="2800" b="0" i="1" smtClean="0">
-                            <a:latin typeface="Cambria Math" panose="02040503050406030204" pitchFamily="18" charset="0"/>
-                            <a:ea typeface="Cambria Math" panose="02040503050406030204" pitchFamily="18" charset="0"/>
-                          </a:rPr>
-                          <m:t>.</m:t>
-                        </m:r>
-                        <m:r>
-                          <a:rPr lang="en-US" sz="2800" b="0" i="1" smtClean="0">
-                            <a:latin typeface="Cambria Math" panose="02040503050406030204" pitchFamily="18" charset="0"/>
-                            <a:ea typeface="Cambria Math" panose="02040503050406030204" pitchFamily="18" charset="0"/>
-                          </a:rPr>
-                          <m:t>𝑖𝑓</m:t>
-                        </m:r>
-                        <m:sSup>
-                          <m:sSupPr>
-                            <m:ctrlPr>
-                              <a:rPr lang="en-US" sz="2800" b="0" i="1" smtClean="0">
-                                <a:latin typeface="Cambria Math" panose="02040503050406030204" pitchFamily="18" charset="0"/>
-                                <a:ea typeface="Cambria Math" panose="02040503050406030204" pitchFamily="18" charset="0"/>
-                              </a:rPr>
-                            </m:ctrlPr>
-                          </m:sSupPr>
-                          <m:e>
-                            <m:r>
-                              <a:rPr lang="en-US" sz="2800" b="0" i="1" smtClean="0">
-                                <a:latin typeface="Cambria Math" panose="02040503050406030204" pitchFamily="18" charset="0"/>
-                                <a:ea typeface="Cambria Math" panose="02040503050406030204" pitchFamily="18" charset="0"/>
-                              </a:rPr>
-                              <m:t>𝑛</m:t>
-                            </m:r>
-                          </m:e>
-                          <m:sup>
-                            <m:r>
-                              <a:rPr lang="en-US" sz="2800" b="0" i="1" smtClean="0">
-                                <a:latin typeface="Cambria Math" panose="02040503050406030204" pitchFamily="18" charset="0"/>
-                                <a:ea typeface="Cambria Math" panose="02040503050406030204" pitchFamily="18" charset="0"/>
-                              </a:rPr>
-                              <m:t>′</m:t>
-                            </m:r>
-                          </m:sup>
-                        </m:sSup>
-                        <m:r>
-                          <a:rPr lang="en-US" sz="2800" b="0" i="1" smtClean="0">
-                            <a:latin typeface="Cambria Math" panose="02040503050406030204" pitchFamily="18" charset="0"/>
-                            <a:ea typeface="Cambria Math" panose="02040503050406030204" pitchFamily="18" charset="0"/>
-                          </a:rPr>
-                          <m:t>=0 </m:t>
-                        </m:r>
-                        <m:r>
-                          <a:rPr lang="en-US" sz="2800" b="0" i="1" smtClean="0">
-                            <a:latin typeface="Cambria Math" panose="02040503050406030204" pitchFamily="18" charset="0"/>
-                            <a:ea typeface="Cambria Math" panose="02040503050406030204" pitchFamily="18" charset="0"/>
-                          </a:rPr>
-                          <m:t>𝑡h𝑒𝑛</m:t>
-                        </m:r>
-                        <m:r>
-                          <a:rPr lang="en-US" sz="2800" b="0" i="1" smtClean="0">
-                            <a:latin typeface="Cambria Math" panose="02040503050406030204" pitchFamily="18" charset="0"/>
-                            <a:ea typeface="Cambria Math" panose="02040503050406030204" pitchFamily="18" charset="0"/>
-                          </a:rPr>
-                          <m:t> 1 </m:t>
-                        </m:r>
-                        <m:r>
-                          <a:rPr lang="en-US" sz="2800" b="0" i="1" smtClean="0">
-                            <a:latin typeface="Cambria Math" panose="02040503050406030204" pitchFamily="18" charset="0"/>
-                            <a:ea typeface="Cambria Math" panose="02040503050406030204" pitchFamily="18" charset="0"/>
-                          </a:rPr>
-                          <m:t>𝑒𝑙𝑠𝑒</m:t>
-                        </m:r>
-                        <m:r>
-                          <a:rPr lang="en-US" sz="2800" b="0" i="1" smtClean="0">
-                            <a:latin typeface="Cambria Math" panose="02040503050406030204" pitchFamily="18" charset="0"/>
-                            <a:ea typeface="Cambria Math" panose="02040503050406030204" pitchFamily="18" charset="0"/>
-                          </a:rPr>
-                          <m:t> </m:t>
-                        </m:r>
-                        <m:sSup>
-                          <m:sSupPr>
-                            <m:ctrlPr>
-                              <a:rPr lang="en-US" sz="2800" b="0" i="1" smtClean="0">
-                                <a:latin typeface="Cambria Math" panose="02040503050406030204" pitchFamily="18" charset="0"/>
-                                <a:ea typeface="Cambria Math" panose="02040503050406030204" pitchFamily="18" charset="0"/>
-                              </a:rPr>
-                            </m:ctrlPr>
-                          </m:sSupPr>
-                          <m:e>
-                            <m:r>
-                              <a:rPr lang="en-US" sz="2800" b="0" i="1" smtClean="0">
-                                <a:latin typeface="Cambria Math" panose="02040503050406030204" pitchFamily="18" charset="0"/>
-                                <a:ea typeface="Cambria Math" panose="02040503050406030204" pitchFamily="18" charset="0"/>
-                              </a:rPr>
-                              <m:t>𝑛</m:t>
-                            </m:r>
-                          </m:e>
-                          <m:sup>
-                            <m:r>
-                              <a:rPr lang="en-US" sz="2800" b="0" i="1" smtClean="0">
-                                <a:latin typeface="Cambria Math" panose="02040503050406030204" pitchFamily="18" charset="0"/>
-                                <a:ea typeface="Cambria Math" panose="02040503050406030204" pitchFamily="18" charset="0"/>
-                              </a:rPr>
-                              <m:t>′</m:t>
-                            </m:r>
-                          </m:sup>
-                        </m:sSup>
-                        <m:r>
-                          <a:rPr lang="en-US" sz="2800" b="0" i="1" smtClean="0">
-                            <a:latin typeface="Cambria Math" panose="02040503050406030204" pitchFamily="18" charset="0"/>
-                            <a:ea typeface="Cambria Math" panose="02040503050406030204" pitchFamily="18" charset="0"/>
-                          </a:rPr>
-                          <m:t>∗</m:t>
-                        </m:r>
-                        <m:r>
-                          <a:rPr lang="en-US" sz="2800" b="0" i="1" smtClean="0">
-                            <a:latin typeface="Cambria Math" panose="02040503050406030204" pitchFamily="18" charset="0"/>
-                            <a:ea typeface="Cambria Math" panose="02040503050406030204" pitchFamily="18" charset="0"/>
-                          </a:rPr>
-                          <m:t>𝑓</m:t>
-                        </m:r>
-                        <m:d>
-                          <m:dPr>
-                            <m:ctrlPr>
-                              <a:rPr lang="en-US" sz="2800" b="0" i="1" smtClean="0">
-                                <a:latin typeface="Cambria Math" panose="02040503050406030204" pitchFamily="18" charset="0"/>
-                                <a:ea typeface="Cambria Math" panose="02040503050406030204" pitchFamily="18" charset="0"/>
-                              </a:rPr>
-                            </m:ctrlPr>
-                          </m:dPr>
-                          <m:e>
-                            <m:sSup>
-                              <m:sSupPr>
-                                <m:ctrlPr>
-                                  <a:rPr lang="en-US" sz="2800" b="0" i="1" smtClean="0">
-                                    <a:latin typeface="Cambria Math" panose="02040503050406030204" pitchFamily="18" charset="0"/>
-                                    <a:ea typeface="Cambria Math" panose="02040503050406030204" pitchFamily="18" charset="0"/>
-                                  </a:rPr>
-                                </m:ctrlPr>
-                              </m:sSupPr>
-                              <m:e>
-                                <m:r>
-                                  <a:rPr lang="en-US" sz="2800" b="0" i="1" smtClean="0">
-                                    <a:latin typeface="Cambria Math" panose="02040503050406030204" pitchFamily="18" charset="0"/>
-                                    <a:ea typeface="Cambria Math" panose="02040503050406030204" pitchFamily="18" charset="0"/>
-                                  </a:rPr>
-                                  <m:t>𝑛</m:t>
-                                </m:r>
-                              </m:e>
-                              <m:sup>
-                                <m:r>
-                                  <a:rPr lang="en-US" sz="2800" b="0" i="1" smtClean="0">
-                                    <a:latin typeface="Cambria Math" panose="02040503050406030204" pitchFamily="18" charset="0"/>
-                                    <a:ea typeface="Cambria Math" panose="02040503050406030204" pitchFamily="18" charset="0"/>
-                                  </a:rPr>
-                                  <m:t>′</m:t>
-                                </m:r>
-                              </m:sup>
-                            </m:sSup>
-                            <m:r>
-                              <a:rPr lang="en-US" sz="2800" b="0" i="1" smtClean="0">
-                                <a:latin typeface="Cambria Math" panose="02040503050406030204" pitchFamily="18" charset="0"/>
-                                <a:ea typeface="Cambria Math" panose="02040503050406030204" pitchFamily="18" charset="0"/>
-                              </a:rPr>
-                              <m:t>−1</m:t>
-                            </m:r>
-                          </m:e>
-                        </m:d>
-                      </m:e>
-                    </m:d>
-                    <m:r>
-                      <a:rPr lang="en-US" sz="2800" b="0" i="1" smtClean="0">
-                        <a:latin typeface="Cambria Math" panose="02040503050406030204" pitchFamily="18" charset="0"/>
-                        <a:ea typeface="Cambria Math" panose="02040503050406030204" pitchFamily="18" charset="0"/>
-                      </a:rPr>
-                      <m:t> </m:t>
-                    </m:r>
-                    <m:r>
-                      <a:rPr lang="en-US" sz="2800" b="0" i="1" smtClean="0">
-                        <a:latin typeface="Cambria Math" panose="02040503050406030204" pitchFamily="18" charset="0"/>
-                        <a:ea typeface="Cambria Math" panose="02040503050406030204" pitchFamily="18" charset="0"/>
-                      </a:rPr>
-                      <m:t>𝑛</m:t>
-                    </m:r>
-                  </m:oMath>
-                </a14:m>
-                <a:endParaRPr lang="en-US" sz="2800" b="0" dirty="0" smtClean="0">
-                  <a:ea typeface="Cambria Math" panose="02040503050406030204" pitchFamily="18" charset="0"/>
-                </a:endParaRPr>
-              </a:p>
-              <a:p>
-                <a:pPr marL="285750" indent="-285750">
-                  <a:buFont typeface="Arial" panose="020B0604020202020204" pitchFamily="34" charset="0"/>
-                  <a:buChar char="•"/>
-                </a:pPr>
-                <a:r>
-                  <a:rPr lang="en-US" sz="2800" b="0" dirty="0" smtClean="0">
-                    <a:ea typeface="Cambria Math" panose="02040503050406030204" pitchFamily="18" charset="0"/>
-                  </a:rPr>
-                  <a:t>Notice that factorial is created by making an infinite loop and applying an argument to it.</a:t>
-                </a:r>
-              </a:p>
-              <a:p>
-                <a:pPr marL="285750" indent="-285750">
-                  <a:buFont typeface="Arial" panose="020B0604020202020204" pitchFamily="34" charset="0"/>
-                  <a:buChar char="•"/>
-                </a:pPr>
-                <a:endParaRPr lang="en-US" sz="2800" dirty="0" smtClean="0"/>
-              </a:p>
-            </p:txBody>
-          </p:sp>
-        </mc:Choice>
-        <mc:Fallback>
-          <p:sp>
-            <p:nvSpPr>
-              <p:cNvPr id="4" name="TextBox 3"/>
-              <p:cNvSpPr txBox="1">
-                <a:spLocks noRot="1" noChangeAspect="1" noMove="1" noResize="1" noEditPoints="1" noAdjustHandles="1" noChangeArrowheads="1" noChangeShapeType="1" noTextEdit="1"/>
-              </p:cNvSpPr>
-              <p:nvPr/>
-            </p:nvSpPr>
-            <p:spPr>
-              <a:xfrm>
-                <a:off x="1" y="1941095"/>
-                <a:ext cx="5181600" cy="3164008"/>
-              </a:xfrm>
-              <a:prstGeom prst="rect">
-                <a:avLst/>
-              </a:prstGeom>
-              <a:blipFill rotWithShape="0">
-                <a:blip r:embed="rId3"/>
-                <a:stretch>
-                  <a:fillRect l="-2118"/>
-                </a:stretch>
-              </a:blipFill>
-            </p:spPr>
-            <p:txBody>
-              <a:bodyPr/>
-              <a:lstStyle/>
-              <a:p>
-                <a:r>
-                  <a:rPr lang="en-US">
-                    <a:noFill/>
-                  </a:rPr>
-                  <a:t> </a:t>
-                </a:r>
-              </a:p>
-            </p:txBody>
-          </p:sp>
-        </mc:Fallback>
-      </mc:AlternateContent>
     </p:spTree>
     <p:extLst>
       <p:ext uri="{BB962C8B-B14F-4D97-AF65-F5344CB8AC3E}">
-        <p14:creationId xmlns:p14="http://schemas.microsoft.com/office/powerpoint/2010/main" val="1190950648"/>
-      </p:ext>
-    </p:extLst>
-  </p:cSld>
-  <p:clrMapOvr>
-    <a:masterClrMapping/>
-  </p:clrMapOvr>
-</p:sld>
-</file>
-
-<file path=ppt/slides/slide9.xml><?xml version="1.0" encoding="utf-8"?>
-<p:sld xmlns:a="http://schemas.openxmlformats.org/drawingml/2006/main" xmlns:r="http://schemas.openxmlformats.org/officeDocument/2006/relationships" xmlns:p="http://schemas.openxmlformats.org/presentationml/2006/main">
-  <p:cSld>
-    <p:spTree>
-      <p:nvGrpSpPr>
-        <p:cNvPr id="1" name=""/>
-        <p:cNvGrpSpPr/>
-        <p:nvPr/>
-      </p:nvGrpSpPr>
-      <p:grpSpPr>
-        <a:xfrm>
-          <a:off x="0" y="0"/>
-          <a:ext cx="0" cy="0"/>
-          <a:chOff x="0" y="0"/>
-          <a:chExt cx="0" cy="0"/>
-        </a:xfrm>
-      </p:grpSpPr>
-      <p:sp>
-        <p:nvSpPr>
-          <p:cNvPr id="2" name="Title 1"/>
-          <p:cNvSpPr>
-            <a:spLocks noGrp="1"/>
-          </p:cNvSpPr>
-          <p:nvPr>
-            <p:ph type="title"/>
-          </p:nvPr>
-        </p:nvSpPr>
-        <p:spPr>
-          <a:xfrm>
-            <a:off x="762000" y="559678"/>
-            <a:ext cx="3833906" cy="1638090"/>
-          </a:xfrm>
-        </p:spPr>
-        <p:txBody>
-          <a:bodyPr/>
-          <a:lstStyle/>
-          <a:p>
-            <a:r>
-              <a:rPr lang="en-US" dirty="0" smtClean="0"/>
-              <a:t>More Information</a:t>
-            </a:r>
-            <a:endParaRPr lang="en-US" dirty="0"/>
-          </a:p>
-        </p:txBody>
-      </p:sp>
-      <p:sp>
-        <p:nvSpPr>
-          <p:cNvPr id="3" name="Content Placeholder 2"/>
-          <p:cNvSpPr>
-            <a:spLocks noGrp="1"/>
-          </p:cNvSpPr>
-          <p:nvPr>
-            <p:ph idx="1"/>
-          </p:nvPr>
-        </p:nvSpPr>
-        <p:spPr>
-          <a:xfrm>
-            <a:off x="761999" y="2542245"/>
-            <a:ext cx="10339137" cy="3040408"/>
-          </a:xfrm>
-        </p:spPr>
-        <p:txBody>
-          <a:bodyPr>
-            <a:normAutofit/>
-          </a:bodyPr>
-          <a:lstStyle/>
-          <a:p>
-            <a:pPr marL="0" indent="0">
-              <a:buNone/>
-            </a:pPr>
-            <a:r>
-              <a:rPr lang="en-US" sz="4000" dirty="0" smtClean="0"/>
-              <a:t>2bdkid.github.io/lambda_quickstart.pdf</a:t>
-            </a:r>
-            <a:endParaRPr lang="en-US" sz="4000" dirty="0"/>
-          </a:p>
-        </p:txBody>
-      </p:sp>
-    </p:spTree>
-    <p:extLst>
-      <p:ext uri="{BB962C8B-B14F-4D97-AF65-F5344CB8AC3E}">
-        <p14:creationId xmlns:p14="http://schemas.microsoft.com/office/powerpoint/2010/main" val="2896161540"/>
+        <p14:creationId xmlns:p14="http://schemas.microsoft.com/office/powerpoint/2010/main" val="1338720571"/>
       </p:ext>
     </p:extLst>
   </p:cSld>
